--- a/Final presentation/_Final presentation.pptx
+++ b/Final presentation/_Final presentation.pptx
@@ -6,9 +6,17 @@
   </p:sldMasterIdLst>
   <p:sldIdLst>
     <p:sldId id="256" r:id="rId2"/>
-    <p:sldId id="259" r:id="rId3"/>
-    <p:sldId id="258" r:id="rId4"/>
-    <p:sldId id="260" r:id="rId5"/>
+    <p:sldId id="265" r:id="rId3"/>
+    <p:sldId id="266" r:id="rId4"/>
+    <p:sldId id="264" r:id="rId5"/>
+    <p:sldId id="259" r:id="rId6"/>
+    <p:sldId id="263" r:id="rId7"/>
+    <p:sldId id="258" r:id="rId8"/>
+    <p:sldId id="262" r:id="rId9"/>
+    <p:sldId id="261" r:id="rId10"/>
+    <p:sldId id="267" r:id="rId11"/>
+    <p:sldId id="268" r:id="rId12"/>
+    <p:sldId id="260" r:id="rId13"/>
   </p:sldIdLst>
   <p:sldSz cx="9144000" cy="6858000" type="screen4x3"/>
   <p:notesSz cx="6858000" cy="9144000"/>
@@ -3062,16 +3070,1031 @@
           <a:chExt cx="0" cy="0"/>
         </a:xfrm>
       </p:grpSpPr>
+      <p:sp>
+        <p:nvSpPr>
+          <p:cNvPr id="2" name="TextBox 1"/>
+          <p:cNvSpPr txBox="1"/>
+          <p:nvPr/>
+        </p:nvSpPr>
+        <p:spPr>
+          <a:xfrm>
+            <a:off x="685800" y="533400"/>
+            <a:ext cx="7696200" cy="3600986"/>
+          </a:xfrm>
+          <a:prstGeom prst="rect">
+            <a:avLst/>
+          </a:prstGeom>
+          <a:noFill/>
+        </p:spPr>
+        <p:txBody>
+          <a:bodyPr wrap="square" rtlCol="0">
+            <a:spAutoFit/>
+          </a:bodyPr>
+          <a:lstStyle/>
+          <a:p>
+            <a:pPr algn="ctr">
+              <a:lnSpc>
+                <a:spcPct val="150000"/>
+              </a:lnSpc>
+            </a:pPr>
+            <a:r>
+              <a:rPr lang="de-DE" sz="2800" dirty="0" smtClean="0"/>
+              <a:t>The Down States</a:t>
+            </a:r>
+          </a:p>
+          <a:p>
+            <a:pPr>
+              <a:lnSpc>
+                <a:spcPct val="150000"/>
+              </a:lnSpc>
+            </a:pPr>
+            <a:endParaRPr lang="de-DE" sz="2800" dirty="0"/>
+          </a:p>
+          <a:p>
+            <a:pPr>
+              <a:lnSpc>
+                <a:spcPct val="150000"/>
+              </a:lnSpc>
+            </a:pPr>
+            <a:r>
+              <a:rPr lang="de-DE" sz="2000" dirty="0" smtClean="0"/>
+              <a:t>Focus:	Activity in </a:t>
+            </a:r>
+            <a:r>
+              <a:rPr lang="de-DE" sz="2000" b="1" dirty="0" smtClean="0">
+                <a:solidFill>
+                  <a:srgbClr val="C00000"/>
+                </a:solidFill>
+              </a:rPr>
+              <a:t>preparatory period </a:t>
+            </a:r>
+            <a:r>
+              <a:rPr lang="de-DE" sz="2000" dirty="0" smtClean="0"/>
+              <a:t>[cue-off go-on]</a:t>
+            </a:r>
+          </a:p>
+          <a:p>
+            <a:pPr>
+              <a:lnSpc>
+                <a:spcPct val="150000"/>
+              </a:lnSpc>
+            </a:pPr>
+            <a:r>
+              <a:rPr lang="de-DE" sz="2000" dirty="0" smtClean="0"/>
+              <a:t>				and subsequent </a:t>
+            </a:r>
+            <a:r>
+              <a:rPr lang="de-DE" sz="2000" b="1" dirty="0" smtClean="0">
+                <a:solidFill>
+                  <a:srgbClr val="C00000"/>
+                </a:solidFill>
+              </a:rPr>
+              <a:t>reaction time </a:t>
+            </a:r>
+            <a:r>
+              <a:rPr lang="de-DE" sz="2000" dirty="0" smtClean="0"/>
+              <a:t>(RT)</a:t>
+            </a:r>
+          </a:p>
+          <a:p>
+            <a:endParaRPr lang="de-DE" sz="2800" dirty="0"/>
+          </a:p>
+          <a:p>
+            <a:endParaRPr lang="de-DE" sz="2800" dirty="0" smtClean="0"/>
+          </a:p>
+          <a:p>
+            <a:endParaRPr lang="de-DE" sz="2800" dirty="0"/>
+          </a:p>
+        </p:txBody>
+      </p:sp>
+    </p:spTree>
+    <p:extLst>
+      <p:ext uri="{BB962C8B-B14F-4D97-AF65-F5344CB8AC3E}">
+        <p14:creationId xmlns:p14="http://schemas.microsoft.com/office/powerpoint/2010/main" val="2783279720"/>
+      </p:ext>
+    </p:extLst>
+  </p:cSld>
+  <p:clrMapOvr>
+    <a:masterClrMapping/>
+  </p:clrMapOvr>
+  <p:timing>
+    <p:tnLst>
+      <p:par>
+        <p:cTn id="1" dur="indefinite" restart="never" nodeType="tmRoot">
+          <p:childTnLst>
+            <p:seq concurrent="1" nextAc="seek">
+              <p:cTn id="2" dur="indefinite" nodeType="mainSeq">
+                <p:childTnLst>
+                  <p:par>
+                    <p:cTn id="3" fill="hold">
+                      <p:stCondLst>
+                        <p:cond delay="indefinite"/>
+                      </p:stCondLst>
+                      <p:childTnLst>
+                        <p:par>
+                          <p:cTn id="4" fill="hold">
+                            <p:stCondLst>
+                              <p:cond delay="0"/>
+                            </p:stCondLst>
+                            <p:childTnLst>
+                              <p:par>
+                                <p:cTn id="5" presetID="1" presetClass="entr" presetSubtype="0" fill="hold" nodeType="clickEffect">
+                                  <p:stCondLst>
+                                    <p:cond delay="0"/>
+                                  </p:stCondLst>
+                                  <p:childTnLst>
+                                    <p:set>
+                                      <p:cBhvr>
+                                        <p:cTn id="6" dur="1" fill="hold">
+                                          <p:stCondLst>
+                                            <p:cond delay="0"/>
+                                          </p:stCondLst>
+                                        </p:cTn>
+                                        <p:tgtEl>
+                                          <p:spTgt spid="2">
+                                            <p:txEl>
+                                              <p:pRg st="2" end="2"/>
+                                            </p:txEl>
+                                          </p:spTgt>
+                                        </p:tgtEl>
+                                        <p:attrNameLst>
+                                          <p:attrName>style.visibility</p:attrName>
+                                        </p:attrNameLst>
+                                      </p:cBhvr>
+                                      <p:to>
+                                        <p:strVal val="visible"/>
+                                      </p:to>
+                                    </p:set>
+                                  </p:childTnLst>
+                                </p:cTn>
+                              </p:par>
+                              <p:par>
+                                <p:cTn id="7" presetID="1" presetClass="entr" presetSubtype="0" fill="hold" nodeType="withEffect">
+                                  <p:stCondLst>
+                                    <p:cond delay="0"/>
+                                  </p:stCondLst>
+                                  <p:childTnLst>
+                                    <p:set>
+                                      <p:cBhvr>
+                                        <p:cTn id="8" dur="1" fill="hold">
+                                          <p:stCondLst>
+                                            <p:cond delay="0"/>
+                                          </p:stCondLst>
+                                        </p:cTn>
+                                        <p:tgtEl>
+                                          <p:spTgt spid="2">
+                                            <p:txEl>
+                                              <p:pRg st="3" end="3"/>
+                                            </p:txEl>
+                                          </p:spTgt>
+                                        </p:tgtEl>
+                                        <p:attrNameLst>
+                                          <p:attrName>style.visibility</p:attrName>
+                                        </p:attrNameLst>
+                                      </p:cBhvr>
+                                      <p:to>
+                                        <p:strVal val="visible"/>
+                                      </p:to>
+                                    </p:set>
+                                  </p:childTnLst>
+                                </p:cTn>
+                              </p:par>
+                            </p:childTnLst>
+                          </p:cTn>
+                        </p:par>
+                      </p:childTnLst>
+                    </p:cTn>
+                  </p:par>
+                </p:childTnLst>
+              </p:cTn>
+              <p:prevCondLst>
+                <p:cond evt="onPrev" delay="0">
+                  <p:tgtEl>
+                    <p:sldTgt/>
+                  </p:tgtEl>
+                </p:cond>
+              </p:prevCondLst>
+              <p:nextCondLst>
+                <p:cond evt="onNext" delay="0">
+                  <p:tgtEl>
+                    <p:sldTgt/>
+                  </p:tgtEl>
+                </p:cond>
+              </p:nextCondLst>
+            </p:seq>
+          </p:childTnLst>
+        </p:cTn>
+      </p:par>
+    </p:tnLst>
+  </p:timing>
+</p:sld>
+</file>
+
+<file path=ppt/slides/slide10.xml><?xml version="1.0" encoding="utf-8"?>
+<p:sld xmlns:a="http://schemas.openxmlformats.org/drawingml/2006/main" xmlns:r="http://schemas.openxmlformats.org/officeDocument/2006/relationships" xmlns:p="http://schemas.openxmlformats.org/presentationml/2006/main">
+  <p:cSld>
+    <p:spTree>
+      <p:nvGrpSpPr>
+        <p:cNvPr id="1" name=""/>
+        <p:cNvGrpSpPr/>
+        <p:nvPr/>
+      </p:nvGrpSpPr>
+      <p:grpSpPr>
+        <a:xfrm>
+          <a:off x="0" y="0"/>
+          <a:ext cx="0" cy="0"/>
+          <a:chOff x="0" y="0"/>
+          <a:chExt cx="0" cy="0"/>
+        </a:xfrm>
+      </p:grpSpPr>
+      <p:sp>
+        <p:nvSpPr>
+          <p:cNvPr id="5" name="TextBox 4"/>
+          <p:cNvSpPr txBox="1"/>
+          <p:nvPr/>
+        </p:nvSpPr>
+        <p:spPr>
+          <a:xfrm>
+            <a:off x="457200" y="535920"/>
+            <a:ext cx="6248400" cy="400110"/>
+          </a:xfrm>
+          <a:prstGeom prst="rect">
+            <a:avLst/>
+          </a:prstGeom>
+          <a:noFill/>
+        </p:spPr>
+        <p:txBody>
+          <a:bodyPr wrap="square" rtlCol="0">
+            <a:spAutoFit/>
+          </a:bodyPr>
+          <a:lstStyle/>
+          <a:p>
+            <a:r>
+              <a:rPr lang="de-DE" sz="2000" dirty="0" smtClean="0"/>
+              <a:t>Spike-correlations – A closer look (cross-correlation)</a:t>
+            </a:r>
+            <a:endParaRPr lang="de-DE" sz="2000" dirty="0"/>
+          </a:p>
+        </p:txBody>
+      </p:sp>
+    </p:spTree>
+    <p:extLst>
+      <p:ext uri="{BB962C8B-B14F-4D97-AF65-F5344CB8AC3E}">
+        <p14:creationId xmlns:p14="http://schemas.microsoft.com/office/powerpoint/2010/main" val="3131936452"/>
+      </p:ext>
+    </p:extLst>
+  </p:cSld>
+  <p:clrMapOvr>
+    <a:masterClrMapping/>
+  </p:clrMapOvr>
+  <p:timing>
+    <p:tnLst>
+      <p:par>
+        <p:cTn id="1" dur="indefinite" restart="never" nodeType="tmRoot"/>
+      </p:par>
+    </p:tnLst>
+  </p:timing>
+</p:sld>
+</file>
+
+<file path=ppt/slides/slide11.xml><?xml version="1.0" encoding="utf-8"?>
+<p:sld xmlns:a="http://schemas.openxmlformats.org/drawingml/2006/main" xmlns:r="http://schemas.openxmlformats.org/officeDocument/2006/relationships" xmlns:p="http://schemas.openxmlformats.org/presentationml/2006/main">
+  <p:cSld>
+    <p:spTree>
+      <p:nvGrpSpPr>
+        <p:cNvPr id="1" name=""/>
+        <p:cNvGrpSpPr/>
+        <p:nvPr/>
+      </p:nvGrpSpPr>
+      <p:grpSpPr>
+        <a:xfrm>
+          <a:off x="0" y="0"/>
+          <a:ext cx="0" cy="0"/>
+          <a:chOff x="0" y="0"/>
+          <a:chExt cx="0" cy="0"/>
+        </a:xfrm>
+      </p:grpSpPr>
+      <p:sp>
+        <p:nvSpPr>
+          <p:cNvPr id="5" name="TextBox 4"/>
+          <p:cNvSpPr txBox="1"/>
+          <p:nvPr/>
+        </p:nvSpPr>
+        <p:spPr>
+          <a:xfrm>
+            <a:off x="457200" y="535920"/>
+            <a:ext cx="6248400" cy="400110"/>
+          </a:xfrm>
+          <a:prstGeom prst="rect">
+            <a:avLst/>
+          </a:prstGeom>
+          <a:noFill/>
+        </p:spPr>
+        <p:txBody>
+          <a:bodyPr wrap="square" rtlCol="0">
+            <a:spAutoFit/>
+          </a:bodyPr>
+          <a:lstStyle/>
+          <a:p>
+            <a:r>
+              <a:rPr lang="de-DE" sz="2000" dirty="0" smtClean="0"/>
+              <a:t>PCA – A closer look</a:t>
+            </a:r>
+            <a:endParaRPr lang="de-DE" sz="2000" dirty="0"/>
+          </a:p>
+        </p:txBody>
+      </p:sp>
+    </p:spTree>
+    <p:extLst>
+      <p:ext uri="{BB962C8B-B14F-4D97-AF65-F5344CB8AC3E}">
+        <p14:creationId xmlns:p14="http://schemas.microsoft.com/office/powerpoint/2010/main" val="196734739"/>
+      </p:ext>
+    </p:extLst>
+  </p:cSld>
+  <p:clrMapOvr>
+    <a:masterClrMapping/>
+  </p:clrMapOvr>
+  <p:timing>
+    <p:tnLst>
+      <p:par>
+        <p:cTn id="1" dur="indefinite" restart="never" nodeType="tmRoot"/>
+      </p:par>
+    </p:tnLst>
+  </p:timing>
+</p:sld>
+</file>
+
+<file path=ppt/slides/slide12.xml><?xml version="1.0" encoding="utf-8"?>
+<p:sld xmlns:a="http://schemas.openxmlformats.org/drawingml/2006/main" xmlns:r="http://schemas.openxmlformats.org/officeDocument/2006/relationships" xmlns:p="http://schemas.openxmlformats.org/presentationml/2006/main">
+  <p:cSld>
+    <p:spTree>
+      <p:nvGrpSpPr>
+        <p:cNvPr id="1" name=""/>
+        <p:cNvGrpSpPr/>
+        <p:nvPr/>
+      </p:nvGrpSpPr>
+      <p:grpSpPr>
+        <a:xfrm>
+          <a:off x="0" y="0"/>
+          <a:ext cx="0" cy="0"/>
+          <a:chOff x="0" y="0"/>
+          <a:chExt cx="0" cy="0"/>
+        </a:xfrm>
+      </p:grpSpPr>
+      <p:sp>
+        <p:nvSpPr>
+          <p:cNvPr id="4" name="TextBox 3"/>
+          <p:cNvSpPr txBox="1"/>
+          <p:nvPr/>
+        </p:nvSpPr>
+        <p:spPr>
+          <a:xfrm>
+            <a:off x="457200" y="990600"/>
+            <a:ext cx="7924800" cy="4247317"/>
+          </a:xfrm>
+          <a:prstGeom prst="rect">
+            <a:avLst/>
+          </a:prstGeom>
+          <a:noFill/>
+        </p:spPr>
+        <p:txBody>
+          <a:bodyPr wrap="square" rtlCol="0">
+            <a:spAutoFit/>
+          </a:bodyPr>
+          <a:lstStyle/>
+          <a:p>
+            <a:r>
+              <a:rPr lang="de-DE" b="1" dirty="0" smtClean="0"/>
+              <a:t>Outline</a:t>
+            </a:r>
+          </a:p>
+          <a:p>
+            <a:endParaRPr lang="de-DE" dirty="0" smtClean="0"/>
+          </a:p>
+          <a:p>
+            <a:r>
+              <a:rPr lang="de-DE" dirty="0" smtClean="0"/>
+              <a:t>Part 1: Old shit</a:t>
+            </a:r>
+          </a:p>
+          <a:p>
+            <a:r>
+              <a:rPr lang="de-DE" dirty="0" smtClean="0"/>
+              <a:t>How did we find the real dataset?</a:t>
+            </a:r>
+          </a:p>
+          <a:p>
+            <a:r>
+              <a:rPr lang="de-DE" dirty="0" smtClean="0"/>
+              <a:t>Slide 1: one pieve of evidence in each corner</a:t>
+            </a:r>
+          </a:p>
+          <a:p>
+            <a:r>
+              <a:rPr lang="de-DE" dirty="0" smtClean="0"/>
+              <a:t>Slide 2: ISI nail in the coffin</a:t>
+            </a:r>
+          </a:p>
+          <a:p>
+            <a:endParaRPr lang="de-DE" dirty="0"/>
+          </a:p>
+          <a:p>
+            <a:r>
+              <a:rPr lang="de-DE" dirty="0"/>
+              <a:t>Part </a:t>
+            </a:r>
+            <a:r>
+              <a:rPr lang="de-DE" dirty="0" smtClean="0"/>
+              <a:t>2: New data!</a:t>
+            </a:r>
+          </a:p>
+          <a:p>
+            <a:r>
+              <a:rPr lang="de-DE" dirty="0" smtClean="0"/>
+              <a:t>	Jens: 	Correlations FR-RT across channels</a:t>
+            </a:r>
+          </a:p>
+          <a:p>
+            <a:r>
+              <a:rPr lang="de-DE" dirty="0" smtClean="0"/>
+              <a:t>	Jahan: 	Correlations between units across channels</a:t>
+            </a:r>
+          </a:p>
+          <a:p>
+            <a:r>
+              <a:rPr lang="de-DE" dirty="0" smtClean="0"/>
+              <a:t>	Lungsi: 	Adding time-resolution with pairwise cross-correlations on a 	subset of 	pairs, show eg. 3 pairs in different colors -&gt; 3 cross-corr curves</a:t>
+            </a:r>
+          </a:p>
+          <a:p>
+            <a:r>
+              <a:rPr lang="de-DE" dirty="0" smtClean="0"/>
+              <a:t>	HP: 	Fancy PCA movie</a:t>
+            </a:r>
+          </a:p>
+          <a:p>
+            <a:endParaRPr lang="de-DE" dirty="0"/>
+          </a:p>
+          <a:p>
+            <a:r>
+              <a:rPr lang="de-DE" dirty="0" smtClean="0"/>
+              <a:t>Part 3: Conclusions ??</a:t>
+            </a:r>
+            <a:endParaRPr lang="de-DE" dirty="0"/>
+          </a:p>
+        </p:txBody>
+      </p:sp>
+    </p:spTree>
+    <p:extLst>
+      <p:ext uri="{BB962C8B-B14F-4D97-AF65-F5344CB8AC3E}">
+        <p14:creationId xmlns:p14="http://schemas.microsoft.com/office/powerpoint/2010/main" val="3530108487"/>
+      </p:ext>
+    </p:extLst>
+  </p:cSld>
+  <p:clrMapOvr>
+    <a:masterClrMapping/>
+  </p:clrMapOvr>
+  <p:timing>
+    <p:tnLst>
+      <p:par>
+        <p:cTn id="1" dur="indefinite" restart="never" nodeType="tmRoot"/>
+      </p:par>
+    </p:tnLst>
+  </p:timing>
+</p:sld>
+</file>
+
+<file path=ppt/slides/slide2.xml><?xml version="1.0" encoding="utf-8"?>
+<p:sld xmlns:a="http://schemas.openxmlformats.org/drawingml/2006/main" xmlns:r="http://schemas.openxmlformats.org/officeDocument/2006/relationships" xmlns:p="http://schemas.openxmlformats.org/presentationml/2006/main">
+  <p:cSld>
+    <p:spTree>
+      <p:nvGrpSpPr>
+        <p:cNvPr id="1" name=""/>
+        <p:cNvGrpSpPr/>
+        <p:nvPr/>
+      </p:nvGrpSpPr>
+      <p:grpSpPr>
+        <a:xfrm>
+          <a:off x="0" y="0"/>
+          <a:ext cx="0" cy="0"/>
+          <a:chOff x="0" y="0"/>
+          <a:chExt cx="0" cy="0"/>
+        </a:xfrm>
+      </p:grpSpPr>
+      <p:sp>
+        <p:nvSpPr>
+          <p:cNvPr id="2" name="TextBox 1"/>
+          <p:cNvSpPr txBox="1"/>
+          <p:nvPr/>
+        </p:nvSpPr>
+        <p:spPr>
+          <a:xfrm>
+            <a:off x="457200" y="535920"/>
+            <a:ext cx="5747022" cy="400110"/>
+          </a:xfrm>
+          <a:prstGeom prst="rect">
+            <a:avLst/>
+          </a:prstGeom>
+          <a:noFill/>
+        </p:spPr>
+        <p:txBody>
+          <a:bodyPr wrap="none" rtlCol="0">
+            <a:spAutoFit/>
+          </a:bodyPr>
+          <a:lstStyle/>
+          <a:p>
+            <a:r>
+              <a:rPr lang="de-DE" sz="2000" dirty="0" smtClean="0"/>
+              <a:t>Chain of evidence – Part 1: Dichotomy in the datasets</a:t>
+            </a:r>
+            <a:endParaRPr lang="de-DE" sz="2000" dirty="0"/>
+          </a:p>
+        </p:txBody>
+      </p:sp>
       <p:pic>
         <p:nvPicPr>
-          <p:cNvPr id="1028" name="Picture 4" descr="C:\Users\Jens\Documents\ANDA\analysis\Plot\Correlated Neurons - CV2.png"/>
+          <p:cNvPr id="3074" name="Picture 2" descr="C:\Users\Jens\Documents\ANDA\analysis\Final presentation\FFvsCVsq_data1b.png"/>
+          <p:cNvPicPr>
+            <a:picLocks noChangeAspect="1" noChangeArrowheads="1"/>
+          </p:cNvPicPr>
+          <p:nvPr/>
+        </p:nvPicPr>
+        <p:blipFill rotWithShape="1">
+          <a:blip r:embed="rId2" cstate="print">
+            <a:extLst>
+              <a:ext uri="{28A0092B-C50C-407E-A947-70E740481C1C}">
+                <a14:useLocalDpi xmlns:a14="http://schemas.microsoft.com/office/drawing/2010/main" val="0"/>
+              </a:ext>
+            </a:extLst>
+          </a:blip>
+          <a:srcRect l="3530" t="6756" r="2629"/>
+          <a:stretch/>
+        </p:blipFill>
+        <p:spPr bwMode="auto">
+          <a:xfrm>
+            <a:off x="2305050" y="1749628"/>
+            <a:ext cx="2025650" cy="1752600"/>
+          </a:xfrm>
+          <a:prstGeom prst="rect">
+            <a:avLst/>
+          </a:prstGeom>
+          <a:noFill/>
+          <a:extLst>
+            <a:ext uri="{909E8E84-426E-40DD-AFC4-6F175D3DCCD1}">
+              <a14:hiddenFill xmlns:a14="http://schemas.microsoft.com/office/drawing/2010/main">
+                <a:solidFill>
+                  <a:srgbClr val="FFFFFF"/>
+                </a:solidFill>
+              </a14:hiddenFill>
+            </a:ext>
+          </a:extLst>
+        </p:spPr>
+      </p:pic>
+      <p:pic>
+        <p:nvPicPr>
+          <p:cNvPr id="3075" name="Picture 3" descr="C:\Users\Jens\Documents\ANDA\analysis\Final presentation\FFvsCVsq_data2b.png"/>
+          <p:cNvPicPr>
+            <a:picLocks noChangeAspect="1" noChangeArrowheads="1"/>
+          </p:cNvPicPr>
+          <p:nvPr/>
+        </p:nvPicPr>
+        <p:blipFill rotWithShape="1">
+          <a:blip r:embed="rId3" cstate="print">
+            <a:extLst>
+              <a:ext uri="{28A0092B-C50C-407E-A947-70E740481C1C}">
+                <a14:useLocalDpi xmlns:a14="http://schemas.microsoft.com/office/drawing/2010/main" val="0"/>
+              </a:ext>
+            </a:extLst>
+          </a:blip>
+          <a:srcRect l="2648" t="8108" r="3511"/>
+          <a:stretch/>
+        </p:blipFill>
+        <p:spPr bwMode="auto">
+          <a:xfrm>
+            <a:off x="152400" y="1768678"/>
+            <a:ext cx="2025650" cy="1727200"/>
+          </a:xfrm>
+          <a:prstGeom prst="rect">
+            <a:avLst/>
+          </a:prstGeom>
+          <a:noFill/>
+          <a:extLst>
+            <a:ext uri="{909E8E84-426E-40DD-AFC4-6F175D3DCCD1}">
+              <a14:hiddenFill xmlns:a14="http://schemas.microsoft.com/office/drawing/2010/main">
+                <a:solidFill>
+                  <a:srgbClr val="FFFFFF"/>
+                </a:solidFill>
+              </a14:hiddenFill>
+            </a:ext>
+          </a:extLst>
+        </p:spPr>
+      </p:pic>
+      <p:pic>
+        <p:nvPicPr>
+          <p:cNvPr id="3076" name="Picture 4" descr="C:\Users\Jens\Documents\ANDA\analysis\Final presentation\FAno_CV_Trial.png"/>
+          <p:cNvPicPr>
+            <a:picLocks noChangeAspect="1" noChangeArrowheads="1"/>
+          </p:cNvPicPr>
+          <p:nvPr/>
+        </p:nvPicPr>
+        <p:blipFill rotWithShape="1">
+          <a:blip r:embed="rId4">
+            <a:extLst>
+              <a:ext uri="{28A0092B-C50C-407E-A947-70E740481C1C}">
+                <a14:useLocalDpi xmlns:a14="http://schemas.microsoft.com/office/drawing/2010/main" val="0"/>
+              </a:ext>
+            </a:extLst>
+          </a:blip>
+          <a:srcRect l="37759" t="11407" r="8485" b="50000"/>
+          <a:stretch/>
+        </p:blipFill>
+        <p:spPr bwMode="auto">
+          <a:xfrm>
+            <a:off x="4841534" y="1870278"/>
+            <a:ext cx="4226266" cy="1663700"/>
+          </a:xfrm>
+          <a:prstGeom prst="rect">
+            <a:avLst/>
+          </a:prstGeom>
+          <a:noFill/>
+          <a:extLst>
+            <a:ext uri="{909E8E84-426E-40DD-AFC4-6F175D3DCCD1}">
+              <a14:hiddenFill xmlns:a14="http://schemas.microsoft.com/office/drawing/2010/main">
+                <a:solidFill>
+                  <a:srgbClr val="FFFFFF"/>
+                </a:solidFill>
+              </a14:hiddenFill>
+            </a:ext>
+          </a:extLst>
+        </p:spPr>
+      </p:pic>
+      <p:sp>
+        <p:nvSpPr>
+          <p:cNvPr id="3" name="TextBox 2"/>
+          <p:cNvSpPr txBox="1"/>
+          <p:nvPr/>
+        </p:nvSpPr>
+        <p:spPr>
+          <a:xfrm>
+            <a:off x="642518" y="1551801"/>
+            <a:ext cx="1045414" cy="276999"/>
+          </a:xfrm>
+          <a:prstGeom prst="rect">
+            <a:avLst/>
+          </a:prstGeom>
+          <a:noFill/>
+        </p:spPr>
+        <p:txBody>
+          <a:bodyPr wrap="none" rtlCol="0">
+            <a:spAutoFit/>
+          </a:bodyPr>
+          <a:lstStyle/>
+          <a:p>
+            <a:r>
+              <a:rPr lang="de-DE" sz="1200" dirty="0" smtClean="0"/>
+              <a:t>Data 0, 1, 3, 4</a:t>
+            </a:r>
+            <a:endParaRPr lang="de-DE" sz="1200" dirty="0"/>
+          </a:p>
+        </p:txBody>
+      </p:sp>
+      <p:sp>
+        <p:nvSpPr>
+          <p:cNvPr id="7" name="TextBox 6"/>
+          <p:cNvSpPr txBox="1"/>
+          <p:nvPr/>
+        </p:nvSpPr>
+        <p:spPr>
+          <a:xfrm>
+            <a:off x="2947453" y="1551800"/>
+            <a:ext cx="740844" cy="276999"/>
+          </a:xfrm>
+          <a:prstGeom prst="rect">
+            <a:avLst/>
+          </a:prstGeom>
+          <a:noFill/>
+        </p:spPr>
+        <p:txBody>
+          <a:bodyPr wrap="none" rtlCol="0">
+            <a:spAutoFit/>
+          </a:bodyPr>
+          <a:lstStyle/>
+          <a:p>
+            <a:pPr algn="ctr"/>
+            <a:r>
+              <a:rPr lang="de-DE" sz="1200" dirty="0" smtClean="0"/>
+              <a:t>Data 2, 5</a:t>
+            </a:r>
+            <a:endParaRPr lang="de-DE" sz="1200" dirty="0"/>
+          </a:p>
+        </p:txBody>
+      </p:sp>
+      <p:sp>
+        <p:nvSpPr>
+          <p:cNvPr id="8" name="TextBox 7"/>
+          <p:cNvSpPr txBox="1"/>
+          <p:nvPr/>
+        </p:nvSpPr>
+        <p:spPr>
+          <a:xfrm>
+            <a:off x="5334000" y="1551799"/>
+            <a:ext cx="1045414" cy="276999"/>
+          </a:xfrm>
+          <a:prstGeom prst="rect">
+            <a:avLst/>
+          </a:prstGeom>
+          <a:noFill/>
+        </p:spPr>
+        <p:txBody>
+          <a:bodyPr wrap="none" rtlCol="0">
+            <a:spAutoFit/>
+          </a:bodyPr>
+          <a:lstStyle/>
+          <a:p>
+            <a:r>
+              <a:rPr lang="de-DE" sz="1200" dirty="0" smtClean="0"/>
+              <a:t>Data 0, 1, 3, 4</a:t>
+            </a:r>
+            <a:endParaRPr lang="de-DE" sz="1200" dirty="0"/>
+          </a:p>
+        </p:txBody>
+      </p:sp>
+      <p:sp>
+        <p:nvSpPr>
+          <p:cNvPr id="9" name="TextBox 8"/>
+          <p:cNvSpPr txBox="1"/>
+          <p:nvPr/>
+        </p:nvSpPr>
+        <p:spPr>
+          <a:xfrm>
+            <a:off x="7696200" y="1551796"/>
+            <a:ext cx="740844" cy="276999"/>
+          </a:xfrm>
+          <a:prstGeom prst="rect">
+            <a:avLst/>
+          </a:prstGeom>
+          <a:noFill/>
+        </p:spPr>
+        <p:txBody>
+          <a:bodyPr wrap="none" rtlCol="0">
+            <a:spAutoFit/>
+          </a:bodyPr>
+          <a:lstStyle/>
+          <a:p>
+            <a:pPr algn="ctr"/>
+            <a:r>
+              <a:rPr lang="de-DE" sz="1200" dirty="0" smtClean="0"/>
+              <a:t>Data 2, 5</a:t>
+            </a:r>
+            <a:endParaRPr lang="de-DE" sz="1200" dirty="0"/>
+          </a:p>
+        </p:txBody>
+      </p:sp>
+      <p:sp>
+        <p:nvSpPr>
+          <p:cNvPr id="4" name="TextBox 3"/>
+          <p:cNvSpPr txBox="1"/>
+          <p:nvPr/>
+        </p:nvSpPr>
+        <p:spPr>
+          <a:xfrm>
+            <a:off x="1600200" y="1143005"/>
+            <a:ext cx="479618" cy="338554"/>
+          </a:xfrm>
+          <a:prstGeom prst="rect">
+            <a:avLst/>
+          </a:prstGeom>
+          <a:noFill/>
+        </p:spPr>
+        <p:txBody>
+          <a:bodyPr wrap="none" rtlCol="0">
+            <a:spAutoFit/>
+          </a:bodyPr>
+          <a:lstStyle/>
+          <a:p>
+            <a:r>
+              <a:rPr lang="de-DE" sz="1600" dirty="0" smtClean="0">
+                <a:solidFill>
+                  <a:srgbClr val="FF0000"/>
+                </a:solidFill>
+              </a:rPr>
+              <a:t>CV²</a:t>
+            </a:r>
+            <a:endParaRPr lang="de-DE" sz="1600" dirty="0">
+              <a:solidFill>
+                <a:srgbClr val="FF0000"/>
+              </a:solidFill>
+            </a:endParaRPr>
+          </a:p>
+        </p:txBody>
+      </p:sp>
+      <p:sp>
+        <p:nvSpPr>
+          <p:cNvPr id="11" name="TextBox 10"/>
+          <p:cNvSpPr txBox="1"/>
+          <p:nvPr/>
+        </p:nvSpPr>
+        <p:spPr>
+          <a:xfrm>
+            <a:off x="2402263" y="1143006"/>
+            <a:ext cx="587918" cy="338554"/>
+          </a:xfrm>
+          <a:prstGeom prst="rect">
+            <a:avLst/>
+          </a:prstGeom>
+          <a:noFill/>
+        </p:spPr>
+        <p:txBody>
+          <a:bodyPr wrap="none" rtlCol="0">
+            <a:spAutoFit/>
+          </a:bodyPr>
+          <a:lstStyle/>
+          <a:p>
+            <a:r>
+              <a:rPr lang="de-DE" sz="1600" dirty="0" smtClean="0">
+                <a:solidFill>
+                  <a:srgbClr val="0070C0"/>
+                </a:solidFill>
+              </a:rPr>
+              <a:t>Fano</a:t>
+            </a:r>
+            <a:endParaRPr lang="de-DE" sz="1600" dirty="0">
+              <a:solidFill>
+                <a:srgbClr val="0070C0"/>
+              </a:solidFill>
+            </a:endParaRPr>
+          </a:p>
+        </p:txBody>
+      </p:sp>
+      <p:sp>
+        <p:nvSpPr>
+          <p:cNvPr id="12" name="TextBox 11"/>
+          <p:cNvSpPr txBox="1"/>
+          <p:nvPr/>
+        </p:nvSpPr>
+        <p:spPr>
+          <a:xfrm>
+            <a:off x="2057334" y="1143006"/>
+            <a:ext cx="408189" cy="338554"/>
+          </a:xfrm>
+          <a:prstGeom prst="rect">
+            <a:avLst/>
+          </a:prstGeom>
+          <a:noFill/>
+        </p:spPr>
+        <p:txBody>
+          <a:bodyPr wrap="none" rtlCol="0">
+            <a:spAutoFit/>
+          </a:bodyPr>
+          <a:lstStyle/>
+          <a:p>
+            <a:r>
+              <a:rPr lang="de-DE" sz="1600" dirty="0" smtClean="0"/>
+              <a:t>vs.</a:t>
+            </a:r>
+            <a:endParaRPr lang="de-DE" sz="1600" dirty="0"/>
+          </a:p>
+        </p:txBody>
+      </p:sp>
+      <p:sp>
+        <p:nvSpPr>
+          <p:cNvPr id="13" name="TextBox 12"/>
+          <p:cNvSpPr txBox="1"/>
+          <p:nvPr/>
+        </p:nvSpPr>
+        <p:spPr>
+          <a:xfrm>
+            <a:off x="6242050" y="1143000"/>
+            <a:ext cx="583814" cy="338554"/>
+          </a:xfrm>
+          <a:prstGeom prst="rect">
+            <a:avLst/>
+          </a:prstGeom>
+          <a:noFill/>
+        </p:spPr>
+        <p:txBody>
+          <a:bodyPr wrap="none" rtlCol="0">
+            <a:spAutoFit/>
+          </a:bodyPr>
+          <a:lstStyle/>
+          <a:p>
+            <a:r>
+              <a:rPr lang="de-DE" sz="1600" dirty="0" smtClean="0"/>
+              <a:t>CV2²</a:t>
+            </a:r>
+            <a:endParaRPr lang="de-DE" sz="1600" dirty="0"/>
+          </a:p>
+        </p:txBody>
+      </p:sp>
+      <p:sp>
+        <p:nvSpPr>
+          <p:cNvPr id="14" name="TextBox 13"/>
+          <p:cNvSpPr txBox="1"/>
+          <p:nvPr/>
+        </p:nvSpPr>
+        <p:spPr>
+          <a:xfrm>
+            <a:off x="7102713" y="1143001"/>
+            <a:ext cx="587918" cy="338554"/>
+          </a:xfrm>
+          <a:prstGeom prst="rect">
+            <a:avLst/>
+          </a:prstGeom>
+          <a:noFill/>
+        </p:spPr>
+        <p:txBody>
+          <a:bodyPr wrap="none" rtlCol="0">
+            <a:spAutoFit/>
+          </a:bodyPr>
+          <a:lstStyle/>
+          <a:p>
+            <a:r>
+              <a:rPr lang="de-DE" sz="1600" dirty="0" smtClean="0"/>
+              <a:t>Fano</a:t>
+            </a:r>
+            <a:endParaRPr lang="de-DE" sz="1600" dirty="0"/>
+          </a:p>
+        </p:txBody>
+      </p:sp>
+      <p:sp>
+        <p:nvSpPr>
+          <p:cNvPr id="15" name="TextBox 14"/>
+          <p:cNvSpPr txBox="1"/>
+          <p:nvPr/>
+        </p:nvSpPr>
+        <p:spPr>
+          <a:xfrm>
+            <a:off x="6757784" y="1143001"/>
+            <a:ext cx="408189" cy="338554"/>
+          </a:xfrm>
+          <a:prstGeom prst="rect">
+            <a:avLst/>
+          </a:prstGeom>
+          <a:noFill/>
+        </p:spPr>
+        <p:txBody>
+          <a:bodyPr wrap="none" rtlCol="0">
+            <a:spAutoFit/>
+          </a:bodyPr>
+          <a:lstStyle/>
+          <a:p>
+            <a:r>
+              <a:rPr lang="de-DE" sz="1600" dirty="0" smtClean="0"/>
+              <a:t>vs.</a:t>
+            </a:r>
+            <a:endParaRPr lang="de-DE" sz="1600" dirty="0"/>
+          </a:p>
+        </p:txBody>
+      </p:sp>
+      <p:pic>
+        <p:nvPicPr>
+          <p:cNvPr id="16" name="Picture 5" descr="C:\Users\Jens\Documents\ANDA\analysis\Plot\Correlated Neurons - FR.png"/>
+          <p:cNvPicPr>
+            <a:picLocks noChangeAspect="1" noChangeArrowheads="1"/>
+          </p:cNvPicPr>
+          <p:nvPr/>
+        </p:nvPicPr>
+        <p:blipFill rotWithShape="1">
+          <a:blip r:embed="rId5">
+            <a:extLst>
+              <a:ext uri="{28A0092B-C50C-407E-A947-70E740481C1C}">
+                <a14:useLocalDpi xmlns:a14="http://schemas.microsoft.com/office/drawing/2010/main" val="0"/>
+              </a:ext>
+            </a:extLst>
+          </a:blip>
+          <a:srcRect l="5221" t="11806" r="49359" b="7055"/>
+          <a:stretch/>
+        </p:blipFill>
+        <p:spPr bwMode="auto">
+          <a:xfrm>
+            <a:off x="285717" y="4485620"/>
+            <a:ext cx="3924300" cy="1752600"/>
+          </a:xfrm>
+          <a:prstGeom prst="rect">
+            <a:avLst/>
+          </a:prstGeom>
+          <a:noFill/>
+          <a:extLst>
+            <a:ext uri="{909E8E84-426E-40DD-AFC4-6F175D3DCCD1}">
+              <a14:hiddenFill xmlns:a14="http://schemas.microsoft.com/office/drawing/2010/main">
+                <a:solidFill>
+                  <a:srgbClr val="FFFFFF"/>
+                </a:solidFill>
+              </a14:hiddenFill>
+            </a:ext>
+          </a:extLst>
+        </p:spPr>
+      </p:pic>
+      <p:pic>
+        <p:nvPicPr>
+          <p:cNvPr id="17" name="Picture 4"/>
           <p:cNvPicPr>
             <a:picLocks noChangeAspect="1" noChangeArrowheads="1"/>
           </p:cNvPicPr>
           <p:nvPr/>
         </p:nvPicPr>
         <p:blipFill>
-          <a:blip r:embed="rId2">
+          <a:blip r:embed="rId6" cstate="print">
             <a:extLst>
               <a:ext uri="{28A0092B-C50C-407E-A947-70E740481C1C}">
                 <a14:useLocalDpi xmlns:a14="http://schemas.microsoft.com/office/drawing/2010/main" val="0"/>
@@ -3085,7 +4108,1793 @@
         </p:blipFill>
         <p:spPr bwMode="auto">
           <a:xfrm>
-            <a:off x="466151" y="3733800"/>
+            <a:off x="4567974" y="4579370"/>
+            <a:ext cx="2209800" cy="1656691"/>
+          </a:xfrm>
+          <a:prstGeom prst="rect">
+            <a:avLst/>
+          </a:prstGeom>
+          <a:noFill/>
+          <a:ln>
+            <a:noFill/>
+          </a:ln>
+          <a:effectLst/>
+          <a:extLst>
+            <a:ext uri="{909E8E84-426E-40DD-AFC4-6F175D3DCCD1}">
+              <a14:hiddenFill xmlns:a14="http://schemas.microsoft.com/office/drawing/2010/main">
+                <a:solidFill>
+                  <a:schemeClr val="accent1"/>
+                </a:solidFill>
+              </a14:hiddenFill>
+            </a:ext>
+            <a:ext uri="{91240B29-F687-4F45-9708-019B960494DF}">
+              <a14:hiddenLine xmlns:a14="http://schemas.microsoft.com/office/drawing/2010/main" w="9525">
+                <a:solidFill>
+                  <a:schemeClr val="tx1"/>
+                </a:solidFill>
+                <a:miter lim="800000"/>
+                <a:headEnd/>
+                <a:tailEnd/>
+              </a14:hiddenLine>
+            </a:ext>
+            <a:ext uri="{AF507438-7753-43E0-B8FC-AC1667EBCBE1}">
+              <a14:hiddenEffects xmlns:a14="http://schemas.microsoft.com/office/drawing/2010/main">
+                <a:effectLst>
+                  <a:outerShdw dist="35921" dir="2700000" algn="ctr" rotWithShape="0">
+                    <a:schemeClr val="bg2"/>
+                  </a:outerShdw>
+                </a:effectLst>
+              </a14:hiddenEffects>
+            </a:ext>
+          </a:extLst>
+        </p:spPr>
+      </p:pic>
+      <p:pic>
+        <p:nvPicPr>
+          <p:cNvPr id="18" name="Picture 5"/>
+          <p:cNvPicPr>
+            <a:picLocks noChangeAspect="1" noChangeArrowheads="1"/>
+          </p:cNvPicPr>
+          <p:nvPr/>
+        </p:nvPicPr>
+        <p:blipFill>
+          <a:blip r:embed="rId7" cstate="print">
+            <a:extLst>
+              <a:ext uri="{28A0092B-C50C-407E-A947-70E740481C1C}">
+                <a14:useLocalDpi xmlns:a14="http://schemas.microsoft.com/office/drawing/2010/main" val="0"/>
+              </a:ext>
+            </a:extLst>
+          </a:blip>
+          <a:srcRect/>
+          <a:stretch>
+            <a:fillRect/>
+          </a:stretch>
+        </p:blipFill>
+        <p:spPr bwMode="auto">
+          <a:xfrm>
+            <a:off x="6946684" y="4707920"/>
+            <a:ext cx="2038332" cy="1528141"/>
+          </a:xfrm>
+          <a:prstGeom prst="rect">
+            <a:avLst/>
+          </a:prstGeom>
+          <a:noFill/>
+          <a:ln>
+            <a:noFill/>
+          </a:ln>
+          <a:effectLst/>
+          <a:extLst>
+            <a:ext uri="{909E8E84-426E-40DD-AFC4-6F175D3DCCD1}">
+              <a14:hiddenFill xmlns:a14="http://schemas.microsoft.com/office/drawing/2010/main">
+                <a:solidFill>
+                  <a:schemeClr val="accent1"/>
+                </a:solidFill>
+              </a14:hiddenFill>
+            </a:ext>
+            <a:ext uri="{91240B29-F687-4F45-9708-019B960494DF}">
+              <a14:hiddenLine xmlns:a14="http://schemas.microsoft.com/office/drawing/2010/main" w="9525">
+                <a:solidFill>
+                  <a:schemeClr val="tx1"/>
+                </a:solidFill>
+                <a:miter lim="800000"/>
+                <a:headEnd/>
+                <a:tailEnd/>
+              </a14:hiddenLine>
+            </a:ext>
+            <a:ext uri="{AF507438-7753-43E0-B8FC-AC1667EBCBE1}">
+              <a14:hiddenEffects xmlns:a14="http://schemas.microsoft.com/office/drawing/2010/main">
+                <a:effectLst>
+                  <a:outerShdw dist="35921" dir="2700000" algn="ctr" rotWithShape="0">
+                    <a:schemeClr val="bg2"/>
+                  </a:outerShdw>
+                </a:effectLst>
+              </a14:hiddenEffects>
+            </a:ext>
+          </a:extLst>
+        </p:spPr>
+      </p:pic>
+      <p:sp>
+        <p:nvSpPr>
+          <p:cNvPr id="19" name="TextBox 18"/>
+          <p:cNvSpPr txBox="1"/>
+          <p:nvPr/>
+        </p:nvSpPr>
+        <p:spPr>
+          <a:xfrm>
+            <a:off x="5334000" y="4361021"/>
+            <a:ext cx="1045414" cy="276999"/>
+          </a:xfrm>
+          <a:prstGeom prst="rect">
+            <a:avLst/>
+          </a:prstGeom>
+          <a:noFill/>
+        </p:spPr>
+        <p:txBody>
+          <a:bodyPr wrap="none" rtlCol="0">
+            <a:spAutoFit/>
+          </a:bodyPr>
+          <a:lstStyle/>
+          <a:p>
+            <a:r>
+              <a:rPr lang="de-DE" sz="1200" dirty="0" smtClean="0"/>
+              <a:t>Data 0, 1, 3, 4</a:t>
+            </a:r>
+            <a:endParaRPr lang="de-DE" sz="1200" dirty="0"/>
+          </a:p>
+        </p:txBody>
+      </p:sp>
+      <p:sp>
+        <p:nvSpPr>
+          <p:cNvPr id="20" name="TextBox 19"/>
+          <p:cNvSpPr txBox="1"/>
+          <p:nvPr/>
+        </p:nvSpPr>
+        <p:spPr>
+          <a:xfrm>
+            <a:off x="7696200" y="4361018"/>
+            <a:ext cx="740844" cy="276999"/>
+          </a:xfrm>
+          <a:prstGeom prst="rect">
+            <a:avLst/>
+          </a:prstGeom>
+          <a:noFill/>
+        </p:spPr>
+        <p:txBody>
+          <a:bodyPr wrap="none" rtlCol="0">
+            <a:spAutoFit/>
+          </a:bodyPr>
+          <a:lstStyle/>
+          <a:p>
+            <a:pPr algn="ctr"/>
+            <a:r>
+              <a:rPr lang="de-DE" sz="1200" dirty="0" smtClean="0"/>
+              <a:t>Data 2, 5</a:t>
+            </a:r>
+            <a:endParaRPr lang="de-DE" sz="1200" dirty="0"/>
+          </a:p>
+        </p:txBody>
+      </p:sp>
+      <p:sp>
+        <p:nvSpPr>
+          <p:cNvPr id="21" name="TextBox 20"/>
+          <p:cNvSpPr txBox="1"/>
+          <p:nvPr/>
+        </p:nvSpPr>
+        <p:spPr>
+          <a:xfrm>
+            <a:off x="988696" y="3886200"/>
+            <a:ext cx="2856488" cy="523220"/>
+          </a:xfrm>
+          <a:prstGeom prst="rect">
+            <a:avLst/>
+          </a:prstGeom>
+          <a:noFill/>
+        </p:spPr>
+        <p:txBody>
+          <a:bodyPr wrap="none" rtlCol="0">
+            <a:spAutoFit/>
+          </a:bodyPr>
+          <a:lstStyle/>
+          <a:p>
+            <a:pPr algn="ctr"/>
+            <a:r>
+              <a:rPr lang="de-DE" sz="1600" dirty="0" smtClean="0"/>
+              <a:t>Firing Rate vs. RT</a:t>
+            </a:r>
+          </a:p>
+          <a:p>
+            <a:pPr algn="ctr"/>
+            <a:r>
+              <a:rPr lang="de-DE" sz="1200" dirty="0" smtClean="0"/>
+              <a:t>Number of significantly correlated neurons</a:t>
+            </a:r>
+            <a:endParaRPr lang="de-DE" sz="1100" dirty="0"/>
+          </a:p>
+        </p:txBody>
+      </p:sp>
+      <p:sp>
+        <p:nvSpPr>
+          <p:cNvPr id="5" name="Rectangle 4"/>
+          <p:cNvSpPr/>
+          <p:nvPr/>
+        </p:nvSpPr>
+        <p:spPr>
+          <a:xfrm>
+            <a:off x="6346199" y="3978533"/>
+            <a:ext cx="1200970" cy="338554"/>
+          </a:xfrm>
+          <a:prstGeom prst="rect">
+            <a:avLst/>
+          </a:prstGeom>
+        </p:spPr>
+        <p:txBody>
+          <a:bodyPr wrap="none">
+            <a:spAutoFit/>
+          </a:bodyPr>
+          <a:lstStyle/>
+          <a:p>
+            <a:pPr algn="ctr"/>
+            <a:r>
+              <a:rPr lang="de-DE" sz="1600" dirty="0" smtClean="0"/>
+              <a:t>PCA clusters</a:t>
+            </a:r>
+            <a:endParaRPr lang="de-DE" sz="1600" dirty="0"/>
+          </a:p>
+        </p:txBody>
+      </p:sp>
+      <p:sp>
+        <p:nvSpPr>
+          <p:cNvPr id="23" name="TextBox 22"/>
+          <p:cNvSpPr txBox="1"/>
+          <p:nvPr/>
+        </p:nvSpPr>
+        <p:spPr>
+          <a:xfrm>
+            <a:off x="2044634" y="6314420"/>
+            <a:ext cx="678391" cy="261610"/>
+          </a:xfrm>
+          <a:prstGeom prst="rect">
+            <a:avLst/>
+          </a:prstGeom>
+          <a:noFill/>
+        </p:spPr>
+        <p:txBody>
+          <a:bodyPr wrap="none" rtlCol="0">
+            <a:spAutoFit/>
+          </a:bodyPr>
+          <a:lstStyle/>
+          <a:p>
+            <a:r>
+              <a:rPr lang="de-DE" sz="1100" dirty="0" smtClean="0"/>
+              <a:t>Datasets</a:t>
+            </a:r>
+            <a:endParaRPr lang="de-DE" sz="1100" dirty="0"/>
+          </a:p>
+        </p:txBody>
+      </p:sp>
+    </p:spTree>
+    <p:extLst>
+      <p:ext uri="{BB962C8B-B14F-4D97-AF65-F5344CB8AC3E}">
+        <p14:creationId xmlns:p14="http://schemas.microsoft.com/office/powerpoint/2010/main" val="2148456010"/>
+      </p:ext>
+    </p:extLst>
+  </p:cSld>
+  <p:clrMapOvr>
+    <a:masterClrMapping/>
+  </p:clrMapOvr>
+  <p:timing>
+    <p:tnLst>
+      <p:par>
+        <p:cTn id="1" dur="indefinite" restart="never" nodeType="tmRoot">
+          <p:childTnLst>
+            <p:seq concurrent="1" nextAc="seek">
+              <p:cTn id="2" dur="indefinite" nodeType="mainSeq">
+                <p:childTnLst>
+                  <p:par>
+                    <p:cTn id="3" fill="hold">
+                      <p:stCondLst>
+                        <p:cond delay="indefinite"/>
+                      </p:stCondLst>
+                      <p:childTnLst>
+                        <p:par>
+                          <p:cTn id="4" fill="hold">
+                            <p:stCondLst>
+                              <p:cond delay="0"/>
+                            </p:stCondLst>
+                            <p:childTnLst>
+                              <p:par>
+                                <p:cTn id="5" presetID="1" presetClass="entr" presetSubtype="0" fill="hold" nodeType="clickEffect">
+                                  <p:stCondLst>
+                                    <p:cond delay="0"/>
+                                  </p:stCondLst>
+                                  <p:childTnLst>
+                                    <p:set>
+                                      <p:cBhvr>
+                                        <p:cTn id="6" dur="1" fill="hold">
+                                          <p:stCondLst>
+                                            <p:cond delay="0"/>
+                                          </p:stCondLst>
+                                        </p:cTn>
+                                        <p:tgtEl>
+                                          <p:spTgt spid="3074"/>
+                                        </p:tgtEl>
+                                        <p:attrNameLst>
+                                          <p:attrName>style.visibility</p:attrName>
+                                        </p:attrNameLst>
+                                      </p:cBhvr>
+                                      <p:to>
+                                        <p:strVal val="visible"/>
+                                      </p:to>
+                                    </p:set>
+                                  </p:childTnLst>
+                                </p:cTn>
+                              </p:par>
+                              <p:par>
+                                <p:cTn id="7" presetID="1" presetClass="entr" presetSubtype="0" fill="hold" nodeType="withEffect">
+                                  <p:stCondLst>
+                                    <p:cond delay="0"/>
+                                  </p:stCondLst>
+                                  <p:childTnLst>
+                                    <p:set>
+                                      <p:cBhvr>
+                                        <p:cTn id="8" dur="1" fill="hold">
+                                          <p:stCondLst>
+                                            <p:cond delay="0"/>
+                                          </p:stCondLst>
+                                        </p:cTn>
+                                        <p:tgtEl>
+                                          <p:spTgt spid="3075"/>
+                                        </p:tgtEl>
+                                        <p:attrNameLst>
+                                          <p:attrName>style.visibility</p:attrName>
+                                        </p:attrNameLst>
+                                      </p:cBhvr>
+                                      <p:to>
+                                        <p:strVal val="visible"/>
+                                      </p:to>
+                                    </p:set>
+                                  </p:childTnLst>
+                                </p:cTn>
+                              </p:par>
+                              <p:par>
+                                <p:cTn id="9" presetID="1" presetClass="entr" presetSubtype="0" fill="hold" grpId="0" nodeType="withEffect">
+                                  <p:stCondLst>
+                                    <p:cond delay="0"/>
+                                  </p:stCondLst>
+                                  <p:childTnLst>
+                                    <p:set>
+                                      <p:cBhvr>
+                                        <p:cTn id="10" dur="1" fill="hold">
+                                          <p:stCondLst>
+                                            <p:cond delay="0"/>
+                                          </p:stCondLst>
+                                        </p:cTn>
+                                        <p:tgtEl>
+                                          <p:spTgt spid="3"/>
+                                        </p:tgtEl>
+                                        <p:attrNameLst>
+                                          <p:attrName>style.visibility</p:attrName>
+                                        </p:attrNameLst>
+                                      </p:cBhvr>
+                                      <p:to>
+                                        <p:strVal val="visible"/>
+                                      </p:to>
+                                    </p:set>
+                                  </p:childTnLst>
+                                </p:cTn>
+                              </p:par>
+                              <p:par>
+                                <p:cTn id="11" presetID="1" presetClass="entr" presetSubtype="0" fill="hold" grpId="0" nodeType="withEffect">
+                                  <p:stCondLst>
+                                    <p:cond delay="0"/>
+                                  </p:stCondLst>
+                                  <p:childTnLst>
+                                    <p:set>
+                                      <p:cBhvr>
+                                        <p:cTn id="12" dur="1" fill="hold">
+                                          <p:stCondLst>
+                                            <p:cond delay="0"/>
+                                          </p:stCondLst>
+                                        </p:cTn>
+                                        <p:tgtEl>
+                                          <p:spTgt spid="7"/>
+                                        </p:tgtEl>
+                                        <p:attrNameLst>
+                                          <p:attrName>style.visibility</p:attrName>
+                                        </p:attrNameLst>
+                                      </p:cBhvr>
+                                      <p:to>
+                                        <p:strVal val="visible"/>
+                                      </p:to>
+                                    </p:set>
+                                  </p:childTnLst>
+                                </p:cTn>
+                              </p:par>
+                              <p:par>
+                                <p:cTn id="13" presetID="1" presetClass="entr" presetSubtype="0" fill="hold" grpId="0" nodeType="withEffect">
+                                  <p:stCondLst>
+                                    <p:cond delay="0"/>
+                                  </p:stCondLst>
+                                  <p:childTnLst>
+                                    <p:set>
+                                      <p:cBhvr>
+                                        <p:cTn id="14" dur="1" fill="hold">
+                                          <p:stCondLst>
+                                            <p:cond delay="0"/>
+                                          </p:stCondLst>
+                                        </p:cTn>
+                                        <p:tgtEl>
+                                          <p:spTgt spid="4"/>
+                                        </p:tgtEl>
+                                        <p:attrNameLst>
+                                          <p:attrName>style.visibility</p:attrName>
+                                        </p:attrNameLst>
+                                      </p:cBhvr>
+                                      <p:to>
+                                        <p:strVal val="visible"/>
+                                      </p:to>
+                                    </p:set>
+                                  </p:childTnLst>
+                                </p:cTn>
+                              </p:par>
+                              <p:par>
+                                <p:cTn id="15" presetID="1" presetClass="entr" presetSubtype="0" fill="hold" grpId="0" nodeType="withEffect">
+                                  <p:stCondLst>
+                                    <p:cond delay="0"/>
+                                  </p:stCondLst>
+                                  <p:childTnLst>
+                                    <p:set>
+                                      <p:cBhvr>
+                                        <p:cTn id="16" dur="1" fill="hold">
+                                          <p:stCondLst>
+                                            <p:cond delay="0"/>
+                                          </p:stCondLst>
+                                        </p:cTn>
+                                        <p:tgtEl>
+                                          <p:spTgt spid="11"/>
+                                        </p:tgtEl>
+                                        <p:attrNameLst>
+                                          <p:attrName>style.visibility</p:attrName>
+                                        </p:attrNameLst>
+                                      </p:cBhvr>
+                                      <p:to>
+                                        <p:strVal val="visible"/>
+                                      </p:to>
+                                    </p:set>
+                                  </p:childTnLst>
+                                </p:cTn>
+                              </p:par>
+                              <p:par>
+                                <p:cTn id="17" presetID="1" presetClass="entr" presetSubtype="0" fill="hold" grpId="0" nodeType="withEffect">
+                                  <p:stCondLst>
+                                    <p:cond delay="0"/>
+                                  </p:stCondLst>
+                                  <p:childTnLst>
+                                    <p:set>
+                                      <p:cBhvr>
+                                        <p:cTn id="18" dur="1" fill="hold">
+                                          <p:stCondLst>
+                                            <p:cond delay="0"/>
+                                          </p:stCondLst>
+                                        </p:cTn>
+                                        <p:tgtEl>
+                                          <p:spTgt spid="12"/>
+                                        </p:tgtEl>
+                                        <p:attrNameLst>
+                                          <p:attrName>style.visibility</p:attrName>
+                                        </p:attrNameLst>
+                                      </p:cBhvr>
+                                      <p:to>
+                                        <p:strVal val="visible"/>
+                                      </p:to>
+                                    </p:set>
+                                  </p:childTnLst>
+                                </p:cTn>
+                              </p:par>
+                            </p:childTnLst>
+                          </p:cTn>
+                        </p:par>
+                      </p:childTnLst>
+                    </p:cTn>
+                  </p:par>
+                  <p:par>
+                    <p:cTn id="19" fill="hold">
+                      <p:stCondLst>
+                        <p:cond delay="indefinite"/>
+                      </p:stCondLst>
+                      <p:childTnLst>
+                        <p:par>
+                          <p:cTn id="20" fill="hold">
+                            <p:stCondLst>
+                              <p:cond delay="0"/>
+                            </p:stCondLst>
+                            <p:childTnLst>
+                              <p:par>
+                                <p:cTn id="21" presetID="1" presetClass="entr" presetSubtype="0" fill="hold" nodeType="clickEffect">
+                                  <p:stCondLst>
+                                    <p:cond delay="0"/>
+                                  </p:stCondLst>
+                                  <p:childTnLst>
+                                    <p:set>
+                                      <p:cBhvr>
+                                        <p:cTn id="22" dur="1" fill="hold">
+                                          <p:stCondLst>
+                                            <p:cond delay="0"/>
+                                          </p:stCondLst>
+                                        </p:cTn>
+                                        <p:tgtEl>
+                                          <p:spTgt spid="3076"/>
+                                        </p:tgtEl>
+                                        <p:attrNameLst>
+                                          <p:attrName>style.visibility</p:attrName>
+                                        </p:attrNameLst>
+                                      </p:cBhvr>
+                                      <p:to>
+                                        <p:strVal val="visible"/>
+                                      </p:to>
+                                    </p:set>
+                                  </p:childTnLst>
+                                </p:cTn>
+                              </p:par>
+                              <p:par>
+                                <p:cTn id="23" presetID="1" presetClass="entr" presetSubtype="0" fill="hold" grpId="0" nodeType="withEffect">
+                                  <p:stCondLst>
+                                    <p:cond delay="0"/>
+                                  </p:stCondLst>
+                                  <p:childTnLst>
+                                    <p:set>
+                                      <p:cBhvr>
+                                        <p:cTn id="24" dur="1" fill="hold">
+                                          <p:stCondLst>
+                                            <p:cond delay="0"/>
+                                          </p:stCondLst>
+                                        </p:cTn>
+                                        <p:tgtEl>
+                                          <p:spTgt spid="8"/>
+                                        </p:tgtEl>
+                                        <p:attrNameLst>
+                                          <p:attrName>style.visibility</p:attrName>
+                                        </p:attrNameLst>
+                                      </p:cBhvr>
+                                      <p:to>
+                                        <p:strVal val="visible"/>
+                                      </p:to>
+                                    </p:set>
+                                  </p:childTnLst>
+                                </p:cTn>
+                              </p:par>
+                              <p:par>
+                                <p:cTn id="25" presetID="1" presetClass="entr" presetSubtype="0" fill="hold" grpId="0" nodeType="withEffect">
+                                  <p:stCondLst>
+                                    <p:cond delay="0"/>
+                                  </p:stCondLst>
+                                  <p:childTnLst>
+                                    <p:set>
+                                      <p:cBhvr>
+                                        <p:cTn id="26" dur="1" fill="hold">
+                                          <p:stCondLst>
+                                            <p:cond delay="0"/>
+                                          </p:stCondLst>
+                                        </p:cTn>
+                                        <p:tgtEl>
+                                          <p:spTgt spid="9"/>
+                                        </p:tgtEl>
+                                        <p:attrNameLst>
+                                          <p:attrName>style.visibility</p:attrName>
+                                        </p:attrNameLst>
+                                      </p:cBhvr>
+                                      <p:to>
+                                        <p:strVal val="visible"/>
+                                      </p:to>
+                                    </p:set>
+                                  </p:childTnLst>
+                                </p:cTn>
+                              </p:par>
+                              <p:par>
+                                <p:cTn id="27" presetID="1" presetClass="entr" presetSubtype="0" fill="hold" grpId="0" nodeType="withEffect">
+                                  <p:stCondLst>
+                                    <p:cond delay="0"/>
+                                  </p:stCondLst>
+                                  <p:childTnLst>
+                                    <p:set>
+                                      <p:cBhvr>
+                                        <p:cTn id="28" dur="1" fill="hold">
+                                          <p:stCondLst>
+                                            <p:cond delay="0"/>
+                                          </p:stCondLst>
+                                        </p:cTn>
+                                        <p:tgtEl>
+                                          <p:spTgt spid="13"/>
+                                        </p:tgtEl>
+                                        <p:attrNameLst>
+                                          <p:attrName>style.visibility</p:attrName>
+                                        </p:attrNameLst>
+                                      </p:cBhvr>
+                                      <p:to>
+                                        <p:strVal val="visible"/>
+                                      </p:to>
+                                    </p:set>
+                                  </p:childTnLst>
+                                </p:cTn>
+                              </p:par>
+                              <p:par>
+                                <p:cTn id="29" presetID="1" presetClass="entr" presetSubtype="0" fill="hold" grpId="0" nodeType="withEffect">
+                                  <p:stCondLst>
+                                    <p:cond delay="0"/>
+                                  </p:stCondLst>
+                                  <p:childTnLst>
+                                    <p:set>
+                                      <p:cBhvr>
+                                        <p:cTn id="30" dur="1" fill="hold">
+                                          <p:stCondLst>
+                                            <p:cond delay="0"/>
+                                          </p:stCondLst>
+                                        </p:cTn>
+                                        <p:tgtEl>
+                                          <p:spTgt spid="14"/>
+                                        </p:tgtEl>
+                                        <p:attrNameLst>
+                                          <p:attrName>style.visibility</p:attrName>
+                                        </p:attrNameLst>
+                                      </p:cBhvr>
+                                      <p:to>
+                                        <p:strVal val="visible"/>
+                                      </p:to>
+                                    </p:set>
+                                  </p:childTnLst>
+                                </p:cTn>
+                              </p:par>
+                              <p:par>
+                                <p:cTn id="31" presetID="1" presetClass="entr" presetSubtype="0" fill="hold" grpId="0" nodeType="withEffect">
+                                  <p:stCondLst>
+                                    <p:cond delay="0"/>
+                                  </p:stCondLst>
+                                  <p:childTnLst>
+                                    <p:set>
+                                      <p:cBhvr>
+                                        <p:cTn id="32" dur="1" fill="hold">
+                                          <p:stCondLst>
+                                            <p:cond delay="0"/>
+                                          </p:stCondLst>
+                                        </p:cTn>
+                                        <p:tgtEl>
+                                          <p:spTgt spid="15"/>
+                                        </p:tgtEl>
+                                        <p:attrNameLst>
+                                          <p:attrName>style.visibility</p:attrName>
+                                        </p:attrNameLst>
+                                      </p:cBhvr>
+                                      <p:to>
+                                        <p:strVal val="visible"/>
+                                      </p:to>
+                                    </p:set>
+                                  </p:childTnLst>
+                                </p:cTn>
+                              </p:par>
+                            </p:childTnLst>
+                          </p:cTn>
+                        </p:par>
+                      </p:childTnLst>
+                    </p:cTn>
+                  </p:par>
+                  <p:par>
+                    <p:cTn id="33" fill="hold">
+                      <p:stCondLst>
+                        <p:cond delay="indefinite"/>
+                      </p:stCondLst>
+                      <p:childTnLst>
+                        <p:par>
+                          <p:cTn id="34" fill="hold">
+                            <p:stCondLst>
+                              <p:cond delay="0"/>
+                            </p:stCondLst>
+                            <p:childTnLst>
+                              <p:par>
+                                <p:cTn id="35" presetID="1" presetClass="entr" presetSubtype="0" fill="hold" nodeType="clickEffect">
+                                  <p:stCondLst>
+                                    <p:cond delay="0"/>
+                                  </p:stCondLst>
+                                  <p:childTnLst>
+                                    <p:set>
+                                      <p:cBhvr>
+                                        <p:cTn id="36" dur="1" fill="hold">
+                                          <p:stCondLst>
+                                            <p:cond delay="0"/>
+                                          </p:stCondLst>
+                                        </p:cTn>
+                                        <p:tgtEl>
+                                          <p:spTgt spid="16"/>
+                                        </p:tgtEl>
+                                        <p:attrNameLst>
+                                          <p:attrName>style.visibility</p:attrName>
+                                        </p:attrNameLst>
+                                      </p:cBhvr>
+                                      <p:to>
+                                        <p:strVal val="visible"/>
+                                      </p:to>
+                                    </p:set>
+                                  </p:childTnLst>
+                                </p:cTn>
+                              </p:par>
+                              <p:par>
+                                <p:cTn id="37" presetID="1" presetClass="entr" presetSubtype="0" fill="hold" grpId="0" nodeType="withEffect">
+                                  <p:stCondLst>
+                                    <p:cond delay="0"/>
+                                  </p:stCondLst>
+                                  <p:childTnLst>
+                                    <p:set>
+                                      <p:cBhvr>
+                                        <p:cTn id="38" dur="1" fill="hold">
+                                          <p:stCondLst>
+                                            <p:cond delay="0"/>
+                                          </p:stCondLst>
+                                        </p:cTn>
+                                        <p:tgtEl>
+                                          <p:spTgt spid="21"/>
+                                        </p:tgtEl>
+                                        <p:attrNameLst>
+                                          <p:attrName>style.visibility</p:attrName>
+                                        </p:attrNameLst>
+                                      </p:cBhvr>
+                                      <p:to>
+                                        <p:strVal val="visible"/>
+                                      </p:to>
+                                    </p:set>
+                                  </p:childTnLst>
+                                </p:cTn>
+                              </p:par>
+                              <p:par>
+                                <p:cTn id="39" presetID="1" presetClass="entr" presetSubtype="0" fill="hold" grpId="0" nodeType="withEffect">
+                                  <p:stCondLst>
+                                    <p:cond delay="0"/>
+                                  </p:stCondLst>
+                                  <p:childTnLst>
+                                    <p:set>
+                                      <p:cBhvr>
+                                        <p:cTn id="40" dur="1" fill="hold">
+                                          <p:stCondLst>
+                                            <p:cond delay="0"/>
+                                          </p:stCondLst>
+                                        </p:cTn>
+                                        <p:tgtEl>
+                                          <p:spTgt spid="23"/>
+                                        </p:tgtEl>
+                                        <p:attrNameLst>
+                                          <p:attrName>style.visibility</p:attrName>
+                                        </p:attrNameLst>
+                                      </p:cBhvr>
+                                      <p:to>
+                                        <p:strVal val="visible"/>
+                                      </p:to>
+                                    </p:set>
+                                  </p:childTnLst>
+                                </p:cTn>
+                              </p:par>
+                            </p:childTnLst>
+                          </p:cTn>
+                        </p:par>
+                      </p:childTnLst>
+                    </p:cTn>
+                  </p:par>
+                  <p:par>
+                    <p:cTn id="41" fill="hold">
+                      <p:stCondLst>
+                        <p:cond delay="indefinite"/>
+                      </p:stCondLst>
+                      <p:childTnLst>
+                        <p:par>
+                          <p:cTn id="42" fill="hold">
+                            <p:stCondLst>
+                              <p:cond delay="0"/>
+                            </p:stCondLst>
+                            <p:childTnLst>
+                              <p:par>
+                                <p:cTn id="43" presetID="1" presetClass="entr" presetSubtype="0" fill="hold" nodeType="clickEffect">
+                                  <p:stCondLst>
+                                    <p:cond delay="0"/>
+                                  </p:stCondLst>
+                                  <p:childTnLst>
+                                    <p:set>
+                                      <p:cBhvr>
+                                        <p:cTn id="44" dur="1" fill="hold">
+                                          <p:stCondLst>
+                                            <p:cond delay="0"/>
+                                          </p:stCondLst>
+                                        </p:cTn>
+                                        <p:tgtEl>
+                                          <p:spTgt spid="17"/>
+                                        </p:tgtEl>
+                                        <p:attrNameLst>
+                                          <p:attrName>style.visibility</p:attrName>
+                                        </p:attrNameLst>
+                                      </p:cBhvr>
+                                      <p:to>
+                                        <p:strVal val="visible"/>
+                                      </p:to>
+                                    </p:set>
+                                  </p:childTnLst>
+                                </p:cTn>
+                              </p:par>
+                              <p:par>
+                                <p:cTn id="45" presetID="1" presetClass="entr" presetSubtype="0" fill="hold" nodeType="withEffect">
+                                  <p:stCondLst>
+                                    <p:cond delay="0"/>
+                                  </p:stCondLst>
+                                  <p:childTnLst>
+                                    <p:set>
+                                      <p:cBhvr>
+                                        <p:cTn id="46" dur="1" fill="hold">
+                                          <p:stCondLst>
+                                            <p:cond delay="0"/>
+                                          </p:stCondLst>
+                                        </p:cTn>
+                                        <p:tgtEl>
+                                          <p:spTgt spid="18"/>
+                                        </p:tgtEl>
+                                        <p:attrNameLst>
+                                          <p:attrName>style.visibility</p:attrName>
+                                        </p:attrNameLst>
+                                      </p:cBhvr>
+                                      <p:to>
+                                        <p:strVal val="visible"/>
+                                      </p:to>
+                                    </p:set>
+                                  </p:childTnLst>
+                                </p:cTn>
+                              </p:par>
+                              <p:par>
+                                <p:cTn id="47" presetID="1" presetClass="entr" presetSubtype="0" fill="hold" grpId="0" nodeType="withEffect">
+                                  <p:stCondLst>
+                                    <p:cond delay="0"/>
+                                  </p:stCondLst>
+                                  <p:childTnLst>
+                                    <p:set>
+                                      <p:cBhvr>
+                                        <p:cTn id="48" dur="1" fill="hold">
+                                          <p:stCondLst>
+                                            <p:cond delay="0"/>
+                                          </p:stCondLst>
+                                        </p:cTn>
+                                        <p:tgtEl>
+                                          <p:spTgt spid="19"/>
+                                        </p:tgtEl>
+                                        <p:attrNameLst>
+                                          <p:attrName>style.visibility</p:attrName>
+                                        </p:attrNameLst>
+                                      </p:cBhvr>
+                                      <p:to>
+                                        <p:strVal val="visible"/>
+                                      </p:to>
+                                    </p:set>
+                                  </p:childTnLst>
+                                </p:cTn>
+                              </p:par>
+                              <p:par>
+                                <p:cTn id="49" presetID="1" presetClass="entr" presetSubtype="0" fill="hold" grpId="0" nodeType="withEffect">
+                                  <p:stCondLst>
+                                    <p:cond delay="0"/>
+                                  </p:stCondLst>
+                                  <p:childTnLst>
+                                    <p:set>
+                                      <p:cBhvr>
+                                        <p:cTn id="50" dur="1" fill="hold">
+                                          <p:stCondLst>
+                                            <p:cond delay="0"/>
+                                          </p:stCondLst>
+                                        </p:cTn>
+                                        <p:tgtEl>
+                                          <p:spTgt spid="20"/>
+                                        </p:tgtEl>
+                                        <p:attrNameLst>
+                                          <p:attrName>style.visibility</p:attrName>
+                                        </p:attrNameLst>
+                                      </p:cBhvr>
+                                      <p:to>
+                                        <p:strVal val="visible"/>
+                                      </p:to>
+                                    </p:set>
+                                  </p:childTnLst>
+                                </p:cTn>
+                              </p:par>
+                              <p:par>
+                                <p:cTn id="51" presetID="1" presetClass="entr" presetSubtype="0" fill="hold" grpId="0" nodeType="withEffect">
+                                  <p:stCondLst>
+                                    <p:cond delay="0"/>
+                                  </p:stCondLst>
+                                  <p:childTnLst>
+                                    <p:set>
+                                      <p:cBhvr>
+                                        <p:cTn id="52" dur="1" fill="hold">
+                                          <p:stCondLst>
+                                            <p:cond delay="0"/>
+                                          </p:stCondLst>
+                                        </p:cTn>
+                                        <p:tgtEl>
+                                          <p:spTgt spid="5"/>
+                                        </p:tgtEl>
+                                        <p:attrNameLst>
+                                          <p:attrName>style.visibility</p:attrName>
+                                        </p:attrNameLst>
+                                      </p:cBhvr>
+                                      <p:to>
+                                        <p:strVal val="visible"/>
+                                      </p:to>
+                                    </p:set>
+                                  </p:childTnLst>
+                                </p:cTn>
+                              </p:par>
+                            </p:childTnLst>
+                          </p:cTn>
+                        </p:par>
+                      </p:childTnLst>
+                    </p:cTn>
+                  </p:par>
+                </p:childTnLst>
+              </p:cTn>
+              <p:prevCondLst>
+                <p:cond evt="onPrev" delay="0">
+                  <p:tgtEl>
+                    <p:sldTgt/>
+                  </p:tgtEl>
+                </p:cond>
+              </p:prevCondLst>
+              <p:nextCondLst>
+                <p:cond evt="onNext" delay="0">
+                  <p:tgtEl>
+                    <p:sldTgt/>
+                  </p:tgtEl>
+                </p:cond>
+              </p:nextCondLst>
+            </p:seq>
+          </p:childTnLst>
+        </p:cTn>
+      </p:par>
+    </p:tnLst>
+    <p:bldLst>
+      <p:bldP spid="3" grpId="0"/>
+      <p:bldP spid="7" grpId="0"/>
+      <p:bldP spid="8" grpId="0"/>
+      <p:bldP spid="9" grpId="0"/>
+      <p:bldP spid="4" grpId="0"/>
+      <p:bldP spid="11" grpId="0"/>
+      <p:bldP spid="12" grpId="0"/>
+      <p:bldP spid="13" grpId="0"/>
+      <p:bldP spid="14" grpId="0"/>
+      <p:bldP spid="15" grpId="0"/>
+      <p:bldP spid="19" grpId="0"/>
+      <p:bldP spid="20" grpId="0"/>
+      <p:bldP spid="21" grpId="0"/>
+      <p:bldP spid="5" grpId="0"/>
+      <p:bldP spid="23" grpId="0"/>
+    </p:bldLst>
+  </p:timing>
+</p:sld>
+</file>
+
+<file path=ppt/slides/slide3.xml><?xml version="1.0" encoding="utf-8"?>
+<p:sld xmlns:a="http://schemas.openxmlformats.org/drawingml/2006/main" xmlns:r="http://schemas.openxmlformats.org/officeDocument/2006/relationships" xmlns:p="http://schemas.openxmlformats.org/presentationml/2006/main">
+  <p:cSld>
+    <p:spTree>
+      <p:nvGrpSpPr>
+        <p:cNvPr id="1" name=""/>
+        <p:cNvGrpSpPr/>
+        <p:nvPr/>
+      </p:nvGrpSpPr>
+      <p:grpSpPr>
+        <a:xfrm>
+          <a:off x="0" y="0"/>
+          <a:ext cx="0" cy="0"/>
+          <a:chOff x="0" y="0"/>
+          <a:chExt cx="0" cy="0"/>
+        </a:xfrm>
+      </p:grpSpPr>
+      <p:sp>
+        <p:nvSpPr>
+          <p:cNvPr id="2" name="TextBox 1"/>
+          <p:cNvSpPr txBox="1"/>
+          <p:nvPr/>
+        </p:nvSpPr>
+        <p:spPr>
+          <a:xfrm>
+            <a:off x="457200" y="535920"/>
+            <a:ext cx="6248400" cy="400110"/>
+          </a:xfrm>
+          <a:prstGeom prst="rect">
+            <a:avLst/>
+          </a:prstGeom>
+          <a:noFill/>
+        </p:spPr>
+        <p:txBody>
+          <a:bodyPr wrap="square" rtlCol="0">
+            <a:spAutoFit/>
+          </a:bodyPr>
+          <a:lstStyle/>
+          <a:p>
+            <a:r>
+              <a:rPr lang="de-DE" sz="2000" dirty="0" smtClean="0"/>
+              <a:t>Chain of evidence – Part 2: Is it dataset 2 or 5?</a:t>
+            </a:r>
+            <a:endParaRPr lang="de-DE" sz="2000" dirty="0"/>
+          </a:p>
+        </p:txBody>
+      </p:sp>
+      <p:pic>
+        <p:nvPicPr>
+          <p:cNvPr id="4098" name="Picture 2" descr="C:\Users\Jens\Documents\ANDA\analysis\Final presentation\ISI_data2.png"/>
+          <p:cNvPicPr>
+            <a:picLocks noChangeAspect="1" noChangeArrowheads="1"/>
+          </p:cNvPicPr>
+          <p:nvPr/>
+        </p:nvPicPr>
+        <p:blipFill rotWithShape="1">
+          <a:blip r:embed="rId2" cstate="print">
+            <a:extLst>
+              <a:ext uri="{28A0092B-C50C-407E-A947-70E740481C1C}">
+                <a14:useLocalDpi xmlns:a14="http://schemas.microsoft.com/office/drawing/2010/main" val="0"/>
+              </a:ext>
+            </a:extLst>
+          </a:blip>
+          <a:srcRect l="9672" b="8144"/>
+          <a:stretch/>
+        </p:blipFill>
+        <p:spPr bwMode="auto">
+          <a:xfrm>
+            <a:off x="914400" y="990600"/>
+            <a:ext cx="4744360" cy="2645430"/>
+          </a:xfrm>
+          <a:prstGeom prst="rect">
+            <a:avLst/>
+          </a:prstGeom>
+          <a:noFill/>
+          <a:extLst>
+            <a:ext uri="{909E8E84-426E-40DD-AFC4-6F175D3DCCD1}">
+              <a14:hiddenFill xmlns:a14="http://schemas.microsoft.com/office/drawing/2010/main">
+                <a:solidFill>
+                  <a:srgbClr val="FFFFFF"/>
+                </a:solidFill>
+              </a14:hiddenFill>
+            </a:ext>
+          </a:extLst>
+        </p:spPr>
+      </p:pic>
+      <p:pic>
+        <p:nvPicPr>
+          <p:cNvPr id="4099" name="Picture 3" descr="C:\Users\Jens\Documents\ANDA\analysis\Final presentation\ISI_data5.png"/>
+          <p:cNvPicPr>
+            <a:picLocks noChangeAspect="1" noChangeArrowheads="1"/>
+          </p:cNvPicPr>
+          <p:nvPr/>
+        </p:nvPicPr>
+        <p:blipFill rotWithShape="1">
+          <a:blip r:embed="rId3" cstate="print">
+            <a:extLst>
+              <a:ext uri="{28A0092B-C50C-407E-A947-70E740481C1C}">
+                <a14:useLocalDpi xmlns:a14="http://schemas.microsoft.com/office/drawing/2010/main" val="0"/>
+              </a:ext>
+            </a:extLst>
+          </a:blip>
+          <a:srcRect l="9672" b="8191"/>
+          <a:stretch/>
+        </p:blipFill>
+        <p:spPr bwMode="auto">
+          <a:xfrm>
+            <a:off x="914400" y="3909080"/>
+            <a:ext cx="4744361" cy="2644120"/>
+          </a:xfrm>
+          <a:prstGeom prst="rect">
+            <a:avLst/>
+          </a:prstGeom>
+          <a:noFill/>
+          <a:extLst>
+            <a:ext uri="{909E8E84-426E-40DD-AFC4-6F175D3DCCD1}">
+              <a14:hiddenFill xmlns:a14="http://schemas.microsoft.com/office/drawing/2010/main">
+                <a:solidFill>
+                  <a:srgbClr val="FFFFFF"/>
+                </a:solidFill>
+              </a14:hiddenFill>
+            </a:ext>
+          </a:extLst>
+        </p:spPr>
+      </p:pic>
+      <p:sp>
+        <p:nvSpPr>
+          <p:cNvPr id="26" name="TextBox 25"/>
+          <p:cNvSpPr txBox="1"/>
+          <p:nvPr/>
+        </p:nvSpPr>
+        <p:spPr>
+          <a:xfrm>
+            <a:off x="533400" y="990600"/>
+            <a:ext cx="972639" cy="338554"/>
+          </a:xfrm>
+          <a:prstGeom prst="rect">
+            <a:avLst/>
+          </a:prstGeom>
+          <a:noFill/>
+        </p:spPr>
+        <p:txBody>
+          <a:bodyPr wrap="none" rtlCol="0">
+            <a:spAutoFit/>
+          </a:bodyPr>
+          <a:lstStyle/>
+          <a:p>
+            <a:pPr algn="ctr"/>
+            <a:r>
+              <a:rPr lang="de-DE" sz="1600" dirty="0" smtClean="0"/>
+              <a:t>Dataset 2</a:t>
+            </a:r>
+            <a:endParaRPr lang="de-DE" sz="1100" dirty="0"/>
+          </a:p>
+        </p:txBody>
+      </p:sp>
+      <p:sp>
+        <p:nvSpPr>
+          <p:cNvPr id="27" name="TextBox 26"/>
+          <p:cNvSpPr txBox="1"/>
+          <p:nvPr/>
+        </p:nvSpPr>
+        <p:spPr>
+          <a:xfrm>
+            <a:off x="533400" y="3886200"/>
+            <a:ext cx="972639" cy="338554"/>
+          </a:xfrm>
+          <a:prstGeom prst="rect">
+            <a:avLst/>
+          </a:prstGeom>
+          <a:noFill/>
+        </p:spPr>
+        <p:txBody>
+          <a:bodyPr wrap="none" rtlCol="0">
+            <a:spAutoFit/>
+          </a:bodyPr>
+          <a:lstStyle/>
+          <a:p>
+            <a:pPr algn="ctr"/>
+            <a:r>
+              <a:rPr lang="de-DE" sz="1600" dirty="0" smtClean="0"/>
+              <a:t>Dataset 5</a:t>
+            </a:r>
+            <a:endParaRPr lang="de-DE" sz="1100" dirty="0"/>
+          </a:p>
+        </p:txBody>
+      </p:sp>
+      <p:sp>
+        <p:nvSpPr>
+          <p:cNvPr id="30" name="TextBox 29"/>
+          <p:cNvSpPr txBox="1"/>
+          <p:nvPr/>
+        </p:nvSpPr>
+        <p:spPr>
+          <a:xfrm rot="16200000">
+            <a:off x="457315" y="2299794"/>
+            <a:ext cx="566181" cy="261610"/>
+          </a:xfrm>
+          <a:prstGeom prst="rect">
+            <a:avLst/>
+          </a:prstGeom>
+          <a:noFill/>
+        </p:spPr>
+        <p:txBody>
+          <a:bodyPr wrap="none" rtlCol="0">
+            <a:spAutoFit/>
+          </a:bodyPr>
+          <a:lstStyle/>
+          <a:p>
+            <a:pPr algn="ctr"/>
+            <a:r>
+              <a:rPr lang="de-DE" sz="1100" dirty="0" smtClean="0"/>
+              <a:t>counts</a:t>
+            </a:r>
+            <a:endParaRPr lang="de-DE" sz="900" dirty="0"/>
+          </a:p>
+        </p:txBody>
+      </p:sp>
+      <p:sp>
+        <p:nvSpPr>
+          <p:cNvPr id="31" name="TextBox 30"/>
+          <p:cNvSpPr txBox="1"/>
+          <p:nvPr/>
+        </p:nvSpPr>
+        <p:spPr>
+          <a:xfrm>
+            <a:off x="2606453" y="3662174"/>
+            <a:ext cx="974947" cy="261610"/>
+          </a:xfrm>
+          <a:prstGeom prst="rect">
+            <a:avLst/>
+          </a:prstGeom>
+          <a:noFill/>
+        </p:spPr>
+        <p:txBody>
+          <a:bodyPr wrap="none" rtlCol="0">
+            <a:spAutoFit/>
+          </a:bodyPr>
+          <a:lstStyle/>
+          <a:p>
+            <a:pPr algn="ctr"/>
+            <a:r>
+              <a:rPr lang="de-DE" sz="1100" dirty="0" smtClean="0"/>
+              <a:t>ISI (1 ms bins)</a:t>
+            </a:r>
+            <a:endParaRPr lang="de-DE" sz="900" dirty="0"/>
+          </a:p>
+        </p:txBody>
+      </p:sp>
+      <p:sp>
+        <p:nvSpPr>
+          <p:cNvPr id="32" name="TextBox 31"/>
+          <p:cNvSpPr txBox="1"/>
+          <p:nvPr/>
+        </p:nvSpPr>
+        <p:spPr>
+          <a:xfrm rot="16200000">
+            <a:off x="457315" y="5165090"/>
+            <a:ext cx="566181" cy="261610"/>
+          </a:xfrm>
+          <a:prstGeom prst="rect">
+            <a:avLst/>
+          </a:prstGeom>
+          <a:noFill/>
+        </p:spPr>
+        <p:txBody>
+          <a:bodyPr wrap="none" rtlCol="0">
+            <a:spAutoFit/>
+          </a:bodyPr>
+          <a:lstStyle/>
+          <a:p>
+            <a:pPr algn="ctr"/>
+            <a:r>
+              <a:rPr lang="de-DE" sz="1100" dirty="0" smtClean="0"/>
+              <a:t>counts</a:t>
+            </a:r>
+            <a:endParaRPr lang="de-DE" sz="900" dirty="0"/>
+          </a:p>
+        </p:txBody>
+      </p:sp>
+      <p:sp>
+        <p:nvSpPr>
+          <p:cNvPr id="33" name="TextBox 32"/>
+          <p:cNvSpPr txBox="1"/>
+          <p:nvPr/>
+        </p:nvSpPr>
+        <p:spPr>
+          <a:xfrm>
+            <a:off x="2606453" y="6527470"/>
+            <a:ext cx="974947" cy="261610"/>
+          </a:xfrm>
+          <a:prstGeom prst="rect">
+            <a:avLst/>
+          </a:prstGeom>
+          <a:noFill/>
+        </p:spPr>
+        <p:txBody>
+          <a:bodyPr wrap="none" rtlCol="0">
+            <a:spAutoFit/>
+          </a:bodyPr>
+          <a:lstStyle/>
+          <a:p>
+            <a:pPr algn="ctr"/>
+            <a:r>
+              <a:rPr lang="de-DE" sz="1100" dirty="0" smtClean="0"/>
+              <a:t>ISI (1 ms bins)</a:t>
+            </a:r>
+            <a:endParaRPr lang="de-DE" sz="900" dirty="0"/>
+          </a:p>
+        </p:txBody>
+      </p:sp>
+      <p:pic>
+        <p:nvPicPr>
+          <p:cNvPr id="4100" name="Picture 4"/>
+          <p:cNvPicPr>
+            <a:picLocks noChangeAspect="1" noChangeArrowheads="1"/>
+          </p:cNvPicPr>
+          <p:nvPr/>
+        </p:nvPicPr>
+        <p:blipFill>
+          <a:blip r:embed="rId4" cstate="print">
+            <a:extLst>
+              <a:ext uri="{28A0092B-C50C-407E-A947-70E740481C1C}">
+                <a14:useLocalDpi xmlns:a14="http://schemas.microsoft.com/office/drawing/2010/main" val="0"/>
+              </a:ext>
+            </a:extLst>
+          </a:blip>
+          <a:srcRect/>
+          <a:stretch>
+            <a:fillRect/>
+          </a:stretch>
+        </p:blipFill>
+        <p:spPr bwMode="auto">
+          <a:xfrm>
+            <a:off x="6019800" y="1655618"/>
+            <a:ext cx="1066800" cy="1163782"/>
+          </a:xfrm>
+          <a:prstGeom prst="rect">
+            <a:avLst/>
+          </a:prstGeom>
+          <a:noFill/>
+          <a:ln>
+            <a:noFill/>
+          </a:ln>
+          <a:extLst>
+            <a:ext uri="{909E8E84-426E-40DD-AFC4-6F175D3DCCD1}">
+              <a14:hiddenFill xmlns:a14="http://schemas.microsoft.com/office/drawing/2010/main">
+                <a:solidFill>
+                  <a:schemeClr val="accent1"/>
+                </a:solidFill>
+              </a14:hiddenFill>
+            </a:ext>
+            <a:ext uri="{91240B29-F687-4F45-9708-019B960494DF}">
+              <a14:hiddenLine xmlns:a14="http://schemas.microsoft.com/office/drawing/2010/main" w="9525">
+                <a:solidFill>
+                  <a:schemeClr val="tx1"/>
+                </a:solidFill>
+                <a:miter lim="800000"/>
+                <a:headEnd/>
+                <a:tailEnd/>
+              </a14:hiddenLine>
+            </a:ext>
+          </a:extLst>
+        </p:spPr>
+      </p:pic>
+      <p:pic>
+        <p:nvPicPr>
+          <p:cNvPr id="4101" name="Picture 5"/>
+          <p:cNvPicPr>
+            <a:picLocks noChangeAspect="1" noChangeArrowheads="1"/>
+          </p:cNvPicPr>
+          <p:nvPr/>
+        </p:nvPicPr>
+        <p:blipFill>
+          <a:blip r:embed="rId5" cstate="print">
+            <a:extLst>
+              <a:ext uri="{28A0092B-C50C-407E-A947-70E740481C1C}">
+                <a14:useLocalDpi xmlns:a14="http://schemas.microsoft.com/office/drawing/2010/main" val="0"/>
+              </a:ext>
+            </a:extLst>
+          </a:blip>
+          <a:srcRect/>
+          <a:stretch>
+            <a:fillRect/>
+          </a:stretch>
+        </p:blipFill>
+        <p:spPr bwMode="auto">
+          <a:xfrm>
+            <a:off x="6003131" y="4656765"/>
+            <a:ext cx="1100138" cy="1148749"/>
+          </a:xfrm>
+          <a:prstGeom prst="rect">
+            <a:avLst/>
+          </a:prstGeom>
+          <a:noFill/>
+          <a:ln>
+            <a:noFill/>
+          </a:ln>
+          <a:extLst>
+            <a:ext uri="{909E8E84-426E-40DD-AFC4-6F175D3DCCD1}">
+              <a14:hiddenFill xmlns:a14="http://schemas.microsoft.com/office/drawing/2010/main">
+                <a:solidFill>
+                  <a:schemeClr val="accent1"/>
+                </a:solidFill>
+              </a14:hiddenFill>
+            </a:ext>
+            <a:ext uri="{91240B29-F687-4F45-9708-019B960494DF}">
+              <a14:hiddenLine xmlns:a14="http://schemas.microsoft.com/office/drawing/2010/main" w="9525">
+                <a:solidFill>
+                  <a:schemeClr val="tx1"/>
+                </a:solidFill>
+                <a:miter lim="800000"/>
+                <a:headEnd/>
+                <a:tailEnd/>
+              </a14:hiddenLine>
+            </a:ext>
+          </a:extLst>
+        </p:spPr>
+      </p:pic>
+    </p:spTree>
+    <p:extLst>
+      <p:ext uri="{BB962C8B-B14F-4D97-AF65-F5344CB8AC3E}">
+        <p14:creationId xmlns:p14="http://schemas.microsoft.com/office/powerpoint/2010/main" val="2852666992"/>
+      </p:ext>
+    </p:extLst>
+  </p:cSld>
+  <p:clrMapOvr>
+    <a:masterClrMapping/>
+  </p:clrMapOvr>
+  <p:timing>
+    <p:tnLst>
+      <p:par>
+        <p:cTn id="1" dur="indefinite" restart="never" nodeType="tmRoot">
+          <p:childTnLst>
+            <p:seq concurrent="1" nextAc="seek">
+              <p:cTn id="2" dur="indefinite" nodeType="mainSeq">
+                <p:childTnLst>
+                  <p:par>
+                    <p:cTn id="3" fill="hold">
+                      <p:stCondLst>
+                        <p:cond delay="indefinite"/>
+                      </p:stCondLst>
+                      <p:childTnLst>
+                        <p:par>
+                          <p:cTn id="4" fill="hold">
+                            <p:stCondLst>
+                              <p:cond delay="0"/>
+                            </p:stCondLst>
+                            <p:childTnLst>
+                              <p:par>
+                                <p:cTn id="5" presetID="1" presetClass="entr" presetSubtype="0" fill="hold" nodeType="clickEffect">
+                                  <p:stCondLst>
+                                    <p:cond delay="0"/>
+                                  </p:stCondLst>
+                                  <p:childTnLst>
+                                    <p:set>
+                                      <p:cBhvr>
+                                        <p:cTn id="6" dur="1" fill="hold">
+                                          <p:stCondLst>
+                                            <p:cond delay="0"/>
+                                          </p:stCondLst>
+                                        </p:cTn>
+                                        <p:tgtEl>
+                                          <p:spTgt spid="4098"/>
+                                        </p:tgtEl>
+                                        <p:attrNameLst>
+                                          <p:attrName>style.visibility</p:attrName>
+                                        </p:attrNameLst>
+                                      </p:cBhvr>
+                                      <p:to>
+                                        <p:strVal val="visible"/>
+                                      </p:to>
+                                    </p:set>
+                                  </p:childTnLst>
+                                </p:cTn>
+                              </p:par>
+                              <p:par>
+                                <p:cTn id="7" presetID="1" presetClass="entr" presetSubtype="0" fill="hold" nodeType="withEffect">
+                                  <p:stCondLst>
+                                    <p:cond delay="0"/>
+                                  </p:stCondLst>
+                                  <p:childTnLst>
+                                    <p:set>
+                                      <p:cBhvr>
+                                        <p:cTn id="8" dur="1" fill="hold">
+                                          <p:stCondLst>
+                                            <p:cond delay="0"/>
+                                          </p:stCondLst>
+                                        </p:cTn>
+                                        <p:tgtEl>
+                                          <p:spTgt spid="4099"/>
+                                        </p:tgtEl>
+                                        <p:attrNameLst>
+                                          <p:attrName>style.visibility</p:attrName>
+                                        </p:attrNameLst>
+                                      </p:cBhvr>
+                                      <p:to>
+                                        <p:strVal val="visible"/>
+                                      </p:to>
+                                    </p:set>
+                                  </p:childTnLst>
+                                </p:cTn>
+                              </p:par>
+                              <p:par>
+                                <p:cTn id="9" presetID="1" presetClass="entr" presetSubtype="0" fill="hold" grpId="0" nodeType="withEffect">
+                                  <p:stCondLst>
+                                    <p:cond delay="0"/>
+                                  </p:stCondLst>
+                                  <p:childTnLst>
+                                    <p:set>
+                                      <p:cBhvr>
+                                        <p:cTn id="10" dur="1" fill="hold">
+                                          <p:stCondLst>
+                                            <p:cond delay="0"/>
+                                          </p:stCondLst>
+                                        </p:cTn>
+                                        <p:tgtEl>
+                                          <p:spTgt spid="26"/>
+                                        </p:tgtEl>
+                                        <p:attrNameLst>
+                                          <p:attrName>style.visibility</p:attrName>
+                                        </p:attrNameLst>
+                                      </p:cBhvr>
+                                      <p:to>
+                                        <p:strVal val="visible"/>
+                                      </p:to>
+                                    </p:set>
+                                  </p:childTnLst>
+                                </p:cTn>
+                              </p:par>
+                              <p:par>
+                                <p:cTn id="11" presetID="1" presetClass="entr" presetSubtype="0" fill="hold" grpId="0" nodeType="withEffect">
+                                  <p:stCondLst>
+                                    <p:cond delay="0"/>
+                                  </p:stCondLst>
+                                  <p:childTnLst>
+                                    <p:set>
+                                      <p:cBhvr>
+                                        <p:cTn id="12" dur="1" fill="hold">
+                                          <p:stCondLst>
+                                            <p:cond delay="0"/>
+                                          </p:stCondLst>
+                                        </p:cTn>
+                                        <p:tgtEl>
+                                          <p:spTgt spid="27"/>
+                                        </p:tgtEl>
+                                        <p:attrNameLst>
+                                          <p:attrName>style.visibility</p:attrName>
+                                        </p:attrNameLst>
+                                      </p:cBhvr>
+                                      <p:to>
+                                        <p:strVal val="visible"/>
+                                      </p:to>
+                                    </p:set>
+                                  </p:childTnLst>
+                                </p:cTn>
+                              </p:par>
+                              <p:par>
+                                <p:cTn id="13" presetID="1" presetClass="entr" presetSubtype="0" fill="hold" grpId="0" nodeType="withEffect">
+                                  <p:stCondLst>
+                                    <p:cond delay="0"/>
+                                  </p:stCondLst>
+                                  <p:childTnLst>
+                                    <p:set>
+                                      <p:cBhvr>
+                                        <p:cTn id="14" dur="1" fill="hold">
+                                          <p:stCondLst>
+                                            <p:cond delay="0"/>
+                                          </p:stCondLst>
+                                        </p:cTn>
+                                        <p:tgtEl>
+                                          <p:spTgt spid="30"/>
+                                        </p:tgtEl>
+                                        <p:attrNameLst>
+                                          <p:attrName>style.visibility</p:attrName>
+                                        </p:attrNameLst>
+                                      </p:cBhvr>
+                                      <p:to>
+                                        <p:strVal val="visible"/>
+                                      </p:to>
+                                    </p:set>
+                                  </p:childTnLst>
+                                </p:cTn>
+                              </p:par>
+                              <p:par>
+                                <p:cTn id="15" presetID="1" presetClass="entr" presetSubtype="0" fill="hold" grpId="0" nodeType="withEffect">
+                                  <p:stCondLst>
+                                    <p:cond delay="0"/>
+                                  </p:stCondLst>
+                                  <p:childTnLst>
+                                    <p:set>
+                                      <p:cBhvr>
+                                        <p:cTn id="16" dur="1" fill="hold">
+                                          <p:stCondLst>
+                                            <p:cond delay="0"/>
+                                          </p:stCondLst>
+                                        </p:cTn>
+                                        <p:tgtEl>
+                                          <p:spTgt spid="31"/>
+                                        </p:tgtEl>
+                                        <p:attrNameLst>
+                                          <p:attrName>style.visibility</p:attrName>
+                                        </p:attrNameLst>
+                                      </p:cBhvr>
+                                      <p:to>
+                                        <p:strVal val="visible"/>
+                                      </p:to>
+                                    </p:set>
+                                  </p:childTnLst>
+                                </p:cTn>
+                              </p:par>
+                              <p:par>
+                                <p:cTn id="17" presetID="1" presetClass="entr" presetSubtype="0" fill="hold" grpId="0" nodeType="withEffect">
+                                  <p:stCondLst>
+                                    <p:cond delay="0"/>
+                                  </p:stCondLst>
+                                  <p:childTnLst>
+                                    <p:set>
+                                      <p:cBhvr>
+                                        <p:cTn id="18" dur="1" fill="hold">
+                                          <p:stCondLst>
+                                            <p:cond delay="0"/>
+                                          </p:stCondLst>
+                                        </p:cTn>
+                                        <p:tgtEl>
+                                          <p:spTgt spid="32"/>
+                                        </p:tgtEl>
+                                        <p:attrNameLst>
+                                          <p:attrName>style.visibility</p:attrName>
+                                        </p:attrNameLst>
+                                      </p:cBhvr>
+                                      <p:to>
+                                        <p:strVal val="visible"/>
+                                      </p:to>
+                                    </p:set>
+                                  </p:childTnLst>
+                                </p:cTn>
+                              </p:par>
+                              <p:par>
+                                <p:cTn id="19" presetID="1" presetClass="entr" presetSubtype="0" fill="hold" grpId="0" nodeType="withEffect">
+                                  <p:stCondLst>
+                                    <p:cond delay="0"/>
+                                  </p:stCondLst>
+                                  <p:childTnLst>
+                                    <p:set>
+                                      <p:cBhvr>
+                                        <p:cTn id="20" dur="1" fill="hold">
+                                          <p:stCondLst>
+                                            <p:cond delay="0"/>
+                                          </p:stCondLst>
+                                        </p:cTn>
+                                        <p:tgtEl>
+                                          <p:spTgt spid="33"/>
+                                        </p:tgtEl>
+                                        <p:attrNameLst>
+                                          <p:attrName>style.visibility</p:attrName>
+                                        </p:attrNameLst>
+                                      </p:cBhvr>
+                                      <p:to>
+                                        <p:strVal val="visible"/>
+                                      </p:to>
+                                    </p:set>
+                                  </p:childTnLst>
+                                </p:cTn>
+                              </p:par>
+                            </p:childTnLst>
+                          </p:cTn>
+                        </p:par>
+                      </p:childTnLst>
+                    </p:cTn>
+                  </p:par>
+                  <p:par>
+                    <p:cTn id="21" fill="hold">
+                      <p:stCondLst>
+                        <p:cond delay="indefinite"/>
+                      </p:stCondLst>
+                      <p:childTnLst>
+                        <p:par>
+                          <p:cTn id="22" fill="hold">
+                            <p:stCondLst>
+                              <p:cond delay="0"/>
+                            </p:stCondLst>
+                            <p:childTnLst>
+                              <p:par>
+                                <p:cTn id="23" presetID="1" presetClass="entr" presetSubtype="0" fill="hold" nodeType="clickEffect">
+                                  <p:stCondLst>
+                                    <p:cond delay="0"/>
+                                  </p:stCondLst>
+                                  <p:childTnLst>
+                                    <p:set>
+                                      <p:cBhvr>
+                                        <p:cTn id="24" dur="1" fill="hold">
+                                          <p:stCondLst>
+                                            <p:cond delay="0"/>
+                                          </p:stCondLst>
+                                        </p:cTn>
+                                        <p:tgtEl>
+                                          <p:spTgt spid="4100"/>
+                                        </p:tgtEl>
+                                        <p:attrNameLst>
+                                          <p:attrName>style.visibility</p:attrName>
+                                        </p:attrNameLst>
+                                      </p:cBhvr>
+                                      <p:to>
+                                        <p:strVal val="visible"/>
+                                      </p:to>
+                                    </p:set>
+                                  </p:childTnLst>
+                                </p:cTn>
+                              </p:par>
+                              <p:par>
+                                <p:cTn id="25" presetID="1" presetClass="entr" presetSubtype="0" fill="hold" nodeType="withEffect">
+                                  <p:stCondLst>
+                                    <p:cond delay="0"/>
+                                  </p:stCondLst>
+                                  <p:childTnLst>
+                                    <p:set>
+                                      <p:cBhvr>
+                                        <p:cTn id="26" dur="1" fill="hold">
+                                          <p:stCondLst>
+                                            <p:cond delay="0"/>
+                                          </p:stCondLst>
+                                        </p:cTn>
+                                        <p:tgtEl>
+                                          <p:spTgt spid="4101"/>
+                                        </p:tgtEl>
+                                        <p:attrNameLst>
+                                          <p:attrName>style.visibility</p:attrName>
+                                        </p:attrNameLst>
+                                      </p:cBhvr>
+                                      <p:to>
+                                        <p:strVal val="visible"/>
+                                      </p:to>
+                                    </p:set>
+                                  </p:childTnLst>
+                                </p:cTn>
+                              </p:par>
+                            </p:childTnLst>
+                          </p:cTn>
+                        </p:par>
+                      </p:childTnLst>
+                    </p:cTn>
+                  </p:par>
+                </p:childTnLst>
+              </p:cTn>
+              <p:prevCondLst>
+                <p:cond evt="onPrev" delay="0">
+                  <p:tgtEl>
+                    <p:sldTgt/>
+                  </p:tgtEl>
+                </p:cond>
+              </p:prevCondLst>
+              <p:nextCondLst>
+                <p:cond evt="onNext" delay="0">
+                  <p:tgtEl>
+                    <p:sldTgt/>
+                  </p:tgtEl>
+                </p:cond>
+              </p:nextCondLst>
+            </p:seq>
+          </p:childTnLst>
+        </p:cTn>
+      </p:par>
+    </p:tnLst>
+    <p:bldLst>
+      <p:bldP spid="26" grpId="0"/>
+      <p:bldP spid="27" grpId="0"/>
+      <p:bldP spid="30" grpId="0"/>
+      <p:bldP spid="31" grpId="0"/>
+      <p:bldP spid="32" grpId="0"/>
+      <p:bldP spid="33" grpId="0"/>
+    </p:bldLst>
+  </p:timing>
+</p:sld>
+</file>
+
+<file path=ppt/slides/slide4.xml><?xml version="1.0" encoding="utf-8"?>
+<p:sld xmlns:a="http://schemas.openxmlformats.org/drawingml/2006/main" xmlns:r="http://schemas.openxmlformats.org/officeDocument/2006/relationships" xmlns:p="http://schemas.openxmlformats.org/presentationml/2006/main">
+  <p:cSld>
+    <p:spTree>
+      <p:nvGrpSpPr>
+        <p:cNvPr id="1" name=""/>
+        <p:cNvGrpSpPr/>
+        <p:nvPr/>
+      </p:nvGrpSpPr>
+      <p:grpSpPr>
+        <a:xfrm>
+          <a:off x="0" y="0"/>
+          <a:ext cx="0" cy="0"/>
+          <a:chOff x="0" y="0"/>
+          <a:chExt cx="0" cy="0"/>
+        </a:xfrm>
+      </p:grpSpPr>
+      <p:pic>
+        <p:nvPicPr>
+          <p:cNvPr id="1028" name="Picture 4" descr="C:\Users\Jens\Documents\ANDA\analysis\Plot\Correlated Neurons - CV2.png"/>
+          <p:cNvPicPr>
+            <a:picLocks noChangeAspect="1" noChangeArrowheads="1"/>
+          </p:cNvPicPr>
+          <p:nvPr/>
+        </p:nvPicPr>
+        <p:blipFill>
+          <a:blip r:embed="rId2">
+            <a:duotone>
+              <a:schemeClr val="accent1">
+                <a:shade val="45000"/>
+                <a:satMod val="135000"/>
+              </a:schemeClr>
+              <a:prstClr val="white"/>
+            </a:duotone>
+            <a:extLst>
+              <a:ext uri="{28A0092B-C50C-407E-A947-70E740481C1C}">
+                <a14:useLocalDpi xmlns:a14="http://schemas.microsoft.com/office/drawing/2010/main" val="0"/>
+              </a:ext>
+            </a:extLst>
+          </a:blip>
+          <a:srcRect/>
+          <a:stretch>
+            <a:fillRect/>
+          </a:stretch>
+        </p:blipFill>
+        <p:spPr bwMode="auto">
+          <a:xfrm>
+            <a:off x="228599" y="3936000"/>
             <a:ext cx="8640001" cy="2160000"/>
           </a:xfrm>
           <a:prstGeom prst="rect">
@@ -3126,7 +5935,7 @@
         </p:blipFill>
         <p:spPr bwMode="auto">
           <a:xfrm>
-            <a:off x="466151" y="3733800"/>
+            <a:off x="228599" y="1524000"/>
             <a:ext cx="8640001" cy="2160000"/>
           </a:xfrm>
           <a:prstGeom prst="rect">
@@ -3144,20 +5953,57 @@
           </a:extLst>
         </p:spPr>
       </p:pic>
+      <p:sp>
+        <p:nvSpPr>
+          <p:cNvPr id="4" name="TextBox 3"/>
+          <p:cNvSpPr txBox="1"/>
+          <p:nvPr/>
+        </p:nvSpPr>
+        <p:spPr>
+          <a:xfrm>
+            <a:off x="457200" y="535920"/>
+            <a:ext cx="6248400" cy="400110"/>
+          </a:xfrm>
+          <a:prstGeom prst="rect">
+            <a:avLst/>
+          </a:prstGeom>
+          <a:noFill/>
+        </p:spPr>
+        <p:txBody>
+          <a:bodyPr wrap="square" rtlCol="0">
+            <a:spAutoFit/>
+          </a:bodyPr>
+          <a:lstStyle/>
+          <a:p>
+            <a:r>
+              <a:rPr lang="de-DE" sz="2000" dirty="0" smtClean="0"/>
+              <a:t>Correlations Firing Rate vs. Reaction Time – A closer look</a:t>
+            </a:r>
+            <a:endParaRPr lang="de-DE" sz="2000" dirty="0"/>
+          </a:p>
+        </p:txBody>
+      </p:sp>
     </p:spTree>
     <p:extLst>
       <p:ext uri="{BB962C8B-B14F-4D97-AF65-F5344CB8AC3E}">
-        <p14:creationId xmlns:p14="http://schemas.microsoft.com/office/powerpoint/2010/main" val="2783279720"/>
+        <p14:creationId xmlns:p14="http://schemas.microsoft.com/office/powerpoint/2010/main" val="3754015982"/>
       </p:ext>
     </p:extLst>
   </p:cSld>
   <p:clrMapOvr>
     <a:masterClrMapping/>
   </p:clrMapOvr>
+  <p:timing>
+    <p:tnLst>
+      <p:par>
+        <p:cTn id="1" dur="indefinite" restart="never" nodeType="tmRoot"/>
+      </p:par>
+    </p:tnLst>
+  </p:timing>
 </p:sld>
 </file>
 
-<file path=ppt/slides/slide2.xml><?xml version="1.0" encoding="utf-8"?>
+<file path=ppt/slides/slide5.xml><?xml version="1.0" encoding="utf-8"?>
 <p:sld xmlns:a="http://schemas.openxmlformats.org/drawingml/2006/main" xmlns:r="http://schemas.openxmlformats.org/officeDocument/2006/relationships" xmlns:p="http://schemas.openxmlformats.org/presentationml/2006/main">
   <p:cSld>
     <p:spTree>
@@ -3182,7 +6028,7 @@
           </p:cNvPicPr>
           <p:nvPr/>
         </p:nvPicPr>
-        <p:blipFill>
+        <p:blipFill rotWithShape="1">
           <a:blip r:embed="rId2" cstate="print">
             <a:extLst>
               <a:ext uri="{28A0092B-C50C-407E-A947-70E740481C1C}">
@@ -3190,15 +6036,13 @@
               </a:ext>
             </a:extLst>
           </a:blip>
-          <a:srcRect/>
-          <a:stretch>
-            <a:fillRect/>
-          </a:stretch>
+          <a:srcRect r="23449"/>
+          <a:stretch/>
         </p:blipFill>
         <p:spPr bwMode="auto">
           <a:xfrm>
-            <a:off x="1219200" y="0"/>
-            <a:ext cx="6480000" cy="6480000"/>
+            <a:off x="-76200" y="454200"/>
+            <a:ext cx="4960471" cy="6480000"/>
           </a:xfrm>
           <a:prstGeom prst="rect">
             <a:avLst/>
@@ -3215,6 +6059,233 @@
           </a:extLst>
         </p:spPr>
       </p:pic>
+      <p:grpSp>
+        <p:nvGrpSpPr>
+          <p:cNvPr id="4" name="Group 3"/>
+          <p:cNvGrpSpPr/>
+          <p:nvPr/>
+        </p:nvGrpSpPr>
+        <p:grpSpPr>
+          <a:xfrm>
+            <a:off x="5183549" y="1786445"/>
+            <a:ext cx="665440" cy="3928555"/>
+            <a:chOff x="6382389" y="1542411"/>
+            <a:chExt cx="665440" cy="3928555"/>
+          </a:xfrm>
+        </p:grpSpPr>
+        <p:pic>
+          <p:nvPicPr>
+            <p:cNvPr id="3" name="Picture 3" descr="C:\Users\Jens\Documents\ANDA\analysis\Correlations FR by channel.png"/>
+            <p:cNvPicPr>
+              <a:picLocks noChangeAspect="1" noChangeArrowheads="1"/>
+            </p:cNvPicPr>
+            <p:nvPr/>
+          </p:nvPicPr>
+          <p:blipFill rotWithShape="1">
+            <a:blip r:embed="rId2" cstate="print">
+              <a:extLst>
+                <a:ext uri="{28A0092B-C50C-407E-A947-70E740481C1C}">
+                  <a14:useLocalDpi xmlns:a14="http://schemas.microsoft.com/office/drawing/2010/main" val="0"/>
+                </a:ext>
+              </a:extLst>
+            </a:blip>
+            <a:srcRect l="77795" t="11114" r="17577" b="11413"/>
+            <a:stretch/>
+          </p:blipFill>
+          <p:spPr bwMode="auto">
+            <a:xfrm>
+              <a:off x="6382389" y="1600200"/>
+              <a:ext cx="228600" cy="3826436"/>
+            </a:xfrm>
+            <a:prstGeom prst="rect">
+              <a:avLst/>
+            </a:prstGeom>
+            <a:noFill/>
+            <a:extLst>
+              <a:ext uri="{909E8E84-426E-40DD-AFC4-6F175D3DCCD1}">
+                <a14:hiddenFill xmlns:a14="http://schemas.microsoft.com/office/drawing/2010/main">
+                  <a:solidFill>
+                    <a:srgbClr val="FFFFFF"/>
+                  </a:solidFill>
+                </a14:hiddenFill>
+              </a:ext>
+            </a:extLst>
+          </p:spPr>
+        </p:pic>
+        <p:sp>
+          <p:nvSpPr>
+            <p:cNvPr id="2" name="TextBox 1"/>
+            <p:cNvSpPr txBox="1"/>
+            <p:nvPr/>
+          </p:nvSpPr>
+          <p:spPr>
+            <a:xfrm>
+              <a:off x="6635537" y="1542411"/>
+              <a:ext cx="412292" cy="307777"/>
+            </a:xfrm>
+            <a:prstGeom prst="rect">
+              <a:avLst/>
+            </a:prstGeom>
+            <a:noFill/>
+          </p:spPr>
+          <p:txBody>
+            <a:bodyPr wrap="none" rtlCol="0">
+              <a:spAutoFit/>
+            </a:bodyPr>
+            <a:lstStyle/>
+            <a:p>
+              <a:pPr algn="r"/>
+              <a:r>
+                <a:rPr lang="de-DE" sz="1400" dirty="0" smtClean="0"/>
+                <a:t>0.3</a:t>
+              </a:r>
+            </a:p>
+          </p:txBody>
+        </p:sp>
+        <p:sp>
+          <p:nvSpPr>
+            <p:cNvPr id="5" name="TextBox 4"/>
+            <p:cNvSpPr txBox="1"/>
+            <p:nvPr/>
+          </p:nvSpPr>
+          <p:spPr>
+            <a:xfrm>
+              <a:off x="6599496" y="3359529"/>
+              <a:ext cx="276038" cy="307777"/>
+            </a:xfrm>
+            <a:prstGeom prst="rect">
+              <a:avLst/>
+            </a:prstGeom>
+            <a:noFill/>
+          </p:spPr>
+          <p:txBody>
+            <a:bodyPr wrap="none" rtlCol="0">
+              <a:spAutoFit/>
+            </a:bodyPr>
+            <a:lstStyle/>
+            <a:p>
+              <a:r>
+                <a:rPr lang="de-DE" sz="1400" dirty="0" smtClean="0"/>
+                <a:t>0</a:t>
+              </a:r>
+            </a:p>
+          </p:txBody>
+        </p:sp>
+        <p:sp>
+          <p:nvSpPr>
+            <p:cNvPr id="7" name="TextBox 6"/>
+            <p:cNvSpPr txBox="1"/>
+            <p:nvPr/>
+          </p:nvSpPr>
+          <p:spPr>
+            <a:xfrm>
+              <a:off x="6540926" y="5163189"/>
+              <a:ext cx="506870" cy="307777"/>
+            </a:xfrm>
+            <a:prstGeom prst="rect">
+              <a:avLst/>
+            </a:prstGeom>
+            <a:noFill/>
+          </p:spPr>
+          <p:txBody>
+            <a:bodyPr wrap="none" rtlCol="0">
+              <a:spAutoFit/>
+            </a:bodyPr>
+            <a:lstStyle/>
+            <a:p>
+              <a:pPr algn="r"/>
+              <a:r>
+                <a:rPr lang="de-DE" sz="1400" dirty="0" smtClean="0"/>
+                <a:t>- 0.3</a:t>
+              </a:r>
+            </a:p>
+          </p:txBody>
+        </p:sp>
+      </p:grpSp>
+      <p:pic>
+        <p:nvPicPr>
+          <p:cNvPr id="8" name="Picture 3"/>
+          <p:cNvPicPr>
+            <a:picLocks noChangeAspect="1" noChangeArrowheads="1"/>
+          </p:cNvPicPr>
+          <p:nvPr/>
+        </p:nvPicPr>
+        <p:blipFill>
+          <a:blip r:embed="rId3">
+            <a:extLst>
+              <a:ext uri="{28A0092B-C50C-407E-A947-70E740481C1C}">
+                <a14:useLocalDpi xmlns:a14="http://schemas.microsoft.com/office/drawing/2010/main" val="0"/>
+              </a:ext>
+            </a:extLst>
+          </a:blip>
+          <a:srcRect/>
+          <a:stretch>
+            <a:fillRect/>
+          </a:stretch>
+        </p:blipFill>
+        <p:spPr bwMode="auto">
+          <a:xfrm>
+            <a:off x="5905294" y="1768034"/>
+            <a:ext cx="3014662" cy="1757446"/>
+          </a:xfrm>
+          <a:prstGeom prst="rect">
+            <a:avLst/>
+          </a:prstGeom>
+          <a:noFill/>
+          <a:ln>
+            <a:noFill/>
+          </a:ln>
+          <a:extLst>
+            <a:ext uri="{909E8E84-426E-40DD-AFC4-6F175D3DCCD1}">
+              <a14:hiddenFill xmlns:a14="http://schemas.microsoft.com/office/drawing/2010/main">
+                <a:solidFill>
+                  <a:schemeClr val="accent1"/>
+                </a:solidFill>
+              </a14:hiddenFill>
+            </a:ext>
+            <a:ext uri="{91240B29-F687-4F45-9708-019B960494DF}">
+              <a14:hiddenLine xmlns:a14="http://schemas.microsoft.com/office/drawing/2010/main" w="9525">
+                <a:solidFill>
+                  <a:schemeClr val="tx1"/>
+                </a:solidFill>
+                <a:miter lim="800000"/>
+                <a:headEnd/>
+                <a:tailEnd/>
+              </a14:hiddenLine>
+            </a:ext>
+          </a:extLst>
+        </p:spPr>
+      </p:pic>
+      <p:sp>
+        <p:nvSpPr>
+          <p:cNvPr id="9" name="TextBox 8"/>
+          <p:cNvSpPr txBox="1"/>
+          <p:nvPr/>
+        </p:nvSpPr>
+        <p:spPr>
+          <a:xfrm>
+            <a:off x="457200" y="535920"/>
+            <a:ext cx="6248400" cy="400110"/>
+          </a:xfrm>
+          <a:prstGeom prst="rect">
+            <a:avLst/>
+          </a:prstGeom>
+          <a:noFill/>
+        </p:spPr>
+        <p:txBody>
+          <a:bodyPr wrap="square" rtlCol="0">
+            <a:spAutoFit/>
+          </a:bodyPr>
+          <a:lstStyle/>
+          <a:p>
+            <a:r>
+              <a:rPr lang="de-DE" sz="2000" dirty="0" smtClean="0"/>
+              <a:t>Correlations Firing Rate vs. Reaction Time – A closer look</a:t>
+            </a:r>
+            <a:endParaRPr lang="de-DE" sz="2000" dirty="0"/>
+          </a:p>
+        </p:txBody>
+      </p:sp>
     </p:spTree>
     <p:extLst>
       <p:ext uri="{BB962C8B-B14F-4D97-AF65-F5344CB8AC3E}">
@@ -3225,10 +6296,366 @@
   <p:clrMapOvr>
     <a:masterClrMapping/>
   </p:clrMapOvr>
+  <p:timing>
+    <p:tnLst>
+      <p:par>
+        <p:cTn id="1" dur="indefinite" restart="never" nodeType="tmRoot"/>
+      </p:par>
+    </p:tnLst>
+  </p:timing>
 </p:sld>
 </file>
 
-<file path=ppt/slides/slide3.xml><?xml version="1.0" encoding="utf-8"?>
+<file path=ppt/slides/slide6.xml><?xml version="1.0" encoding="utf-8"?>
+<p:sld xmlns:a="http://schemas.openxmlformats.org/drawingml/2006/main" xmlns:r="http://schemas.openxmlformats.org/officeDocument/2006/relationships" xmlns:p="http://schemas.openxmlformats.org/presentationml/2006/main">
+  <p:cSld>
+    <p:spTree>
+      <p:nvGrpSpPr>
+        <p:cNvPr id="1" name=""/>
+        <p:cNvGrpSpPr/>
+        <p:nvPr/>
+      </p:nvGrpSpPr>
+      <p:grpSpPr>
+        <a:xfrm>
+          <a:off x="0" y="0"/>
+          <a:ext cx="0" cy="0"/>
+          <a:chOff x="0" y="0"/>
+          <a:chExt cx="0" cy="0"/>
+        </a:xfrm>
+      </p:grpSpPr>
+      <p:pic>
+        <p:nvPicPr>
+          <p:cNvPr id="6" name="Picture 3" descr="C:\Users\Jens\Documents\ANDA\analysis\Correlations FR by channel.png"/>
+          <p:cNvPicPr>
+            <a:picLocks noChangeAspect="1" noChangeArrowheads="1"/>
+          </p:cNvPicPr>
+          <p:nvPr/>
+        </p:nvPicPr>
+        <p:blipFill rotWithShape="1">
+          <a:blip r:embed="rId2" cstate="print">
+            <a:extLst>
+              <a:ext uri="{28A0092B-C50C-407E-A947-70E740481C1C}">
+                <a14:useLocalDpi xmlns:a14="http://schemas.microsoft.com/office/drawing/2010/main" val="0"/>
+              </a:ext>
+            </a:extLst>
+          </a:blip>
+          <a:srcRect r="23449"/>
+          <a:stretch/>
+        </p:blipFill>
+        <p:spPr bwMode="auto">
+          <a:xfrm>
+            <a:off x="-76200" y="454200"/>
+            <a:ext cx="4960471" cy="6480000"/>
+          </a:xfrm>
+          <a:prstGeom prst="rect">
+            <a:avLst/>
+          </a:prstGeom>
+          <a:noFill/>
+          <a:extLst>
+            <a:ext uri="{909E8E84-426E-40DD-AFC4-6F175D3DCCD1}">
+              <a14:hiddenFill xmlns:a14="http://schemas.microsoft.com/office/drawing/2010/main">
+                <a:solidFill>
+                  <a:srgbClr val="FFFFFF"/>
+                </a:solidFill>
+              </a14:hiddenFill>
+            </a:ext>
+          </a:extLst>
+        </p:spPr>
+      </p:pic>
+      <p:grpSp>
+        <p:nvGrpSpPr>
+          <p:cNvPr id="4" name="Group 3"/>
+          <p:cNvGrpSpPr/>
+          <p:nvPr/>
+        </p:nvGrpSpPr>
+        <p:grpSpPr>
+          <a:xfrm>
+            <a:off x="5183549" y="1786445"/>
+            <a:ext cx="665440" cy="3928555"/>
+            <a:chOff x="6382389" y="1542411"/>
+            <a:chExt cx="665440" cy="3928555"/>
+          </a:xfrm>
+        </p:grpSpPr>
+        <p:pic>
+          <p:nvPicPr>
+            <p:cNvPr id="3" name="Picture 3" descr="C:\Users\Jens\Documents\ANDA\analysis\Correlations FR by channel.png"/>
+            <p:cNvPicPr>
+              <a:picLocks noChangeAspect="1" noChangeArrowheads="1"/>
+            </p:cNvPicPr>
+            <p:nvPr/>
+          </p:nvPicPr>
+          <p:blipFill rotWithShape="1">
+            <a:blip r:embed="rId2" cstate="print">
+              <a:extLst>
+                <a:ext uri="{28A0092B-C50C-407E-A947-70E740481C1C}">
+                  <a14:useLocalDpi xmlns:a14="http://schemas.microsoft.com/office/drawing/2010/main" val="0"/>
+                </a:ext>
+              </a:extLst>
+            </a:blip>
+            <a:srcRect l="77795" t="11114" r="17577" b="11413"/>
+            <a:stretch/>
+          </p:blipFill>
+          <p:spPr bwMode="auto">
+            <a:xfrm>
+              <a:off x="6382389" y="1600200"/>
+              <a:ext cx="228600" cy="3826436"/>
+            </a:xfrm>
+            <a:prstGeom prst="rect">
+              <a:avLst/>
+            </a:prstGeom>
+            <a:noFill/>
+            <a:extLst>
+              <a:ext uri="{909E8E84-426E-40DD-AFC4-6F175D3DCCD1}">
+                <a14:hiddenFill xmlns:a14="http://schemas.microsoft.com/office/drawing/2010/main">
+                  <a:solidFill>
+                    <a:srgbClr val="FFFFFF"/>
+                  </a:solidFill>
+                </a14:hiddenFill>
+              </a:ext>
+            </a:extLst>
+          </p:spPr>
+        </p:pic>
+        <p:sp>
+          <p:nvSpPr>
+            <p:cNvPr id="2" name="TextBox 1"/>
+            <p:cNvSpPr txBox="1"/>
+            <p:nvPr/>
+          </p:nvSpPr>
+          <p:spPr>
+            <a:xfrm>
+              <a:off x="6635537" y="1542411"/>
+              <a:ext cx="412292" cy="307777"/>
+            </a:xfrm>
+            <a:prstGeom prst="rect">
+              <a:avLst/>
+            </a:prstGeom>
+            <a:noFill/>
+          </p:spPr>
+          <p:txBody>
+            <a:bodyPr wrap="none" rtlCol="0">
+              <a:spAutoFit/>
+            </a:bodyPr>
+            <a:lstStyle/>
+            <a:p>
+              <a:pPr algn="r"/>
+              <a:r>
+                <a:rPr lang="de-DE" sz="1400" dirty="0" smtClean="0"/>
+                <a:t>0.3</a:t>
+              </a:r>
+            </a:p>
+          </p:txBody>
+        </p:sp>
+        <p:sp>
+          <p:nvSpPr>
+            <p:cNvPr id="5" name="TextBox 4"/>
+            <p:cNvSpPr txBox="1"/>
+            <p:nvPr/>
+          </p:nvSpPr>
+          <p:spPr>
+            <a:xfrm>
+              <a:off x="6599496" y="3359529"/>
+              <a:ext cx="276038" cy="307777"/>
+            </a:xfrm>
+            <a:prstGeom prst="rect">
+              <a:avLst/>
+            </a:prstGeom>
+            <a:noFill/>
+          </p:spPr>
+          <p:txBody>
+            <a:bodyPr wrap="none" rtlCol="0">
+              <a:spAutoFit/>
+            </a:bodyPr>
+            <a:lstStyle/>
+            <a:p>
+              <a:r>
+                <a:rPr lang="de-DE" sz="1400" dirty="0" smtClean="0"/>
+                <a:t>0</a:t>
+              </a:r>
+            </a:p>
+          </p:txBody>
+        </p:sp>
+        <p:sp>
+          <p:nvSpPr>
+            <p:cNvPr id="7" name="TextBox 6"/>
+            <p:cNvSpPr txBox="1"/>
+            <p:nvPr/>
+          </p:nvSpPr>
+          <p:spPr>
+            <a:xfrm>
+              <a:off x="6540926" y="5163189"/>
+              <a:ext cx="506870" cy="307777"/>
+            </a:xfrm>
+            <a:prstGeom prst="rect">
+              <a:avLst/>
+            </a:prstGeom>
+            <a:noFill/>
+          </p:spPr>
+          <p:txBody>
+            <a:bodyPr wrap="none" rtlCol="0">
+              <a:spAutoFit/>
+            </a:bodyPr>
+            <a:lstStyle/>
+            <a:p>
+              <a:pPr algn="r"/>
+              <a:r>
+                <a:rPr lang="de-DE" sz="1400" dirty="0" smtClean="0"/>
+                <a:t>- 0.3</a:t>
+              </a:r>
+            </a:p>
+          </p:txBody>
+        </p:sp>
+      </p:grpSp>
+      <p:pic>
+        <p:nvPicPr>
+          <p:cNvPr id="8" name="Picture 3"/>
+          <p:cNvPicPr>
+            <a:picLocks noChangeAspect="1" noChangeArrowheads="1"/>
+          </p:cNvPicPr>
+          <p:nvPr/>
+        </p:nvPicPr>
+        <p:blipFill>
+          <a:blip r:embed="rId3">
+            <a:extLst>
+              <a:ext uri="{28A0092B-C50C-407E-A947-70E740481C1C}">
+                <a14:useLocalDpi xmlns:a14="http://schemas.microsoft.com/office/drawing/2010/main" val="0"/>
+              </a:ext>
+            </a:extLst>
+          </a:blip>
+          <a:srcRect/>
+          <a:stretch>
+            <a:fillRect/>
+          </a:stretch>
+        </p:blipFill>
+        <p:spPr bwMode="auto">
+          <a:xfrm rot="6889615">
+            <a:off x="5905294" y="1768034"/>
+            <a:ext cx="3014662" cy="1757446"/>
+          </a:xfrm>
+          <a:prstGeom prst="rect">
+            <a:avLst/>
+          </a:prstGeom>
+          <a:noFill/>
+          <a:ln>
+            <a:noFill/>
+          </a:ln>
+          <a:extLst>
+            <a:ext uri="{909E8E84-426E-40DD-AFC4-6F175D3DCCD1}">
+              <a14:hiddenFill xmlns:a14="http://schemas.microsoft.com/office/drawing/2010/main">
+                <a:solidFill>
+                  <a:schemeClr val="accent1"/>
+                </a:solidFill>
+              </a14:hiddenFill>
+            </a:ext>
+            <a:ext uri="{91240B29-F687-4F45-9708-019B960494DF}">
+              <a14:hiddenLine xmlns:a14="http://schemas.microsoft.com/office/drawing/2010/main" w="9525">
+                <a:solidFill>
+                  <a:schemeClr val="tx1"/>
+                </a:solidFill>
+                <a:miter lim="800000"/>
+                <a:headEnd/>
+                <a:tailEnd/>
+              </a14:hiddenLine>
+            </a:ext>
+          </a:extLst>
+        </p:spPr>
+      </p:pic>
+      <p:sp>
+        <p:nvSpPr>
+          <p:cNvPr id="9" name="Right Arrow 8"/>
+          <p:cNvSpPr/>
+          <p:nvPr/>
+        </p:nvSpPr>
+        <p:spPr>
+          <a:xfrm rot="15321430">
+            <a:off x="7219181" y="3118923"/>
+            <a:ext cx="893175" cy="228600"/>
+          </a:xfrm>
+          <a:prstGeom prst="rightArrow">
+            <a:avLst/>
+          </a:prstGeom>
+          <a:solidFill>
+            <a:srgbClr val="FF0000"/>
+          </a:solidFill>
+          <a:ln>
+            <a:noFill/>
+          </a:ln>
+        </p:spPr>
+        <p:style>
+          <a:lnRef idx="2">
+            <a:schemeClr val="accent1">
+              <a:shade val="50000"/>
+            </a:schemeClr>
+          </a:lnRef>
+          <a:fillRef idx="1">
+            <a:schemeClr val="accent1"/>
+          </a:fillRef>
+          <a:effectRef idx="0">
+            <a:schemeClr val="accent1"/>
+          </a:effectRef>
+          <a:fontRef idx="minor">
+            <a:schemeClr val="lt1"/>
+          </a:fontRef>
+        </p:style>
+        <p:txBody>
+          <a:bodyPr rtlCol="0" anchor="ctr"/>
+          <a:lstStyle/>
+          <a:p>
+            <a:pPr algn="ctr"/>
+            <a:endParaRPr lang="de-DE"/>
+          </a:p>
+        </p:txBody>
+      </p:sp>
+      <p:sp>
+        <p:nvSpPr>
+          <p:cNvPr id="10" name="TextBox 9"/>
+          <p:cNvSpPr txBox="1"/>
+          <p:nvPr/>
+        </p:nvSpPr>
+        <p:spPr>
+          <a:xfrm>
+            <a:off x="457200" y="535920"/>
+            <a:ext cx="6248400" cy="400110"/>
+          </a:xfrm>
+          <a:prstGeom prst="rect">
+            <a:avLst/>
+          </a:prstGeom>
+          <a:noFill/>
+        </p:spPr>
+        <p:txBody>
+          <a:bodyPr wrap="square" rtlCol="0">
+            <a:spAutoFit/>
+          </a:bodyPr>
+          <a:lstStyle/>
+          <a:p>
+            <a:r>
+              <a:rPr lang="de-DE" sz="2000" dirty="0" smtClean="0"/>
+              <a:t>Correlations Firing Rate vs. Reaction Time – A closer look</a:t>
+            </a:r>
+            <a:endParaRPr lang="de-DE" sz="2000" dirty="0"/>
+          </a:p>
+        </p:txBody>
+      </p:sp>
+    </p:spTree>
+    <p:extLst>
+      <p:ext uri="{BB962C8B-B14F-4D97-AF65-F5344CB8AC3E}">
+        <p14:creationId xmlns:p14="http://schemas.microsoft.com/office/powerpoint/2010/main" val="1701367280"/>
+      </p:ext>
+    </p:extLst>
+  </p:cSld>
+  <p:clrMapOvr>
+    <a:masterClrMapping/>
+  </p:clrMapOvr>
+  <p:timing>
+    <p:tnLst>
+      <p:par>
+        <p:cTn id="1" dur="indefinite" restart="never" nodeType="tmRoot"/>
+      </p:par>
+    </p:tnLst>
+  </p:timing>
+</p:sld>
+</file>
+
+<file path=ppt/slides/slide7.xml><?xml version="1.0" encoding="utf-8"?>
 <p:sld xmlns:a="http://schemas.openxmlformats.org/drawingml/2006/main" xmlns:r="http://schemas.openxmlformats.org/officeDocument/2006/relationships" xmlns:p="http://schemas.openxmlformats.org/presentationml/2006/main">
   <p:cSld>
     <p:spTree>
@@ -3253,7 +6680,7 @@
           </p:cNvPicPr>
           <p:nvPr/>
         </p:nvPicPr>
-        <p:blipFill>
+        <p:blipFill rotWithShape="1">
           <a:blip r:embed="rId2" cstate="print">
             <a:extLst>
               <a:ext uri="{28A0092B-C50C-407E-A947-70E740481C1C}">
@@ -3261,15 +6688,13 @@
               </a:ext>
             </a:extLst>
           </a:blip>
-          <a:srcRect/>
-          <a:stretch>
-            <a:fillRect/>
-          </a:stretch>
+          <a:srcRect r="22823"/>
+          <a:stretch/>
         </p:blipFill>
         <p:spPr bwMode="auto">
           <a:xfrm>
-            <a:off x="1220400" y="0"/>
-            <a:ext cx="6480000" cy="6480000"/>
+            <a:off x="-76200" y="454200"/>
+            <a:ext cx="5001106" cy="6480000"/>
           </a:xfrm>
           <a:prstGeom prst="rect">
             <a:avLst/>
@@ -3286,6 +6711,279 @@
           </a:extLst>
         </p:spPr>
       </p:pic>
+      <p:grpSp>
+        <p:nvGrpSpPr>
+          <p:cNvPr id="3" name="Group 2"/>
+          <p:cNvGrpSpPr/>
+          <p:nvPr/>
+        </p:nvGrpSpPr>
+        <p:grpSpPr>
+          <a:xfrm>
+            <a:off x="5183549" y="1786445"/>
+            <a:ext cx="665440" cy="3928555"/>
+            <a:chOff x="6382389" y="1542411"/>
+            <a:chExt cx="665440" cy="3928555"/>
+          </a:xfrm>
+        </p:grpSpPr>
+        <p:pic>
+          <p:nvPicPr>
+            <p:cNvPr id="4" name="Picture 3" descr="C:\Users\Jens\Documents\ANDA\analysis\Correlations FR by channel.png"/>
+            <p:cNvPicPr>
+              <a:picLocks noChangeAspect="1" noChangeArrowheads="1"/>
+            </p:cNvPicPr>
+            <p:nvPr/>
+          </p:nvPicPr>
+          <p:blipFill rotWithShape="1">
+            <a:blip r:embed="rId3" cstate="print">
+              <a:extLst>
+                <a:ext uri="{28A0092B-C50C-407E-A947-70E740481C1C}">
+                  <a14:useLocalDpi xmlns:a14="http://schemas.microsoft.com/office/drawing/2010/main" val="0"/>
+                </a:ext>
+              </a:extLst>
+            </a:blip>
+            <a:srcRect l="77795" t="11114" r="17577" b="11413"/>
+            <a:stretch/>
+          </p:blipFill>
+          <p:spPr bwMode="auto">
+            <a:xfrm>
+              <a:off x="6382389" y="1600200"/>
+              <a:ext cx="228600" cy="3826436"/>
+            </a:xfrm>
+            <a:prstGeom prst="rect">
+              <a:avLst/>
+            </a:prstGeom>
+            <a:noFill/>
+            <a:extLst>
+              <a:ext uri="{909E8E84-426E-40DD-AFC4-6F175D3DCCD1}">
+                <a14:hiddenFill xmlns:a14="http://schemas.microsoft.com/office/drawing/2010/main">
+                  <a:solidFill>
+                    <a:srgbClr val="FFFFFF"/>
+                  </a:solidFill>
+                </a14:hiddenFill>
+              </a:ext>
+            </a:extLst>
+          </p:spPr>
+        </p:pic>
+        <p:sp>
+          <p:nvSpPr>
+            <p:cNvPr id="5" name="TextBox 4"/>
+            <p:cNvSpPr txBox="1"/>
+            <p:nvPr/>
+          </p:nvSpPr>
+          <p:spPr>
+            <a:xfrm>
+              <a:off x="6635537" y="1542411"/>
+              <a:ext cx="412292" cy="307777"/>
+            </a:xfrm>
+            <a:prstGeom prst="rect">
+              <a:avLst/>
+            </a:prstGeom>
+            <a:noFill/>
+          </p:spPr>
+          <p:txBody>
+            <a:bodyPr wrap="none" rtlCol="0">
+              <a:spAutoFit/>
+            </a:bodyPr>
+            <a:lstStyle/>
+            <a:p>
+              <a:pPr algn="r"/>
+              <a:r>
+                <a:rPr lang="de-DE" sz="1400" dirty="0" smtClean="0"/>
+                <a:t>0.3</a:t>
+              </a:r>
+            </a:p>
+          </p:txBody>
+        </p:sp>
+        <p:sp>
+          <p:nvSpPr>
+            <p:cNvPr id="6" name="TextBox 5"/>
+            <p:cNvSpPr txBox="1"/>
+            <p:nvPr/>
+          </p:nvSpPr>
+          <p:spPr>
+            <a:xfrm>
+              <a:off x="6599496" y="3359529"/>
+              <a:ext cx="276038" cy="307777"/>
+            </a:xfrm>
+            <a:prstGeom prst="rect">
+              <a:avLst/>
+            </a:prstGeom>
+            <a:noFill/>
+          </p:spPr>
+          <p:txBody>
+            <a:bodyPr wrap="none" rtlCol="0">
+              <a:spAutoFit/>
+            </a:bodyPr>
+            <a:lstStyle/>
+            <a:p>
+              <a:r>
+                <a:rPr lang="de-DE" sz="1400" dirty="0" smtClean="0"/>
+                <a:t>0</a:t>
+              </a:r>
+            </a:p>
+          </p:txBody>
+        </p:sp>
+        <p:sp>
+          <p:nvSpPr>
+            <p:cNvPr id="7" name="TextBox 6"/>
+            <p:cNvSpPr txBox="1"/>
+            <p:nvPr/>
+          </p:nvSpPr>
+          <p:spPr>
+            <a:xfrm>
+              <a:off x="6540926" y="5163189"/>
+              <a:ext cx="506870" cy="307777"/>
+            </a:xfrm>
+            <a:prstGeom prst="rect">
+              <a:avLst/>
+            </a:prstGeom>
+            <a:noFill/>
+          </p:spPr>
+          <p:txBody>
+            <a:bodyPr wrap="none" rtlCol="0">
+              <a:spAutoFit/>
+            </a:bodyPr>
+            <a:lstStyle/>
+            <a:p>
+              <a:pPr algn="r"/>
+              <a:r>
+                <a:rPr lang="de-DE" sz="1400" dirty="0" smtClean="0"/>
+                <a:t>- 0.3</a:t>
+              </a:r>
+            </a:p>
+          </p:txBody>
+        </p:sp>
+      </p:grpSp>
+      <p:pic>
+        <p:nvPicPr>
+          <p:cNvPr id="8" name="Picture 3"/>
+          <p:cNvPicPr>
+            <a:picLocks noChangeAspect="1" noChangeArrowheads="1"/>
+          </p:cNvPicPr>
+          <p:nvPr/>
+        </p:nvPicPr>
+        <p:blipFill>
+          <a:blip r:embed="rId4">
+            <a:extLst>
+              <a:ext uri="{28A0092B-C50C-407E-A947-70E740481C1C}">
+                <a14:useLocalDpi xmlns:a14="http://schemas.microsoft.com/office/drawing/2010/main" val="0"/>
+              </a:ext>
+            </a:extLst>
+          </a:blip>
+          <a:srcRect/>
+          <a:stretch>
+            <a:fillRect/>
+          </a:stretch>
+        </p:blipFill>
+        <p:spPr bwMode="auto">
+          <a:xfrm rot="6889615">
+            <a:off x="5905294" y="1768034"/>
+            <a:ext cx="3014662" cy="1757446"/>
+          </a:xfrm>
+          <a:prstGeom prst="rect">
+            <a:avLst/>
+          </a:prstGeom>
+          <a:noFill/>
+          <a:ln>
+            <a:noFill/>
+          </a:ln>
+          <a:extLst>
+            <a:ext uri="{909E8E84-426E-40DD-AFC4-6F175D3DCCD1}">
+              <a14:hiddenFill xmlns:a14="http://schemas.microsoft.com/office/drawing/2010/main">
+                <a:solidFill>
+                  <a:schemeClr val="accent1"/>
+                </a:solidFill>
+              </a14:hiddenFill>
+            </a:ext>
+            <a:ext uri="{91240B29-F687-4F45-9708-019B960494DF}">
+              <a14:hiddenLine xmlns:a14="http://schemas.microsoft.com/office/drawing/2010/main" w="9525">
+                <a:solidFill>
+                  <a:schemeClr val="tx1"/>
+                </a:solidFill>
+                <a:miter lim="800000"/>
+                <a:headEnd/>
+                <a:tailEnd/>
+              </a14:hiddenLine>
+            </a:ext>
+          </a:extLst>
+        </p:spPr>
+      </p:pic>
+      <p:sp>
+        <p:nvSpPr>
+          <p:cNvPr id="9" name="Right Arrow 8"/>
+          <p:cNvSpPr/>
+          <p:nvPr/>
+        </p:nvSpPr>
+        <p:spPr>
+          <a:xfrm rot="15321430">
+            <a:off x="7219181" y="3118923"/>
+            <a:ext cx="893175" cy="228600"/>
+          </a:xfrm>
+          <a:prstGeom prst="rightArrow">
+            <a:avLst/>
+          </a:prstGeom>
+          <a:solidFill>
+            <a:srgbClr val="FF0000"/>
+          </a:solidFill>
+          <a:ln>
+            <a:noFill/>
+          </a:ln>
+        </p:spPr>
+        <p:style>
+          <a:lnRef idx="2">
+            <a:schemeClr val="accent1">
+              <a:shade val="50000"/>
+            </a:schemeClr>
+          </a:lnRef>
+          <a:fillRef idx="1">
+            <a:schemeClr val="accent1"/>
+          </a:fillRef>
+          <a:effectRef idx="0">
+            <a:schemeClr val="accent1"/>
+          </a:effectRef>
+          <a:fontRef idx="minor">
+            <a:schemeClr val="lt1"/>
+          </a:fontRef>
+        </p:style>
+        <p:txBody>
+          <a:bodyPr rtlCol="0" anchor="ctr"/>
+          <a:lstStyle/>
+          <a:p>
+            <a:pPr algn="ctr"/>
+            <a:endParaRPr lang="de-DE"/>
+          </a:p>
+        </p:txBody>
+      </p:sp>
+      <p:sp>
+        <p:nvSpPr>
+          <p:cNvPr id="10" name="TextBox 9"/>
+          <p:cNvSpPr txBox="1"/>
+          <p:nvPr/>
+        </p:nvSpPr>
+        <p:spPr>
+          <a:xfrm>
+            <a:off x="457200" y="535920"/>
+            <a:ext cx="6248400" cy="400110"/>
+          </a:xfrm>
+          <a:prstGeom prst="rect">
+            <a:avLst/>
+          </a:prstGeom>
+          <a:noFill/>
+        </p:spPr>
+        <p:txBody>
+          <a:bodyPr wrap="square" rtlCol="0">
+            <a:spAutoFit/>
+          </a:bodyPr>
+          <a:lstStyle/>
+          <a:p>
+            <a:r>
+              <a:rPr lang="de-DE" sz="2000" dirty="0" smtClean="0"/>
+              <a:t>Correlations Firing Rate vs. Reaction Time – A closer look</a:t>
+            </a:r>
+            <a:endParaRPr lang="de-DE" sz="2000" dirty="0"/>
+          </a:p>
+        </p:txBody>
+      </p:sp>
     </p:spTree>
     <p:extLst>
       <p:ext uri="{BB962C8B-B14F-4D97-AF65-F5344CB8AC3E}">
@@ -3296,10 +6994,17 @@
   <p:clrMapOvr>
     <a:masterClrMapping/>
   </p:clrMapOvr>
+  <p:timing>
+    <p:tnLst>
+      <p:par>
+        <p:cTn id="1" dur="indefinite" restart="never" nodeType="tmRoot"/>
+      </p:par>
+    </p:tnLst>
+  </p:timing>
 </p:sld>
 </file>
 
-<file path=ppt/slides/slide4.xml><?xml version="1.0" encoding="utf-8"?>
+<file path=ppt/slides/slide8.xml><?xml version="1.0" encoding="utf-8"?>
 <p:sld xmlns:a="http://schemas.openxmlformats.org/drawingml/2006/main" xmlns:r="http://schemas.openxmlformats.org/officeDocument/2006/relationships" xmlns:p="http://schemas.openxmlformats.org/presentationml/2006/main">
   <p:cSld>
     <p:spTree>
@@ -3316,16 +7021,313 @@
           <a:chExt cx="0" cy="0"/>
         </a:xfrm>
       </p:grpSpPr>
-      <p:sp>
-        <p:nvSpPr>
-          <p:cNvPr id="4" name="TextBox 3"/>
+      <p:pic>
+        <p:nvPicPr>
+          <p:cNvPr id="2050" name="Picture 2" descr="C:\Users\Jens\Documents\ANDA\analysis\Spike-field coherence per electrode.png"/>
+          <p:cNvPicPr>
+            <a:picLocks noChangeAspect="1" noChangeArrowheads="1"/>
+          </p:cNvPicPr>
+          <p:nvPr/>
+        </p:nvPicPr>
+        <p:blipFill rotWithShape="1">
+          <a:blip r:embed="rId2" cstate="print">
+            <a:extLst>
+              <a:ext uri="{28A0092B-C50C-407E-A947-70E740481C1C}">
+                <a14:useLocalDpi xmlns:a14="http://schemas.microsoft.com/office/drawing/2010/main" val="0"/>
+              </a:ext>
+            </a:extLst>
+          </a:blip>
+          <a:srcRect r="23952"/>
+          <a:stretch/>
+        </p:blipFill>
+        <p:spPr bwMode="auto">
+          <a:xfrm>
+            <a:off x="-76200" y="454200"/>
+            <a:ext cx="4927873" cy="6480000"/>
+          </a:xfrm>
+          <a:prstGeom prst="rect">
+            <a:avLst/>
+          </a:prstGeom>
+          <a:noFill/>
+          <a:extLst>
+            <a:ext uri="{909E8E84-426E-40DD-AFC4-6F175D3DCCD1}">
+              <a14:hiddenFill xmlns:a14="http://schemas.microsoft.com/office/drawing/2010/main">
+                <a:solidFill>
+                  <a:srgbClr val="FFFFFF"/>
+                </a:solidFill>
+              </a14:hiddenFill>
+            </a:ext>
+          </a:extLst>
+        </p:spPr>
+      </p:pic>
+      <p:grpSp>
+        <p:nvGrpSpPr>
+          <p:cNvPr id="2" name="Group 1"/>
+          <p:cNvGrpSpPr/>
+          <p:nvPr/>
+        </p:nvGrpSpPr>
+        <p:grpSpPr>
+          <a:xfrm>
+            <a:off x="5180413" y="1789582"/>
+            <a:ext cx="992497" cy="3886017"/>
+            <a:chOff x="5180413" y="1789582"/>
+            <a:chExt cx="992497" cy="3886017"/>
+          </a:xfrm>
+        </p:grpSpPr>
+        <p:grpSp>
+          <p:nvGrpSpPr>
+            <p:cNvPr id="3" name="Group 2"/>
+            <p:cNvGrpSpPr/>
+            <p:nvPr/>
+          </p:nvGrpSpPr>
+          <p:grpSpPr>
+            <a:xfrm>
+              <a:off x="5180413" y="1789582"/>
+              <a:ext cx="683851" cy="3884225"/>
+              <a:chOff x="6382389" y="1542411"/>
+              <a:chExt cx="683851" cy="3884225"/>
+            </a:xfrm>
+          </p:grpSpPr>
+          <p:pic>
+            <p:nvPicPr>
+              <p:cNvPr id="4" name="Picture 3" descr="C:\Users\Jens\Documents\ANDA\analysis\Correlations FR by channel.png"/>
+              <p:cNvPicPr>
+                <a:picLocks noChangeAspect="1" noChangeArrowheads="1"/>
+              </p:cNvPicPr>
+              <p:nvPr/>
+            </p:nvPicPr>
+            <p:blipFill rotWithShape="1">
+              <a:blip r:embed="rId3" cstate="print">
+                <a:extLst>
+                  <a:ext uri="{28A0092B-C50C-407E-A947-70E740481C1C}">
+                    <a14:useLocalDpi xmlns:a14="http://schemas.microsoft.com/office/drawing/2010/main" val="0"/>
+                  </a:ext>
+                </a:extLst>
+              </a:blip>
+              <a:srcRect l="77795" t="11114" r="17577" b="11413"/>
+              <a:stretch/>
+            </p:blipFill>
+            <p:spPr bwMode="auto">
+              <a:xfrm>
+                <a:off x="6382389" y="1600200"/>
+                <a:ext cx="228600" cy="3826436"/>
+              </a:xfrm>
+              <a:prstGeom prst="rect">
+                <a:avLst/>
+              </a:prstGeom>
+              <a:noFill/>
+              <a:extLst>
+                <a:ext uri="{909E8E84-426E-40DD-AFC4-6F175D3DCCD1}">
+                  <a14:hiddenFill xmlns:a14="http://schemas.microsoft.com/office/drawing/2010/main">
+                    <a:solidFill>
+                      <a:srgbClr val="FFFFFF"/>
+                    </a:solidFill>
+                  </a14:hiddenFill>
+                </a:ext>
+              </a:extLst>
+            </p:spPr>
+          </p:pic>
+          <p:sp>
+            <p:nvSpPr>
+              <p:cNvPr id="5" name="TextBox 4"/>
+              <p:cNvSpPr txBox="1"/>
+              <p:nvPr/>
+            </p:nvSpPr>
+            <p:spPr>
+              <a:xfrm>
+                <a:off x="6452794" y="1542411"/>
+                <a:ext cx="613446" cy="307777"/>
+              </a:xfrm>
+              <a:prstGeom prst="rect">
+                <a:avLst/>
+              </a:prstGeom>
+              <a:noFill/>
+            </p:spPr>
+            <p:txBody>
+              <a:bodyPr wrap="square" rtlCol="0">
+                <a:spAutoFit/>
+              </a:bodyPr>
+              <a:lstStyle/>
+              <a:p>
+                <a:pPr algn="r"/>
+                <a:r>
+                  <a:rPr lang="de-DE" sz="1400" dirty="0" smtClean="0"/>
+                  <a:t>0.01</a:t>
+                </a:r>
+              </a:p>
+            </p:txBody>
+          </p:sp>
+          <p:sp>
+            <p:nvSpPr>
+              <p:cNvPr id="6" name="TextBox 5"/>
+              <p:cNvSpPr txBox="1"/>
+              <p:nvPr/>
+            </p:nvSpPr>
+            <p:spPr>
+              <a:xfrm>
+                <a:off x="6599496" y="3359529"/>
+                <a:ext cx="276038" cy="307777"/>
+              </a:xfrm>
+              <a:prstGeom prst="rect">
+                <a:avLst/>
+              </a:prstGeom>
+              <a:noFill/>
+            </p:spPr>
+            <p:txBody>
+              <a:bodyPr wrap="none" rtlCol="0">
+                <a:spAutoFit/>
+              </a:bodyPr>
+              <a:lstStyle/>
+              <a:p>
+                <a:r>
+                  <a:rPr lang="de-DE" sz="1400" dirty="0" smtClean="0"/>
+                  <a:t>0</a:t>
+                </a:r>
+              </a:p>
+            </p:txBody>
+          </p:sp>
+        </p:grpSp>
+        <p:sp>
+          <p:nvSpPr>
+            <p:cNvPr id="10" name="TextBox 9"/>
+            <p:cNvSpPr txBox="1"/>
+            <p:nvPr/>
+          </p:nvSpPr>
+          <p:spPr>
+            <a:xfrm>
+              <a:off x="5559464" y="5367822"/>
+              <a:ext cx="613446" cy="307777"/>
+            </a:xfrm>
+            <a:prstGeom prst="rect">
+              <a:avLst/>
+            </a:prstGeom>
+            <a:noFill/>
+          </p:spPr>
+          <p:txBody>
+            <a:bodyPr wrap="square" rtlCol="0">
+              <a:spAutoFit/>
+            </a:bodyPr>
+            <a:lstStyle/>
+            <a:p>
+              <a:pPr algn="r"/>
+              <a:r>
+                <a:rPr lang="de-DE" sz="1400" dirty="0" smtClean="0"/>
+                <a:t>- 0.01</a:t>
+              </a:r>
+            </a:p>
+          </p:txBody>
+        </p:sp>
+      </p:grpSp>
+      <p:pic>
+        <p:nvPicPr>
+          <p:cNvPr id="11" name="Picture 3"/>
+          <p:cNvPicPr>
+            <a:picLocks noChangeAspect="1" noChangeArrowheads="1"/>
+          </p:cNvPicPr>
+          <p:nvPr/>
+        </p:nvPicPr>
+        <p:blipFill>
+          <a:blip r:embed="rId4">
+            <a:extLst>
+              <a:ext uri="{28A0092B-C50C-407E-A947-70E740481C1C}">
+                <a14:useLocalDpi xmlns:a14="http://schemas.microsoft.com/office/drawing/2010/main" val="0"/>
+              </a:ext>
+            </a:extLst>
+          </a:blip>
+          <a:srcRect/>
+          <a:stretch>
+            <a:fillRect/>
+          </a:stretch>
+        </p:blipFill>
+        <p:spPr bwMode="auto">
+          <a:xfrm rot="6889615">
+            <a:off x="5905294" y="1771171"/>
+            <a:ext cx="3014662" cy="1757446"/>
+          </a:xfrm>
+          <a:prstGeom prst="rect">
+            <a:avLst/>
+          </a:prstGeom>
+          <a:noFill/>
+          <a:ln>
+            <a:noFill/>
+          </a:ln>
+          <a:extLst>
+            <a:ext uri="{909E8E84-426E-40DD-AFC4-6F175D3DCCD1}">
+              <a14:hiddenFill xmlns:a14="http://schemas.microsoft.com/office/drawing/2010/main">
+                <a:solidFill>
+                  <a:schemeClr val="accent1"/>
+                </a:solidFill>
+              </a14:hiddenFill>
+            </a:ext>
+            <a:ext uri="{91240B29-F687-4F45-9708-019B960494DF}">
+              <a14:hiddenLine xmlns:a14="http://schemas.microsoft.com/office/drawing/2010/main" w="9525">
+                <a:solidFill>
+                  <a:schemeClr val="tx1"/>
+                </a:solidFill>
+                <a:miter lim="800000"/>
+                <a:headEnd/>
+                <a:tailEnd/>
+              </a14:hiddenLine>
+            </a:ext>
+          </a:extLst>
+        </p:spPr>
+      </p:pic>
+      <p:sp>
+        <p:nvSpPr>
+          <p:cNvPr id="12" name="Right Arrow 11"/>
+          <p:cNvSpPr/>
+          <p:nvPr/>
+        </p:nvSpPr>
+        <p:spPr>
+          <a:xfrm rot="15321430">
+            <a:off x="7219181" y="3122060"/>
+            <a:ext cx="893175" cy="228600"/>
+          </a:xfrm>
+          <a:prstGeom prst="rightArrow">
+            <a:avLst/>
+          </a:prstGeom>
+          <a:solidFill>
+            <a:srgbClr val="FF0000"/>
+          </a:solidFill>
+          <a:ln>
+            <a:noFill/>
+          </a:ln>
+        </p:spPr>
+        <p:style>
+          <a:lnRef idx="2">
+            <a:schemeClr val="accent1">
+              <a:shade val="50000"/>
+            </a:schemeClr>
+          </a:lnRef>
+          <a:fillRef idx="1">
+            <a:schemeClr val="accent1"/>
+          </a:fillRef>
+          <a:effectRef idx="0">
+            <a:schemeClr val="accent1"/>
+          </a:effectRef>
+          <a:fontRef idx="minor">
+            <a:schemeClr val="lt1"/>
+          </a:fontRef>
+        </p:style>
+        <p:txBody>
+          <a:bodyPr rtlCol="0" anchor="ctr"/>
+          <a:lstStyle/>
+          <a:p>
+            <a:pPr algn="ctr"/>
+            <a:endParaRPr lang="de-DE"/>
+          </a:p>
+        </p:txBody>
+      </p:sp>
+      <p:sp>
+        <p:nvSpPr>
+          <p:cNvPr id="13" name="TextBox 12"/>
           <p:cNvSpPr txBox="1"/>
           <p:nvPr/>
         </p:nvSpPr>
         <p:spPr>
           <a:xfrm>
-            <a:off x="457200" y="990600"/>
-            <a:ext cx="7924800" cy="4247317"/>
+            <a:off x="457200" y="535920"/>
+            <a:ext cx="6248400" cy="400110"/>
           </a:xfrm>
           <a:prstGeom prst="rect">
             <a:avLst/>
@@ -3339,96 +7341,192 @@
           <a:lstStyle/>
           <a:p>
             <a:r>
-              <a:rPr lang="de-DE" b="1" dirty="0" smtClean="0"/>
-              <a:t>Outline</a:t>
-            </a:r>
-          </a:p>
-          <a:p>
-            <a:endParaRPr lang="de-DE" dirty="0" smtClean="0"/>
-          </a:p>
-          <a:p>
-            <a:r>
-              <a:rPr lang="de-DE" dirty="0" smtClean="0"/>
-              <a:t>Part 1: Old shit</a:t>
-            </a:r>
-          </a:p>
-          <a:p>
-            <a:r>
-              <a:rPr lang="de-DE" dirty="0" smtClean="0"/>
-              <a:t>How did we find the real dataset?</a:t>
-            </a:r>
-          </a:p>
-          <a:p>
-            <a:r>
-              <a:rPr lang="de-DE" dirty="0" smtClean="0"/>
-              <a:t>Slide 1: one pieve of evidence in each corner</a:t>
-            </a:r>
-          </a:p>
-          <a:p>
-            <a:r>
-              <a:rPr lang="de-DE" dirty="0" smtClean="0"/>
-              <a:t>Slide 2: ISI nail in the coffin</a:t>
-            </a:r>
-          </a:p>
-          <a:p>
-            <a:endParaRPr lang="de-DE" dirty="0"/>
-          </a:p>
-          <a:p>
-            <a:r>
-              <a:rPr lang="de-DE" dirty="0"/>
-              <a:t>Part </a:t>
-            </a:r>
-            <a:r>
-              <a:rPr lang="de-DE" dirty="0" smtClean="0"/>
-              <a:t>2: New data!</a:t>
-            </a:r>
-          </a:p>
-          <a:p>
-            <a:r>
-              <a:rPr lang="de-DE" dirty="0" smtClean="0"/>
-              <a:t>	Jens: 	Correlations FR-RT across channels</a:t>
-            </a:r>
-          </a:p>
-          <a:p>
-            <a:r>
-              <a:rPr lang="de-DE" dirty="0" smtClean="0"/>
-              <a:t>	Jahan: 	Correlations between units across channels</a:t>
-            </a:r>
-          </a:p>
-          <a:p>
-            <a:r>
-              <a:rPr lang="de-DE" dirty="0" smtClean="0"/>
-              <a:t>	Lungsi: 	Adding time-resolution with pairwise cross-correlations on a 	subset of 	pairs, show eg. 3 pairs in different colors -&gt; 3 cross-corr curves</a:t>
-            </a:r>
-          </a:p>
-          <a:p>
-            <a:r>
-              <a:rPr lang="de-DE" dirty="0" smtClean="0"/>
-              <a:t>	HP: 	Fancy PCA movie</a:t>
-            </a:r>
-          </a:p>
-          <a:p>
-            <a:endParaRPr lang="de-DE" dirty="0"/>
-          </a:p>
-          <a:p>
-            <a:r>
-              <a:rPr lang="de-DE" dirty="0" smtClean="0"/>
-              <a:t>Part 3: Conclusions ??</a:t>
-            </a:r>
-            <a:endParaRPr lang="de-DE" dirty="0"/>
+              <a:rPr lang="de-DE" sz="2000" dirty="0" smtClean="0"/>
+              <a:t>Spike-field coherence</a:t>
+            </a:r>
+            <a:endParaRPr lang="de-DE" sz="2000" dirty="0"/>
           </a:p>
         </p:txBody>
       </p:sp>
     </p:spTree>
     <p:extLst>
       <p:ext uri="{BB962C8B-B14F-4D97-AF65-F5344CB8AC3E}">
-        <p14:creationId xmlns:p14="http://schemas.microsoft.com/office/powerpoint/2010/main" val="3530108487"/>
+        <p14:creationId xmlns:p14="http://schemas.microsoft.com/office/powerpoint/2010/main" val="3033940518"/>
       </p:ext>
     </p:extLst>
   </p:cSld>
   <p:clrMapOvr>
     <a:masterClrMapping/>
   </p:clrMapOvr>
+  <p:timing>
+    <p:tnLst>
+      <p:par>
+        <p:cTn id="1" dur="indefinite" restart="never" nodeType="tmRoot">
+          <p:childTnLst>
+            <p:seq concurrent="1" nextAc="seek">
+              <p:cTn id="2" dur="indefinite" nodeType="mainSeq">
+                <p:childTnLst>
+                  <p:par>
+                    <p:cTn id="3" fill="hold">
+                      <p:stCondLst>
+                        <p:cond delay="indefinite"/>
+                      </p:stCondLst>
+                      <p:childTnLst>
+                        <p:par>
+                          <p:cTn id="4" fill="hold">
+                            <p:stCondLst>
+                              <p:cond delay="0"/>
+                            </p:stCondLst>
+                            <p:childTnLst>
+                              <p:par>
+                                <p:cTn id="5" presetID="1" presetClass="entr" presetSubtype="0" fill="hold" nodeType="clickEffect">
+                                  <p:stCondLst>
+                                    <p:cond delay="0"/>
+                                  </p:stCondLst>
+                                  <p:childTnLst>
+                                    <p:set>
+                                      <p:cBhvr>
+                                        <p:cTn id="6" dur="1" fill="hold">
+                                          <p:stCondLst>
+                                            <p:cond delay="0"/>
+                                          </p:stCondLst>
+                                        </p:cTn>
+                                        <p:tgtEl>
+                                          <p:spTgt spid="2050"/>
+                                        </p:tgtEl>
+                                        <p:attrNameLst>
+                                          <p:attrName>style.visibility</p:attrName>
+                                        </p:attrNameLst>
+                                      </p:cBhvr>
+                                      <p:to>
+                                        <p:strVal val="visible"/>
+                                      </p:to>
+                                    </p:set>
+                                  </p:childTnLst>
+                                </p:cTn>
+                              </p:par>
+                              <p:par>
+                                <p:cTn id="7" presetID="1" presetClass="entr" presetSubtype="0" fill="hold" nodeType="withEffect">
+                                  <p:stCondLst>
+                                    <p:cond delay="0"/>
+                                  </p:stCondLst>
+                                  <p:childTnLst>
+                                    <p:set>
+                                      <p:cBhvr>
+                                        <p:cTn id="8" dur="1" fill="hold">
+                                          <p:stCondLst>
+                                            <p:cond delay="0"/>
+                                          </p:stCondLst>
+                                        </p:cTn>
+                                        <p:tgtEl>
+                                          <p:spTgt spid="2"/>
+                                        </p:tgtEl>
+                                        <p:attrNameLst>
+                                          <p:attrName>style.visibility</p:attrName>
+                                        </p:attrNameLst>
+                                      </p:cBhvr>
+                                      <p:to>
+                                        <p:strVal val="visible"/>
+                                      </p:to>
+                                    </p:set>
+                                  </p:childTnLst>
+                                </p:cTn>
+                              </p:par>
+                            </p:childTnLst>
+                          </p:cTn>
+                        </p:par>
+                      </p:childTnLst>
+                    </p:cTn>
+                  </p:par>
+                </p:childTnLst>
+              </p:cTn>
+              <p:prevCondLst>
+                <p:cond evt="onPrev" delay="0">
+                  <p:tgtEl>
+                    <p:sldTgt/>
+                  </p:tgtEl>
+                </p:cond>
+              </p:prevCondLst>
+              <p:nextCondLst>
+                <p:cond evt="onNext" delay="0">
+                  <p:tgtEl>
+                    <p:sldTgt/>
+                  </p:tgtEl>
+                </p:cond>
+              </p:nextCondLst>
+            </p:seq>
+          </p:childTnLst>
+        </p:cTn>
+      </p:par>
+    </p:tnLst>
+  </p:timing>
+</p:sld>
+</file>
+
+<file path=ppt/slides/slide9.xml><?xml version="1.0" encoding="utf-8"?>
+<p:sld xmlns:a="http://schemas.openxmlformats.org/drawingml/2006/main" xmlns:r="http://schemas.openxmlformats.org/officeDocument/2006/relationships" xmlns:p="http://schemas.openxmlformats.org/presentationml/2006/main">
+  <p:cSld>
+    <p:spTree>
+      <p:nvGrpSpPr>
+        <p:cNvPr id="1" name=""/>
+        <p:cNvGrpSpPr/>
+        <p:nvPr/>
+      </p:nvGrpSpPr>
+      <p:grpSpPr>
+        <a:xfrm>
+          <a:off x="0" y="0"/>
+          <a:ext cx="0" cy="0"/>
+          <a:chOff x="0" y="0"/>
+          <a:chExt cx="0" cy="0"/>
+        </a:xfrm>
+      </p:grpSpPr>
+      <p:sp>
+        <p:nvSpPr>
+          <p:cNvPr id="5" name="TextBox 4"/>
+          <p:cNvSpPr txBox="1"/>
+          <p:nvPr/>
+        </p:nvSpPr>
+        <p:spPr>
+          <a:xfrm>
+            <a:off x="457200" y="535920"/>
+            <a:ext cx="6248400" cy="400110"/>
+          </a:xfrm>
+          <a:prstGeom prst="rect">
+            <a:avLst/>
+          </a:prstGeom>
+          <a:noFill/>
+        </p:spPr>
+        <p:txBody>
+          <a:bodyPr wrap="square" rtlCol="0">
+            <a:spAutoFit/>
+          </a:bodyPr>
+          <a:lstStyle/>
+          <a:p>
+            <a:r>
+              <a:rPr lang="de-DE" sz="2000" dirty="0" smtClean="0"/>
+              <a:t>Spike-correlations across channels</a:t>
+            </a:r>
+            <a:endParaRPr lang="de-DE" sz="2000" dirty="0"/>
+          </a:p>
+        </p:txBody>
+      </p:sp>
+    </p:spTree>
+    <p:extLst>
+      <p:ext uri="{BB962C8B-B14F-4D97-AF65-F5344CB8AC3E}">
+        <p14:creationId xmlns:p14="http://schemas.microsoft.com/office/powerpoint/2010/main" val="481046751"/>
+      </p:ext>
+    </p:extLst>
+  </p:cSld>
+  <p:clrMapOvr>
+    <a:masterClrMapping/>
+  </p:clrMapOvr>
+  <p:timing>
+    <p:tnLst>
+      <p:par>
+        <p:cTn id="1" dur="indefinite" restart="never" nodeType="tmRoot"/>
+      </p:par>
+    </p:tnLst>
+  </p:timing>
 </p:sld>
 </file>
 

--- a/Final presentation/_Final presentation.pptx
+++ b/Final presentation/_Final presentation.pptx
@@ -16,7 +16,9 @@
     <p:sldId id="261" r:id="rId10"/>
     <p:sldId id="267" r:id="rId11"/>
     <p:sldId id="268" r:id="rId12"/>
-    <p:sldId id="260" r:id="rId13"/>
+    <p:sldId id="269" r:id="rId13"/>
+    <p:sldId id="270" r:id="rId14"/>
+    <p:sldId id="260" r:id="rId15"/>
   </p:sldIdLst>
   <p:sldSz cx="9144000" cy="6858000" type="screen4x3"/>
   <p:notesSz cx="6858000" cy="9144000"/>
@@ -115,6 +117,22 @@
       </a:defRPr>
     </a:lvl9pPr>
   </p:defaultTextStyle>
+  <p:extLst>
+    <p:ext uri="{EFAFB233-063F-42B5-8137-9DF3F51BA10A}">
+      <p15:sldGuideLst xmlns:p15="http://schemas.microsoft.com/office/powerpoint/2012/main">
+        <p15:guide id="1" orient="horz" pos="2160">
+          <p15:clr>
+            <a:srgbClr val="A4A3A4"/>
+          </p15:clr>
+        </p15:guide>
+        <p15:guide id="2" pos="2880">
+          <p15:clr>
+            <a:srgbClr val="A4A3A4"/>
+          </p15:clr>
+        </p15:guide>
+      </p15:sldGuideLst>
+    </p:ext>
+  </p:extLst>
 </p:presentation>
 </file>
 
@@ -156,10 +174,9 @@
           <a:lstStyle/>
           <a:p>
             <a:r>
-              <a:rPr lang="en-US" smtClean="0"/>
+              <a:rPr lang="en-US"/>
               <a:t>Click to edit Master title style</a:t>
             </a:r>
-            <a:endParaRPr lang="en-US"/>
           </a:p>
         </p:txBody>
       </p:sp>
@@ -275,10 +292,9 @@
           </a:lstStyle>
           <a:p>
             <a:r>
-              <a:rPr lang="en-US" smtClean="0"/>
+              <a:rPr lang="en-US"/>
               <a:t>Click to edit Master subtitle style</a:t>
             </a:r>
-            <a:endParaRPr lang="en-US"/>
           </a:p>
         </p:txBody>
       </p:sp>
@@ -300,7 +316,7 @@
             <a:fld id="{1D8BD707-D9CF-40AE-B4C6-C98DA3205C09}" type="datetimeFigureOut">
               <a:rPr lang="en-US" smtClean="0"/>
               <a:pPr/>
-              <a:t>3/20/2018</a:t>
+              <a:t>3/21/2018</a:t>
             </a:fld>
             <a:endParaRPr lang="en-US"/>
           </a:p>
@@ -390,10 +406,9 @@
           <a:lstStyle/>
           <a:p>
             <a:r>
-              <a:rPr lang="en-US" smtClean="0"/>
+              <a:rPr lang="en-US"/>
               <a:t>Click to edit Master title style</a:t>
             </a:r>
-            <a:endParaRPr lang="en-US"/>
           </a:p>
         </p:txBody>
       </p:sp>
@@ -414,38 +429,37 @@
           <a:p>
             <a:pPr lvl="0"/>
             <a:r>
-              <a:rPr lang="en-US" smtClean="0"/>
+              <a:rPr lang="en-US"/>
               <a:t>Click to edit Master text styles</a:t>
             </a:r>
           </a:p>
           <a:p>
             <a:pPr lvl="1"/>
             <a:r>
-              <a:rPr lang="en-US" smtClean="0"/>
+              <a:rPr lang="en-US"/>
               <a:t>Second level</a:t>
             </a:r>
           </a:p>
           <a:p>
             <a:pPr lvl="2"/>
             <a:r>
-              <a:rPr lang="en-US" smtClean="0"/>
+              <a:rPr lang="en-US"/>
               <a:t>Third level</a:t>
             </a:r>
           </a:p>
           <a:p>
             <a:pPr lvl="3"/>
             <a:r>
-              <a:rPr lang="en-US" smtClean="0"/>
+              <a:rPr lang="en-US"/>
               <a:t>Fourth level</a:t>
             </a:r>
           </a:p>
           <a:p>
             <a:pPr lvl="4"/>
             <a:r>
-              <a:rPr lang="en-US" smtClean="0"/>
+              <a:rPr lang="en-US"/>
               <a:t>Fifth level</a:t>
             </a:r>
-            <a:endParaRPr lang="en-US"/>
           </a:p>
         </p:txBody>
       </p:sp>
@@ -467,7 +481,7 @@
             <a:fld id="{1D8BD707-D9CF-40AE-B4C6-C98DA3205C09}" type="datetimeFigureOut">
               <a:rPr lang="en-US" smtClean="0"/>
               <a:pPr/>
-              <a:t>3/20/2018</a:t>
+              <a:t>3/21/2018</a:t>
             </a:fld>
             <a:endParaRPr lang="en-US"/>
           </a:p>
@@ -562,10 +576,9 @@
           <a:lstStyle/>
           <a:p>
             <a:r>
-              <a:rPr lang="en-US" smtClean="0"/>
+              <a:rPr lang="en-US"/>
               <a:t>Click to edit Master title style</a:t>
             </a:r>
-            <a:endParaRPr lang="en-US"/>
           </a:p>
         </p:txBody>
       </p:sp>
@@ -591,38 +604,37 @@
           <a:p>
             <a:pPr lvl="0"/>
             <a:r>
-              <a:rPr lang="en-US" smtClean="0"/>
+              <a:rPr lang="en-US"/>
               <a:t>Click to edit Master text styles</a:t>
             </a:r>
           </a:p>
           <a:p>
             <a:pPr lvl="1"/>
             <a:r>
-              <a:rPr lang="en-US" smtClean="0"/>
+              <a:rPr lang="en-US"/>
               <a:t>Second level</a:t>
             </a:r>
           </a:p>
           <a:p>
             <a:pPr lvl="2"/>
             <a:r>
-              <a:rPr lang="en-US" smtClean="0"/>
+              <a:rPr lang="en-US"/>
               <a:t>Third level</a:t>
             </a:r>
           </a:p>
           <a:p>
             <a:pPr lvl="3"/>
             <a:r>
-              <a:rPr lang="en-US" smtClean="0"/>
+              <a:rPr lang="en-US"/>
               <a:t>Fourth level</a:t>
             </a:r>
           </a:p>
           <a:p>
             <a:pPr lvl="4"/>
             <a:r>
-              <a:rPr lang="en-US" smtClean="0"/>
+              <a:rPr lang="en-US"/>
               <a:t>Fifth level</a:t>
             </a:r>
-            <a:endParaRPr lang="en-US"/>
           </a:p>
         </p:txBody>
       </p:sp>
@@ -644,7 +656,7 @@
             <a:fld id="{1D8BD707-D9CF-40AE-B4C6-C98DA3205C09}" type="datetimeFigureOut">
               <a:rPr lang="en-US" smtClean="0"/>
               <a:pPr/>
-              <a:t>3/20/2018</a:t>
+              <a:t>3/21/2018</a:t>
             </a:fld>
             <a:endParaRPr lang="en-US"/>
           </a:p>
@@ -734,10 +746,9 @@
           <a:lstStyle/>
           <a:p>
             <a:r>
-              <a:rPr lang="en-US" smtClean="0"/>
+              <a:rPr lang="en-US"/>
               <a:t>Click to edit Master title style</a:t>
             </a:r>
-            <a:endParaRPr lang="en-US"/>
           </a:p>
         </p:txBody>
       </p:sp>
@@ -758,38 +769,37 @@
           <a:p>
             <a:pPr lvl="0"/>
             <a:r>
-              <a:rPr lang="en-US" smtClean="0"/>
+              <a:rPr lang="en-US"/>
               <a:t>Click to edit Master text styles</a:t>
             </a:r>
           </a:p>
           <a:p>
             <a:pPr lvl="1"/>
             <a:r>
-              <a:rPr lang="en-US" smtClean="0"/>
+              <a:rPr lang="en-US"/>
               <a:t>Second level</a:t>
             </a:r>
           </a:p>
           <a:p>
             <a:pPr lvl="2"/>
             <a:r>
-              <a:rPr lang="en-US" smtClean="0"/>
+              <a:rPr lang="en-US"/>
               <a:t>Third level</a:t>
             </a:r>
           </a:p>
           <a:p>
             <a:pPr lvl="3"/>
             <a:r>
-              <a:rPr lang="en-US" smtClean="0"/>
+              <a:rPr lang="en-US"/>
               <a:t>Fourth level</a:t>
             </a:r>
           </a:p>
           <a:p>
             <a:pPr lvl="4"/>
             <a:r>
-              <a:rPr lang="en-US" smtClean="0"/>
+              <a:rPr lang="en-US"/>
               <a:t>Fifth level</a:t>
             </a:r>
-            <a:endParaRPr lang="en-US"/>
           </a:p>
         </p:txBody>
       </p:sp>
@@ -811,7 +821,7 @@
             <a:fld id="{1D8BD707-D9CF-40AE-B4C6-C98DA3205C09}" type="datetimeFigureOut">
               <a:rPr lang="en-US" smtClean="0"/>
               <a:pPr/>
-              <a:t>3/20/2018</a:t>
+              <a:t>3/21/2018</a:t>
             </a:fld>
             <a:endParaRPr lang="en-US"/>
           </a:p>
@@ -910,10 +920,9 @@
           </a:lstStyle>
           <a:p>
             <a:r>
-              <a:rPr lang="en-US" smtClean="0"/>
+              <a:rPr lang="en-US"/>
               <a:t>Click to edit Master title style</a:t>
             </a:r>
-            <a:endParaRPr lang="en-US"/>
           </a:p>
         </p:txBody>
       </p:sp>
@@ -1030,7 +1039,7 @@
           <a:p>
             <a:pPr lvl="0"/>
             <a:r>
-              <a:rPr lang="en-US" smtClean="0"/>
+              <a:rPr lang="en-US"/>
               <a:t>Click to edit Master text styles</a:t>
             </a:r>
           </a:p>
@@ -1054,7 +1063,7 @@
             <a:fld id="{1D8BD707-D9CF-40AE-B4C6-C98DA3205C09}" type="datetimeFigureOut">
               <a:rPr lang="en-US" smtClean="0"/>
               <a:pPr/>
-              <a:t>3/20/2018</a:t>
+              <a:t>3/21/2018</a:t>
             </a:fld>
             <a:endParaRPr lang="en-US"/>
           </a:p>
@@ -1144,10 +1153,9 @@
           <a:lstStyle/>
           <a:p>
             <a:r>
-              <a:rPr lang="en-US" smtClean="0"/>
+              <a:rPr lang="en-US"/>
               <a:t>Click to edit Master title style</a:t>
             </a:r>
-            <a:endParaRPr lang="en-US"/>
           </a:p>
         </p:txBody>
       </p:sp>
@@ -1201,38 +1209,37 @@
           <a:p>
             <a:pPr lvl="0"/>
             <a:r>
-              <a:rPr lang="en-US" smtClean="0"/>
+              <a:rPr lang="en-US"/>
               <a:t>Click to edit Master text styles</a:t>
             </a:r>
           </a:p>
           <a:p>
             <a:pPr lvl="1"/>
             <a:r>
-              <a:rPr lang="en-US" smtClean="0"/>
+              <a:rPr lang="en-US"/>
               <a:t>Second level</a:t>
             </a:r>
           </a:p>
           <a:p>
             <a:pPr lvl="2"/>
             <a:r>
-              <a:rPr lang="en-US" smtClean="0"/>
+              <a:rPr lang="en-US"/>
               <a:t>Third level</a:t>
             </a:r>
           </a:p>
           <a:p>
             <a:pPr lvl="3"/>
             <a:r>
-              <a:rPr lang="en-US" smtClean="0"/>
+              <a:rPr lang="en-US"/>
               <a:t>Fourth level</a:t>
             </a:r>
           </a:p>
           <a:p>
             <a:pPr lvl="4"/>
             <a:r>
-              <a:rPr lang="en-US" smtClean="0"/>
+              <a:rPr lang="en-US"/>
               <a:t>Fifth level</a:t>
             </a:r>
-            <a:endParaRPr lang="en-US"/>
           </a:p>
         </p:txBody>
       </p:sp>
@@ -1286,38 +1293,37 @@
           <a:p>
             <a:pPr lvl="0"/>
             <a:r>
-              <a:rPr lang="en-US" smtClean="0"/>
+              <a:rPr lang="en-US"/>
               <a:t>Click to edit Master text styles</a:t>
             </a:r>
           </a:p>
           <a:p>
             <a:pPr lvl="1"/>
             <a:r>
-              <a:rPr lang="en-US" smtClean="0"/>
+              <a:rPr lang="en-US"/>
               <a:t>Second level</a:t>
             </a:r>
           </a:p>
           <a:p>
             <a:pPr lvl="2"/>
             <a:r>
-              <a:rPr lang="en-US" smtClean="0"/>
+              <a:rPr lang="en-US"/>
               <a:t>Third level</a:t>
             </a:r>
           </a:p>
           <a:p>
             <a:pPr lvl="3"/>
             <a:r>
-              <a:rPr lang="en-US" smtClean="0"/>
+              <a:rPr lang="en-US"/>
               <a:t>Fourth level</a:t>
             </a:r>
           </a:p>
           <a:p>
             <a:pPr lvl="4"/>
             <a:r>
-              <a:rPr lang="en-US" smtClean="0"/>
+              <a:rPr lang="en-US"/>
               <a:t>Fifth level</a:t>
             </a:r>
-            <a:endParaRPr lang="en-US"/>
           </a:p>
         </p:txBody>
       </p:sp>
@@ -1339,7 +1345,7 @@
             <a:fld id="{1D8BD707-D9CF-40AE-B4C6-C98DA3205C09}" type="datetimeFigureOut">
               <a:rPr lang="en-US" smtClean="0"/>
               <a:pPr/>
-              <a:t>3/20/2018</a:t>
+              <a:t>3/21/2018</a:t>
             </a:fld>
             <a:endParaRPr lang="en-US"/>
           </a:p>
@@ -1433,10 +1439,9 @@
           </a:lstStyle>
           <a:p>
             <a:r>
-              <a:rPr lang="en-US" smtClean="0"/>
+              <a:rPr lang="en-US"/>
               <a:t>Click to edit Master title style</a:t>
             </a:r>
-            <a:endParaRPr lang="en-US"/>
           </a:p>
         </p:txBody>
       </p:sp>
@@ -1499,7 +1504,7 @@
           <a:p>
             <a:pPr lvl="0"/>
             <a:r>
-              <a:rPr lang="en-US" smtClean="0"/>
+              <a:rPr lang="en-US"/>
               <a:t>Click to edit Master text styles</a:t>
             </a:r>
           </a:p>
@@ -1555,38 +1560,37 @@
           <a:p>
             <a:pPr lvl="0"/>
             <a:r>
-              <a:rPr lang="en-US" smtClean="0"/>
+              <a:rPr lang="en-US"/>
               <a:t>Click to edit Master text styles</a:t>
             </a:r>
           </a:p>
           <a:p>
             <a:pPr lvl="1"/>
             <a:r>
-              <a:rPr lang="en-US" smtClean="0"/>
+              <a:rPr lang="en-US"/>
               <a:t>Second level</a:t>
             </a:r>
           </a:p>
           <a:p>
             <a:pPr lvl="2"/>
             <a:r>
-              <a:rPr lang="en-US" smtClean="0"/>
+              <a:rPr lang="en-US"/>
               <a:t>Third level</a:t>
             </a:r>
           </a:p>
           <a:p>
             <a:pPr lvl="3"/>
             <a:r>
-              <a:rPr lang="en-US" smtClean="0"/>
+              <a:rPr lang="en-US"/>
               <a:t>Fourth level</a:t>
             </a:r>
           </a:p>
           <a:p>
             <a:pPr lvl="4"/>
             <a:r>
-              <a:rPr lang="en-US" smtClean="0"/>
+              <a:rPr lang="en-US"/>
               <a:t>Fifth level</a:t>
             </a:r>
-            <a:endParaRPr lang="en-US"/>
           </a:p>
         </p:txBody>
       </p:sp>
@@ -1649,7 +1653,7 @@
           <a:p>
             <a:pPr lvl="0"/>
             <a:r>
-              <a:rPr lang="en-US" smtClean="0"/>
+              <a:rPr lang="en-US"/>
               <a:t>Click to edit Master text styles</a:t>
             </a:r>
           </a:p>
@@ -1705,38 +1709,37 @@
           <a:p>
             <a:pPr lvl="0"/>
             <a:r>
-              <a:rPr lang="en-US" smtClean="0"/>
+              <a:rPr lang="en-US"/>
               <a:t>Click to edit Master text styles</a:t>
             </a:r>
           </a:p>
           <a:p>
             <a:pPr lvl="1"/>
             <a:r>
-              <a:rPr lang="en-US" smtClean="0"/>
+              <a:rPr lang="en-US"/>
               <a:t>Second level</a:t>
             </a:r>
           </a:p>
           <a:p>
             <a:pPr lvl="2"/>
             <a:r>
-              <a:rPr lang="en-US" smtClean="0"/>
+              <a:rPr lang="en-US"/>
               <a:t>Third level</a:t>
             </a:r>
           </a:p>
           <a:p>
             <a:pPr lvl="3"/>
             <a:r>
-              <a:rPr lang="en-US" smtClean="0"/>
+              <a:rPr lang="en-US"/>
               <a:t>Fourth level</a:t>
             </a:r>
           </a:p>
           <a:p>
             <a:pPr lvl="4"/>
             <a:r>
-              <a:rPr lang="en-US" smtClean="0"/>
+              <a:rPr lang="en-US"/>
               <a:t>Fifth level</a:t>
             </a:r>
-            <a:endParaRPr lang="en-US"/>
           </a:p>
         </p:txBody>
       </p:sp>
@@ -1758,7 +1761,7 @@
             <a:fld id="{1D8BD707-D9CF-40AE-B4C6-C98DA3205C09}" type="datetimeFigureOut">
               <a:rPr lang="en-US" smtClean="0"/>
               <a:pPr/>
-              <a:t>3/20/2018</a:t>
+              <a:t>3/21/2018</a:t>
             </a:fld>
             <a:endParaRPr lang="en-US"/>
           </a:p>
@@ -1848,10 +1851,9 @@
           <a:lstStyle/>
           <a:p>
             <a:r>
-              <a:rPr lang="en-US" smtClean="0"/>
+              <a:rPr lang="en-US"/>
               <a:t>Click to edit Master title style</a:t>
             </a:r>
-            <a:endParaRPr lang="en-US"/>
           </a:p>
         </p:txBody>
       </p:sp>
@@ -1873,7 +1875,7 @@
             <a:fld id="{1D8BD707-D9CF-40AE-B4C6-C98DA3205C09}" type="datetimeFigureOut">
               <a:rPr lang="en-US" smtClean="0"/>
               <a:pPr/>
-              <a:t>3/20/2018</a:t>
+              <a:t>3/21/2018</a:t>
             </a:fld>
             <a:endParaRPr lang="en-US"/>
           </a:p>
@@ -1965,7 +1967,7 @@
             <a:fld id="{1D8BD707-D9CF-40AE-B4C6-C98DA3205C09}" type="datetimeFigureOut">
               <a:rPr lang="en-US" smtClean="0"/>
               <a:pPr/>
-              <a:t>3/20/2018</a:t>
+              <a:t>3/21/2018</a:t>
             </a:fld>
             <a:endParaRPr lang="en-US"/>
           </a:p>
@@ -2064,10 +2066,9 @@
           </a:lstStyle>
           <a:p>
             <a:r>
-              <a:rPr lang="en-US" smtClean="0"/>
+              <a:rPr lang="en-US"/>
               <a:t>Click to edit Master title style</a:t>
             </a:r>
-            <a:endParaRPr lang="en-US"/>
           </a:p>
         </p:txBody>
       </p:sp>
@@ -2121,38 +2122,37 @@
           <a:p>
             <a:pPr lvl="0"/>
             <a:r>
-              <a:rPr lang="en-US" smtClean="0"/>
+              <a:rPr lang="en-US"/>
               <a:t>Click to edit Master text styles</a:t>
             </a:r>
           </a:p>
           <a:p>
             <a:pPr lvl="1"/>
             <a:r>
-              <a:rPr lang="en-US" smtClean="0"/>
+              <a:rPr lang="en-US"/>
               <a:t>Second level</a:t>
             </a:r>
           </a:p>
           <a:p>
             <a:pPr lvl="2"/>
             <a:r>
-              <a:rPr lang="en-US" smtClean="0"/>
+              <a:rPr lang="en-US"/>
               <a:t>Third level</a:t>
             </a:r>
           </a:p>
           <a:p>
             <a:pPr lvl="3"/>
             <a:r>
-              <a:rPr lang="en-US" smtClean="0"/>
+              <a:rPr lang="en-US"/>
               <a:t>Fourth level</a:t>
             </a:r>
           </a:p>
           <a:p>
             <a:pPr lvl="4"/>
             <a:r>
-              <a:rPr lang="en-US" smtClean="0"/>
+              <a:rPr lang="en-US"/>
               <a:t>Fifth level</a:t>
             </a:r>
-            <a:endParaRPr lang="en-US"/>
           </a:p>
         </p:txBody>
       </p:sp>
@@ -2215,7 +2215,7 @@
           <a:p>
             <a:pPr lvl="0"/>
             <a:r>
-              <a:rPr lang="en-US" smtClean="0"/>
+              <a:rPr lang="en-US"/>
               <a:t>Click to edit Master text styles</a:t>
             </a:r>
           </a:p>
@@ -2239,7 +2239,7 @@
             <a:fld id="{1D8BD707-D9CF-40AE-B4C6-C98DA3205C09}" type="datetimeFigureOut">
               <a:rPr lang="en-US" smtClean="0"/>
               <a:pPr/>
-              <a:t>3/20/2018</a:t>
+              <a:t>3/21/2018</a:t>
             </a:fld>
             <a:endParaRPr lang="en-US"/>
           </a:p>
@@ -2338,10 +2338,9 @@
           </a:lstStyle>
           <a:p>
             <a:r>
-              <a:rPr lang="en-US" smtClean="0"/>
+              <a:rPr lang="en-US"/>
               <a:t>Click to edit Master title style</a:t>
             </a:r>
-            <a:endParaRPr lang="en-US"/>
           </a:p>
         </p:txBody>
       </p:sp>
@@ -2465,7 +2464,7 @@
           <a:p>
             <a:pPr lvl="0"/>
             <a:r>
-              <a:rPr lang="en-US" smtClean="0"/>
+              <a:rPr lang="en-US"/>
               <a:t>Click to edit Master text styles</a:t>
             </a:r>
           </a:p>
@@ -2489,7 +2488,7 @@
             <a:fld id="{1D8BD707-D9CF-40AE-B4C6-C98DA3205C09}" type="datetimeFigureOut">
               <a:rPr lang="en-US" smtClean="0"/>
               <a:pPr/>
-              <a:t>3/20/2018</a:t>
+              <a:t>3/21/2018</a:t>
             </a:fld>
             <a:endParaRPr lang="en-US"/>
           </a:p>
@@ -2594,10 +2593,9 @@
           <a:lstStyle/>
           <a:p>
             <a:r>
-              <a:rPr lang="en-US" smtClean="0"/>
+              <a:rPr lang="en-US"/>
               <a:t>Click to edit Master title style</a:t>
             </a:r>
-            <a:endParaRPr lang="en-US"/>
           </a:p>
         </p:txBody>
       </p:sp>
@@ -2628,38 +2626,37 @@
           <a:p>
             <a:pPr lvl="0"/>
             <a:r>
-              <a:rPr lang="en-US" smtClean="0"/>
+              <a:rPr lang="en-US"/>
               <a:t>Click to edit Master text styles</a:t>
             </a:r>
           </a:p>
           <a:p>
             <a:pPr lvl="1"/>
             <a:r>
-              <a:rPr lang="en-US" smtClean="0"/>
+              <a:rPr lang="en-US"/>
               <a:t>Second level</a:t>
             </a:r>
           </a:p>
           <a:p>
             <a:pPr lvl="2"/>
             <a:r>
-              <a:rPr lang="en-US" smtClean="0"/>
+              <a:rPr lang="en-US"/>
               <a:t>Third level</a:t>
             </a:r>
           </a:p>
           <a:p>
             <a:pPr lvl="3"/>
             <a:r>
-              <a:rPr lang="en-US" smtClean="0"/>
+              <a:rPr lang="en-US"/>
               <a:t>Fourth level</a:t>
             </a:r>
           </a:p>
           <a:p>
             <a:pPr lvl="4"/>
             <a:r>
-              <a:rPr lang="en-US" smtClean="0"/>
+              <a:rPr lang="en-US"/>
               <a:t>Fifth level</a:t>
             </a:r>
-            <a:endParaRPr lang="en-US"/>
           </a:p>
         </p:txBody>
       </p:sp>
@@ -2699,7 +2696,7 @@
             <a:fld id="{1D8BD707-D9CF-40AE-B4C6-C98DA3205C09}" type="datetimeFigureOut">
               <a:rPr lang="en-US" smtClean="0"/>
               <a:pPr/>
-              <a:t>3/20/2018</a:t>
+              <a:t>3/21/2018</a:t>
             </a:fld>
             <a:endParaRPr lang="en-US"/>
           </a:p>
@@ -3098,7 +3095,7 @@
               </a:lnSpc>
             </a:pPr>
             <a:r>
-              <a:rPr lang="de-DE" sz="2800" dirty="0" smtClean="0"/>
+              <a:rPr lang="de-DE" sz="2800" dirty="0"/>
               <a:t>The Down States</a:t>
             </a:r>
           </a:p>
@@ -3117,11 +3114,11 @@
               </a:lnSpc>
             </a:pPr>
             <a:r>
-              <a:rPr lang="de-DE" sz="2000" dirty="0" smtClean="0"/>
+              <a:rPr lang="de-DE" sz="2000" dirty="0"/>
               <a:t>Focus:	Activity in </a:t>
             </a:r>
             <a:r>
-              <a:rPr lang="de-DE" sz="2000" b="1" dirty="0" smtClean="0">
+              <a:rPr lang="de-DE" sz="2000" b="1" dirty="0">
                 <a:solidFill>
                   <a:srgbClr val="C00000"/>
                 </a:solidFill>
@@ -3129,7 +3126,7 @@
               <a:t>preparatory period </a:t>
             </a:r>
             <a:r>
-              <a:rPr lang="de-DE" sz="2000" dirty="0" smtClean="0"/>
+              <a:rPr lang="de-DE" sz="2000" dirty="0"/>
               <a:t>[cue-off go-on]</a:t>
             </a:r>
           </a:p>
@@ -3140,11 +3137,11 @@
               </a:lnSpc>
             </a:pPr>
             <a:r>
-              <a:rPr lang="de-DE" sz="2000" dirty="0" smtClean="0"/>
+              <a:rPr lang="de-DE" sz="2000" dirty="0"/>
               <a:t>				and subsequent </a:t>
             </a:r>
             <a:r>
-              <a:rPr lang="de-DE" sz="2000" b="1" dirty="0" smtClean="0">
+              <a:rPr lang="de-DE" sz="2000" b="1" dirty="0">
                 <a:solidFill>
                   <a:srgbClr val="C00000"/>
                 </a:solidFill>
@@ -3152,7 +3149,7 @@
               <a:t>reaction time </a:t>
             </a:r>
             <a:r>
-              <a:rPr lang="de-DE" sz="2000" dirty="0" smtClean="0"/>
+              <a:rPr lang="de-DE" sz="2000" dirty="0"/>
               <a:t>(RT)</a:t>
             </a:r>
           </a:p>
@@ -3160,7 +3157,7 @@
             <a:endParaRPr lang="de-DE" sz="2800" dirty="0"/>
           </a:p>
           <a:p>
-            <a:endParaRPr lang="de-DE" sz="2800" dirty="0" smtClean="0"/>
+            <a:endParaRPr lang="de-DE" sz="2800" dirty="0"/>
           </a:p>
           <a:p>
             <a:endParaRPr lang="de-DE" sz="2800" dirty="0"/>
@@ -3330,10 +3327,9 @@
           <a:lstStyle/>
           <a:p>
             <a:r>
-              <a:rPr lang="de-DE" sz="2000" dirty="0" smtClean="0"/>
+              <a:rPr lang="de-DE" sz="2000" dirty="0"/>
               <a:t>Spike-correlations – A closer look (cross-correlation)</a:t>
             </a:r>
-            <a:endParaRPr lang="de-DE" sz="2000" dirty="0"/>
           </a:p>
         </p:txBody>
       </p:sp>
@@ -3347,13 +3343,6 @@
   <p:clrMapOvr>
     <a:masterClrMapping/>
   </p:clrMapOvr>
-  <p:timing>
-    <p:tnLst>
-      <p:par>
-        <p:cTn id="1" dur="indefinite" restart="never" nodeType="tmRoot"/>
-      </p:par>
-    </p:tnLst>
-  </p:timing>
 </p:sld>
 </file>
 
@@ -3397,10 +3386,9 @@
           <a:lstStyle/>
           <a:p>
             <a:r>
-              <a:rPr lang="de-DE" sz="2000" dirty="0" smtClean="0"/>
+              <a:rPr lang="de-DE" sz="2000" dirty="0"/>
               <a:t>PCA – A closer look</a:t>
             </a:r>
-            <a:endParaRPr lang="de-DE" sz="2000" dirty="0"/>
           </a:p>
         </p:txBody>
       </p:sp>
@@ -3414,13 +3402,6 @@
   <p:clrMapOvr>
     <a:masterClrMapping/>
   </p:clrMapOvr>
-  <p:timing>
-    <p:tnLst>
-      <p:par>
-        <p:cTn id="1" dur="indefinite" restart="never" nodeType="tmRoot"/>
-      </p:par>
-    </p:tnLst>
-  </p:timing>
 </p:sld>
 </file>
 
@@ -3443,6 +3424,249 @@
       </p:grpSpPr>
       <p:sp>
         <p:nvSpPr>
+          <p:cNvPr id="6" name="TextBox 5">
+            <a:extLst>
+              <a:ext uri="{FF2B5EF4-FFF2-40B4-BE49-F238E27FC236}">
+                <a16:creationId xmlns:a16="http://schemas.microsoft.com/office/drawing/2014/main" id="{5F5286BB-838F-4A91-A7DE-F727D9247BF6}"/>
+              </a:ext>
+            </a:extLst>
+          </p:cNvPr>
+          <p:cNvSpPr txBox="1"/>
+          <p:nvPr/>
+        </p:nvSpPr>
+        <p:spPr>
+          <a:xfrm>
+            <a:off x="457200" y="535920"/>
+            <a:ext cx="6248400" cy="400110"/>
+          </a:xfrm>
+          <a:prstGeom prst="rect">
+            <a:avLst/>
+          </a:prstGeom>
+          <a:noFill/>
+        </p:spPr>
+        <p:txBody>
+          <a:bodyPr wrap="square" rtlCol="0">
+            <a:spAutoFit/>
+          </a:bodyPr>
+          <a:lstStyle/>
+          <a:p>
+            <a:r>
+              <a:rPr lang="de-DE" sz="2000" dirty="0"/>
+              <a:t>Correlation coefficient and distance</a:t>
+            </a:r>
+          </a:p>
+        </p:txBody>
+      </p:sp>
+      <p:pic>
+        <p:nvPicPr>
+          <p:cNvPr id="8" name="Picture 7">
+            <a:extLst>
+              <a:ext uri="{FF2B5EF4-FFF2-40B4-BE49-F238E27FC236}">
+                <a16:creationId xmlns:a16="http://schemas.microsoft.com/office/drawing/2014/main" id="{49746305-2F0D-4D3C-BDC1-C57CDA2E4464}"/>
+              </a:ext>
+            </a:extLst>
+          </p:cNvPr>
+          <p:cNvPicPr>
+            <a:picLocks noChangeAspect="1"/>
+          </p:cNvPicPr>
+          <p:nvPr/>
+        </p:nvPicPr>
+        <p:blipFill rotWithShape="1">
+          <a:blip r:embed="rId2" cstate="print">
+            <a:extLst>
+              <a:ext uri="{28A0092B-C50C-407E-A947-70E740481C1C}">
+                <a14:useLocalDpi xmlns:a14="http://schemas.microsoft.com/office/drawing/2010/main" val="0"/>
+              </a:ext>
+            </a:extLst>
+          </a:blip>
+          <a:srcRect t="12686"/>
+          <a:stretch/>
+        </p:blipFill>
+        <p:spPr>
+          <a:xfrm>
+            <a:off x="6503209" y="762000"/>
+            <a:ext cx="2183591" cy="1362548"/>
+          </a:xfrm>
+          <a:prstGeom prst="rect">
+            <a:avLst/>
+          </a:prstGeom>
+        </p:spPr>
+      </p:pic>
+      <p:sp>
+        <p:nvSpPr>
+          <p:cNvPr id="9" name="Rectangle 8">
+            <a:extLst>
+              <a:ext uri="{FF2B5EF4-FFF2-40B4-BE49-F238E27FC236}">
+                <a16:creationId xmlns:a16="http://schemas.microsoft.com/office/drawing/2014/main" id="{1D914C89-CDC9-49BF-B792-2D58143EBF41}"/>
+              </a:ext>
+            </a:extLst>
+          </p:cNvPr>
+          <p:cNvSpPr/>
+          <p:nvPr/>
+        </p:nvSpPr>
+        <p:spPr>
+          <a:xfrm>
+            <a:off x="6503209" y="2223670"/>
+            <a:ext cx="2133600" cy="253916"/>
+          </a:xfrm>
+          <a:prstGeom prst="rect">
+            <a:avLst/>
+          </a:prstGeom>
+        </p:spPr>
+        <p:txBody>
+          <a:bodyPr wrap="square">
+            <a:spAutoFit/>
+          </a:bodyPr>
+          <a:lstStyle/>
+          <a:p>
+            <a:pPr algn="ctr"/>
+            <a:r>
+              <a:rPr lang="en-US" sz="1050" dirty="0"/>
+              <a:t>Gordon </a:t>
+            </a:r>
+            <a:r>
+              <a:rPr lang="en-US" sz="1050" dirty="0" err="1"/>
+              <a:t>Kindlmann</a:t>
+            </a:r>
+            <a:r>
+              <a:rPr lang="en-US" sz="1050" dirty="0"/>
+              <a:t>, NIH Symposium</a:t>
+            </a:r>
+          </a:p>
+        </p:txBody>
+      </p:sp>
+    </p:spTree>
+    <p:extLst>
+      <p:ext uri="{BB962C8B-B14F-4D97-AF65-F5344CB8AC3E}">
+        <p14:creationId xmlns:p14="http://schemas.microsoft.com/office/powerpoint/2010/main" val="2629398035"/>
+      </p:ext>
+    </p:extLst>
+  </p:cSld>
+  <p:clrMapOvr>
+    <a:masterClrMapping/>
+  </p:clrMapOvr>
+</p:sld>
+</file>
+
+<file path=ppt/slides/slide13.xml><?xml version="1.0" encoding="utf-8"?>
+<p:sld xmlns:a="http://schemas.openxmlformats.org/drawingml/2006/main" xmlns:r="http://schemas.openxmlformats.org/officeDocument/2006/relationships" xmlns:p="http://schemas.openxmlformats.org/presentationml/2006/main">
+  <p:cSld>
+    <p:spTree>
+      <p:nvGrpSpPr>
+        <p:cNvPr id="1" name=""/>
+        <p:cNvGrpSpPr/>
+        <p:nvPr/>
+      </p:nvGrpSpPr>
+      <p:grpSpPr>
+        <a:xfrm>
+          <a:off x="0" y="0"/>
+          <a:ext cx="0" cy="0"/>
+          <a:chOff x="0" y="0"/>
+          <a:chExt cx="0" cy="0"/>
+        </a:xfrm>
+      </p:grpSpPr>
+      <p:sp>
+        <p:nvSpPr>
+          <p:cNvPr id="4" name="TextBox 3">
+            <a:extLst>
+              <a:ext uri="{FF2B5EF4-FFF2-40B4-BE49-F238E27FC236}">
+                <a16:creationId xmlns:a16="http://schemas.microsoft.com/office/drawing/2014/main" id="{A51A7F9D-3044-43F6-A393-00962D4AFC18}"/>
+              </a:ext>
+            </a:extLst>
+          </p:cNvPr>
+          <p:cNvSpPr txBox="1"/>
+          <p:nvPr/>
+        </p:nvSpPr>
+        <p:spPr>
+          <a:xfrm>
+            <a:off x="457200" y="535920"/>
+            <a:ext cx="6248400" cy="400110"/>
+          </a:xfrm>
+          <a:prstGeom prst="rect">
+            <a:avLst/>
+          </a:prstGeom>
+          <a:noFill/>
+        </p:spPr>
+        <p:txBody>
+          <a:bodyPr wrap="square" rtlCol="0">
+            <a:spAutoFit/>
+          </a:bodyPr>
+          <a:lstStyle/>
+          <a:p>
+            <a:r>
+              <a:rPr lang="de-DE" sz="2000" dirty="0"/>
+              <a:t>Correlation coefficient and distance</a:t>
+            </a:r>
+          </a:p>
+        </p:txBody>
+      </p:sp>
+      <p:pic>
+        <p:nvPicPr>
+          <p:cNvPr id="6" name="Picture 5">
+            <a:extLst>
+              <a:ext uri="{FF2B5EF4-FFF2-40B4-BE49-F238E27FC236}">
+                <a16:creationId xmlns:a16="http://schemas.microsoft.com/office/drawing/2014/main" id="{FE1165ED-EADD-4224-BDE4-EC4520939699}"/>
+              </a:ext>
+            </a:extLst>
+          </p:cNvPr>
+          <p:cNvPicPr>
+            <a:picLocks noChangeAspect="1"/>
+          </p:cNvPicPr>
+          <p:nvPr/>
+        </p:nvPicPr>
+        <p:blipFill rotWithShape="1">
+          <a:blip r:embed="rId2">
+            <a:extLst>
+              <a:ext uri="{28A0092B-C50C-407E-A947-70E740481C1C}">
+                <a14:useLocalDpi xmlns:a14="http://schemas.microsoft.com/office/drawing/2010/main" val="0"/>
+              </a:ext>
+            </a:extLst>
+          </a:blip>
+          <a:srcRect l="9167" r="8333" b="4412"/>
+          <a:stretch/>
+        </p:blipFill>
+        <p:spPr>
+          <a:xfrm>
+            <a:off x="228600" y="936030"/>
+            <a:ext cx="8812657" cy="5599440"/>
+          </a:xfrm>
+          <a:prstGeom prst="rect">
+            <a:avLst/>
+          </a:prstGeom>
+        </p:spPr>
+      </p:pic>
+    </p:spTree>
+    <p:extLst>
+      <p:ext uri="{BB962C8B-B14F-4D97-AF65-F5344CB8AC3E}">
+        <p14:creationId xmlns:p14="http://schemas.microsoft.com/office/powerpoint/2010/main" val="2379363926"/>
+      </p:ext>
+    </p:extLst>
+  </p:cSld>
+  <p:clrMapOvr>
+    <a:masterClrMapping/>
+  </p:clrMapOvr>
+</p:sld>
+</file>
+
+<file path=ppt/slides/slide14.xml><?xml version="1.0" encoding="utf-8"?>
+<p:sld xmlns:a="http://schemas.openxmlformats.org/drawingml/2006/main" xmlns:r="http://schemas.openxmlformats.org/officeDocument/2006/relationships" xmlns:p="http://schemas.openxmlformats.org/presentationml/2006/main">
+  <p:cSld>
+    <p:spTree>
+      <p:nvGrpSpPr>
+        <p:cNvPr id="1" name=""/>
+        <p:cNvGrpSpPr/>
+        <p:nvPr/>
+      </p:nvGrpSpPr>
+      <p:grpSpPr>
+        <a:xfrm>
+          <a:off x="0" y="0"/>
+          <a:ext cx="0" cy="0"/>
+          <a:chOff x="0" y="0"/>
+          <a:chExt cx="0" cy="0"/>
+        </a:xfrm>
+      </p:grpSpPr>
+      <p:sp>
+        <p:nvSpPr>
           <p:cNvPr id="4" name="TextBox 3"/>
           <p:cNvSpPr txBox="1"/>
           <p:nvPr/>
@@ -3464,34 +3688,34 @@
           <a:lstStyle/>
           <a:p>
             <a:r>
-              <a:rPr lang="de-DE" b="1" dirty="0" smtClean="0"/>
+              <a:rPr lang="de-DE" b="1" dirty="0"/>
               <a:t>Outline</a:t>
             </a:r>
           </a:p>
           <a:p>
-            <a:endParaRPr lang="de-DE" dirty="0" smtClean="0"/>
-          </a:p>
-          <a:p>
-            <a:r>
-              <a:rPr lang="de-DE" dirty="0" smtClean="0"/>
+            <a:endParaRPr lang="de-DE" dirty="0"/>
+          </a:p>
+          <a:p>
+            <a:r>
+              <a:rPr lang="de-DE" dirty="0"/>
               <a:t>Part 1: Old shit</a:t>
             </a:r>
           </a:p>
           <a:p>
             <a:r>
-              <a:rPr lang="de-DE" dirty="0" smtClean="0"/>
+              <a:rPr lang="de-DE" dirty="0"/>
               <a:t>How did we find the real dataset?</a:t>
             </a:r>
           </a:p>
           <a:p>
             <a:r>
-              <a:rPr lang="de-DE" dirty="0" smtClean="0"/>
+              <a:rPr lang="de-DE" dirty="0"/>
               <a:t>Slide 1: one pieve of evidence in each corner</a:t>
             </a:r>
           </a:p>
           <a:p>
             <a:r>
-              <a:rPr lang="de-DE" dirty="0" smtClean="0"/>
+              <a:rPr lang="de-DE" dirty="0"/>
               <a:t>Slide 2: ISI nail in the coffin</a:t>
             </a:r>
           </a:p>
@@ -3501,34 +3725,30 @@
           <a:p>
             <a:r>
               <a:rPr lang="de-DE" dirty="0"/>
-              <a:t>Part </a:t>
-            </a:r>
-            <a:r>
-              <a:rPr lang="de-DE" dirty="0" smtClean="0"/>
-              <a:t>2: New data!</a:t>
-            </a:r>
-          </a:p>
-          <a:p>
-            <a:r>
-              <a:rPr lang="de-DE" dirty="0" smtClean="0"/>
+              <a:t>Part 2: New data!</a:t>
+            </a:r>
+          </a:p>
+          <a:p>
+            <a:r>
+              <a:rPr lang="de-DE" dirty="0"/>
               <a:t>	Jens: 	Correlations FR-RT across channels</a:t>
             </a:r>
           </a:p>
           <a:p>
             <a:r>
-              <a:rPr lang="de-DE" dirty="0" smtClean="0"/>
+              <a:rPr lang="de-DE" dirty="0"/>
               <a:t>	Jahan: 	Correlations between units across channels</a:t>
             </a:r>
           </a:p>
           <a:p>
             <a:r>
-              <a:rPr lang="de-DE" dirty="0" smtClean="0"/>
+              <a:rPr lang="de-DE" dirty="0"/>
               <a:t>	Lungsi: 	Adding time-resolution with pairwise cross-correlations on a 	subset of 	pairs, show eg. 3 pairs in different colors -&gt; 3 cross-corr curves</a:t>
             </a:r>
           </a:p>
           <a:p>
             <a:r>
-              <a:rPr lang="de-DE" dirty="0" smtClean="0"/>
+              <a:rPr lang="de-DE" dirty="0"/>
               <a:t>	HP: 	Fancy PCA movie</a:t>
             </a:r>
           </a:p>
@@ -3537,10 +3757,9 @@
           </a:p>
           <a:p>
             <a:r>
-              <a:rPr lang="de-DE" dirty="0" smtClean="0"/>
+              <a:rPr lang="de-DE" dirty="0"/>
               <a:t>Part 3: Conclusions ??</a:t>
             </a:r>
-            <a:endParaRPr lang="de-DE" dirty="0"/>
           </a:p>
         </p:txBody>
       </p:sp>
@@ -3554,13 +3773,6 @@
   <p:clrMapOvr>
     <a:masterClrMapping/>
   </p:clrMapOvr>
-  <p:timing>
-    <p:tnLst>
-      <p:par>
-        <p:cTn id="1" dur="indefinite" restart="never" nodeType="tmRoot"/>
-      </p:par>
-    </p:tnLst>
-  </p:timing>
 </p:sld>
 </file>
 
@@ -3604,10 +3816,9 @@
           <a:lstStyle/>
           <a:p>
             <a:r>
-              <a:rPr lang="de-DE" sz="2000" dirty="0" smtClean="0"/>
+              <a:rPr lang="de-DE" sz="2000" dirty="0"/>
               <a:t>Chain of evidence – Part 1: Dichotomy in the datasets</a:t>
             </a:r>
-            <a:endParaRPr lang="de-DE" sz="2000" dirty="0"/>
           </a:p>
         </p:txBody>
       </p:sp>
@@ -3751,10 +3962,9 @@
           <a:lstStyle/>
           <a:p>
             <a:r>
-              <a:rPr lang="de-DE" sz="1200" dirty="0" smtClean="0"/>
+              <a:rPr lang="de-DE" sz="1200" dirty="0"/>
               <a:t>Data 0, 1, 3, 4</a:t>
             </a:r>
-            <a:endParaRPr lang="de-DE" sz="1200" dirty="0"/>
           </a:p>
         </p:txBody>
       </p:sp>
@@ -3782,10 +3992,9 @@
           <a:p>
             <a:pPr algn="ctr"/>
             <a:r>
-              <a:rPr lang="de-DE" sz="1200" dirty="0" smtClean="0"/>
+              <a:rPr lang="de-DE" sz="1200" dirty="0"/>
               <a:t>Data 2, 5</a:t>
             </a:r>
-            <a:endParaRPr lang="de-DE" sz="1200" dirty="0"/>
           </a:p>
         </p:txBody>
       </p:sp>
@@ -3812,10 +4021,9 @@
           <a:lstStyle/>
           <a:p>
             <a:r>
-              <a:rPr lang="de-DE" sz="1200" dirty="0" smtClean="0"/>
+              <a:rPr lang="de-DE" sz="1200" dirty="0"/>
               <a:t>Data 0, 1, 3, 4</a:t>
             </a:r>
-            <a:endParaRPr lang="de-DE" sz="1200" dirty="0"/>
           </a:p>
         </p:txBody>
       </p:sp>
@@ -3843,10 +4051,9 @@
           <a:p>
             <a:pPr algn="ctr"/>
             <a:r>
-              <a:rPr lang="de-DE" sz="1200" dirty="0" smtClean="0"/>
+              <a:rPr lang="de-DE" sz="1200" dirty="0"/>
               <a:t>Data 2, 5</a:t>
             </a:r>
-            <a:endParaRPr lang="de-DE" sz="1200" dirty="0"/>
           </a:p>
         </p:txBody>
       </p:sp>
@@ -3873,18 +4080,13 @@
           <a:lstStyle/>
           <a:p>
             <a:r>
-              <a:rPr lang="de-DE" sz="1600" dirty="0" smtClean="0">
+              <a:rPr lang="de-DE" sz="1600" dirty="0">
                 <a:solidFill>
                   <a:srgbClr val="FF0000"/>
                 </a:solidFill>
               </a:rPr>
               <a:t>CV²</a:t>
             </a:r>
-            <a:endParaRPr lang="de-DE" sz="1600" dirty="0">
-              <a:solidFill>
-                <a:srgbClr val="FF0000"/>
-              </a:solidFill>
-            </a:endParaRPr>
           </a:p>
         </p:txBody>
       </p:sp>
@@ -3911,18 +4113,13 @@
           <a:lstStyle/>
           <a:p>
             <a:r>
-              <a:rPr lang="de-DE" sz="1600" dirty="0" smtClean="0">
+              <a:rPr lang="de-DE" sz="1600" dirty="0">
                 <a:solidFill>
                   <a:srgbClr val="0070C0"/>
                 </a:solidFill>
               </a:rPr>
               <a:t>Fano</a:t>
             </a:r>
-            <a:endParaRPr lang="de-DE" sz="1600" dirty="0">
-              <a:solidFill>
-                <a:srgbClr val="0070C0"/>
-              </a:solidFill>
-            </a:endParaRPr>
           </a:p>
         </p:txBody>
       </p:sp>
@@ -3949,10 +4146,9 @@
           <a:lstStyle/>
           <a:p>
             <a:r>
-              <a:rPr lang="de-DE" sz="1600" dirty="0" smtClean="0"/>
+              <a:rPr lang="de-DE" sz="1600" dirty="0"/>
               <a:t>vs.</a:t>
             </a:r>
-            <a:endParaRPr lang="de-DE" sz="1600" dirty="0"/>
           </a:p>
         </p:txBody>
       </p:sp>
@@ -3979,10 +4175,9 @@
           <a:lstStyle/>
           <a:p>
             <a:r>
-              <a:rPr lang="de-DE" sz="1600" dirty="0" smtClean="0"/>
+              <a:rPr lang="de-DE" sz="1600" dirty="0"/>
               <a:t>CV2²</a:t>
             </a:r>
-            <a:endParaRPr lang="de-DE" sz="1600" dirty="0"/>
           </a:p>
         </p:txBody>
       </p:sp>
@@ -4009,10 +4204,9 @@
           <a:lstStyle/>
           <a:p>
             <a:r>
-              <a:rPr lang="de-DE" sz="1600" dirty="0" smtClean="0"/>
+              <a:rPr lang="de-DE" sz="1600" dirty="0"/>
               <a:t>Fano</a:t>
             </a:r>
-            <a:endParaRPr lang="de-DE" sz="1600" dirty="0"/>
           </a:p>
         </p:txBody>
       </p:sp>
@@ -4039,10 +4233,9 @@
           <a:lstStyle/>
           <a:p>
             <a:r>
-              <a:rPr lang="de-DE" sz="1600" dirty="0" smtClean="0"/>
+              <a:rPr lang="de-DE" sz="1600" dirty="0"/>
               <a:t>vs.</a:t>
             </a:r>
-            <a:endParaRPr lang="de-DE" sz="1600" dirty="0"/>
           </a:p>
         </p:txBody>
       </p:sp>
@@ -4236,10 +4429,9 @@
           <a:lstStyle/>
           <a:p>
             <a:r>
-              <a:rPr lang="de-DE" sz="1200" dirty="0" smtClean="0"/>
+              <a:rPr lang="de-DE" sz="1200" dirty="0"/>
               <a:t>Data 0, 1, 3, 4</a:t>
             </a:r>
-            <a:endParaRPr lang="de-DE" sz="1200" dirty="0"/>
           </a:p>
         </p:txBody>
       </p:sp>
@@ -4267,10 +4459,9 @@
           <a:p>
             <a:pPr algn="ctr"/>
             <a:r>
-              <a:rPr lang="de-DE" sz="1200" dirty="0" smtClean="0"/>
+              <a:rPr lang="de-DE" sz="1200" dirty="0"/>
               <a:t>Data 2, 5</a:t>
             </a:r>
-            <a:endParaRPr lang="de-DE" sz="1200" dirty="0"/>
           </a:p>
         </p:txBody>
       </p:sp>
@@ -4298,14 +4489,14 @@
           <a:p>
             <a:pPr algn="ctr"/>
             <a:r>
-              <a:rPr lang="de-DE" sz="1600" dirty="0" smtClean="0"/>
+              <a:rPr lang="de-DE" sz="1600" dirty="0"/>
               <a:t>Firing Rate vs. RT</a:t>
             </a:r>
           </a:p>
           <a:p>
             <a:pPr algn="ctr"/>
             <a:r>
-              <a:rPr lang="de-DE" sz="1200" dirty="0" smtClean="0"/>
+              <a:rPr lang="de-DE" sz="1200" dirty="0"/>
               <a:t>Number of significantly correlated neurons</a:t>
             </a:r>
             <a:endParaRPr lang="de-DE" sz="1100" dirty="0"/>
@@ -4335,10 +4526,9 @@
           <a:p>
             <a:pPr algn="ctr"/>
             <a:r>
-              <a:rPr lang="de-DE" sz="1600" dirty="0" smtClean="0"/>
+              <a:rPr lang="de-DE" sz="1600" dirty="0"/>
               <a:t>PCA clusters</a:t>
             </a:r>
-            <a:endParaRPr lang="de-DE" sz="1600" dirty="0"/>
           </a:p>
         </p:txBody>
       </p:sp>
@@ -4365,10 +4555,9 @@
           <a:lstStyle/>
           <a:p>
             <a:r>
-              <a:rPr lang="de-DE" sz="1100" dirty="0" smtClean="0"/>
+              <a:rPr lang="de-DE" sz="1100" dirty="0"/>
               <a:t>Datasets</a:t>
             </a:r>
-            <a:endParaRPr lang="de-DE" sz="1100" dirty="0"/>
           </a:p>
         </p:txBody>
       </p:sp>
@@ -5111,10 +5300,9 @@
           <a:lstStyle/>
           <a:p>
             <a:r>
-              <a:rPr lang="de-DE" sz="2000" dirty="0" smtClean="0"/>
+              <a:rPr lang="de-DE" sz="2000" dirty="0"/>
               <a:t>Chain of evidence – Part 2: Is it dataset 2 or 5?</a:t>
             </a:r>
-            <a:endParaRPr lang="de-DE" sz="2000" dirty="0"/>
           </a:p>
         </p:txBody>
       </p:sp>
@@ -5220,7 +5408,7 @@
           <a:p>
             <a:pPr algn="ctr"/>
             <a:r>
-              <a:rPr lang="de-DE" sz="1600" dirty="0" smtClean="0"/>
+              <a:rPr lang="de-DE" sz="1600" dirty="0"/>
               <a:t>Dataset 2</a:t>
             </a:r>
             <a:endParaRPr lang="de-DE" sz="1100" dirty="0"/>
@@ -5251,7 +5439,7 @@
           <a:p>
             <a:pPr algn="ctr"/>
             <a:r>
-              <a:rPr lang="de-DE" sz="1600" dirty="0" smtClean="0"/>
+              <a:rPr lang="de-DE" sz="1600" dirty="0"/>
               <a:t>Dataset 5</a:t>
             </a:r>
             <a:endParaRPr lang="de-DE" sz="1100" dirty="0"/>
@@ -5282,7 +5470,7 @@
           <a:p>
             <a:pPr algn="ctr"/>
             <a:r>
-              <a:rPr lang="de-DE" sz="1100" dirty="0" smtClean="0"/>
+              <a:rPr lang="de-DE" sz="1100" dirty="0"/>
               <a:t>counts</a:t>
             </a:r>
             <a:endParaRPr lang="de-DE" sz="900" dirty="0"/>
@@ -5313,7 +5501,7 @@
           <a:p>
             <a:pPr algn="ctr"/>
             <a:r>
-              <a:rPr lang="de-DE" sz="1100" dirty="0" smtClean="0"/>
+              <a:rPr lang="de-DE" sz="1100" dirty="0"/>
               <a:t>ISI (1 ms bins)</a:t>
             </a:r>
             <a:endParaRPr lang="de-DE" sz="900" dirty="0"/>
@@ -5344,7 +5532,7 @@
           <a:p>
             <a:pPr algn="ctr"/>
             <a:r>
-              <a:rPr lang="de-DE" sz="1100" dirty="0" smtClean="0"/>
+              <a:rPr lang="de-DE" sz="1100" dirty="0"/>
               <a:t>counts</a:t>
             </a:r>
             <a:endParaRPr lang="de-DE" sz="900" dirty="0"/>
@@ -5375,7 +5563,7 @@
           <a:p>
             <a:pPr algn="ctr"/>
             <a:r>
-              <a:rPr lang="de-DE" sz="1100" dirty="0" smtClean="0"/>
+              <a:rPr lang="de-DE" sz="1100" dirty="0"/>
               <a:t>ISI (1 ms bins)</a:t>
             </a:r>
             <a:endParaRPr lang="de-DE" sz="900" dirty="0"/>
@@ -5976,10 +6164,9 @@
           <a:lstStyle/>
           <a:p>
             <a:r>
-              <a:rPr lang="de-DE" sz="2000" dirty="0" smtClean="0"/>
+              <a:rPr lang="de-DE" sz="2000" dirty="0"/>
               <a:t>Correlations Firing Rate vs. Reaction Time – A closer look</a:t>
             </a:r>
-            <a:endParaRPr lang="de-DE" sz="2000" dirty="0"/>
           </a:p>
         </p:txBody>
       </p:sp>
@@ -5993,13 +6180,6 @@
   <p:clrMapOvr>
     <a:masterClrMapping/>
   </p:clrMapOvr>
-  <p:timing>
-    <p:tnLst>
-      <p:par>
-        <p:cTn id="1" dur="indefinite" restart="never" nodeType="tmRoot"/>
-      </p:par>
-    </p:tnLst>
-  </p:timing>
 </p:sld>
 </file>
 
@@ -6136,7 +6316,7 @@
             <a:p>
               <a:pPr algn="r"/>
               <a:r>
-                <a:rPr lang="de-DE" sz="1400" dirty="0" smtClean="0"/>
+                <a:rPr lang="de-DE" sz="1400" dirty="0"/>
                 <a:t>0.3</a:t>
               </a:r>
             </a:p>
@@ -6165,7 +6345,7 @@
             <a:lstStyle/>
             <a:p>
               <a:r>
-                <a:rPr lang="de-DE" sz="1400" dirty="0" smtClean="0"/>
+                <a:rPr lang="de-DE" sz="1400" dirty="0"/>
                 <a:t>0</a:t>
               </a:r>
             </a:p>
@@ -6195,7 +6375,7 @@
             <a:p>
               <a:pPr algn="r"/>
               <a:r>
-                <a:rPr lang="de-DE" sz="1400" dirty="0" smtClean="0"/>
+                <a:rPr lang="de-DE" sz="1400" dirty="0"/>
                 <a:t>- 0.3</a:t>
               </a:r>
             </a:p>
@@ -6279,10 +6459,9 @@
           <a:lstStyle/>
           <a:p>
             <a:r>
-              <a:rPr lang="de-DE" sz="2000" dirty="0" smtClean="0"/>
+              <a:rPr lang="de-DE" sz="2000" dirty="0"/>
               <a:t>Correlations Firing Rate vs. Reaction Time – A closer look</a:t>
             </a:r>
-            <a:endParaRPr lang="de-DE" sz="2000" dirty="0"/>
           </a:p>
         </p:txBody>
       </p:sp>
@@ -6296,13 +6475,6 @@
   <p:clrMapOvr>
     <a:masterClrMapping/>
   </p:clrMapOvr>
-  <p:timing>
-    <p:tnLst>
-      <p:par>
-        <p:cTn id="1" dur="indefinite" restart="never" nodeType="tmRoot"/>
-      </p:par>
-    </p:tnLst>
-  </p:timing>
 </p:sld>
 </file>
 
@@ -6439,7 +6611,7 @@
             <a:p>
               <a:pPr algn="r"/>
               <a:r>
-                <a:rPr lang="de-DE" sz="1400" dirty="0" smtClean="0"/>
+                <a:rPr lang="de-DE" sz="1400" dirty="0"/>
                 <a:t>0.3</a:t>
               </a:r>
             </a:p>
@@ -6468,7 +6640,7 @@
             <a:lstStyle/>
             <a:p>
               <a:r>
-                <a:rPr lang="de-DE" sz="1400" dirty="0" smtClean="0"/>
+                <a:rPr lang="de-DE" sz="1400" dirty="0"/>
                 <a:t>0</a:t>
               </a:r>
             </a:p>
@@ -6498,7 +6670,7 @@
             <a:p>
               <a:pPr algn="r"/>
               <a:r>
-                <a:rPr lang="de-DE" sz="1400" dirty="0" smtClean="0"/>
+                <a:rPr lang="de-DE" sz="1400" dirty="0"/>
                 <a:t>- 0.3</a:t>
               </a:r>
             </a:p>
@@ -6628,10 +6800,9 @@
           <a:lstStyle/>
           <a:p>
             <a:r>
-              <a:rPr lang="de-DE" sz="2000" dirty="0" smtClean="0"/>
+              <a:rPr lang="de-DE" sz="2000" dirty="0"/>
               <a:t>Correlations Firing Rate vs. Reaction Time – A closer look</a:t>
             </a:r>
-            <a:endParaRPr lang="de-DE" sz="2000" dirty="0"/>
           </a:p>
         </p:txBody>
       </p:sp>
@@ -6645,13 +6816,6 @@
   <p:clrMapOvr>
     <a:masterClrMapping/>
   </p:clrMapOvr>
-  <p:timing>
-    <p:tnLst>
-      <p:par>
-        <p:cTn id="1" dur="indefinite" restart="never" nodeType="tmRoot"/>
-      </p:par>
-    </p:tnLst>
-  </p:timing>
 </p:sld>
 </file>
 
@@ -6788,7 +6952,7 @@
             <a:p>
               <a:pPr algn="r"/>
               <a:r>
-                <a:rPr lang="de-DE" sz="1400" dirty="0" smtClean="0"/>
+                <a:rPr lang="de-DE" sz="1400" dirty="0"/>
                 <a:t>0.3</a:t>
               </a:r>
             </a:p>
@@ -6817,7 +6981,7 @@
             <a:lstStyle/>
             <a:p>
               <a:r>
-                <a:rPr lang="de-DE" sz="1400" dirty="0" smtClean="0"/>
+                <a:rPr lang="de-DE" sz="1400" dirty="0"/>
                 <a:t>0</a:t>
               </a:r>
             </a:p>
@@ -6847,7 +7011,7 @@
             <a:p>
               <a:pPr algn="r"/>
               <a:r>
-                <a:rPr lang="de-DE" sz="1400" dirty="0" smtClean="0"/>
+                <a:rPr lang="de-DE" sz="1400" dirty="0"/>
                 <a:t>- 0.3</a:t>
               </a:r>
             </a:p>
@@ -6977,10 +7141,9 @@
           <a:lstStyle/>
           <a:p>
             <a:r>
-              <a:rPr lang="de-DE" sz="2000" dirty="0" smtClean="0"/>
+              <a:rPr lang="de-DE" sz="2000" dirty="0"/>
               <a:t>Correlations Firing Rate vs. Reaction Time – A closer look</a:t>
             </a:r>
-            <a:endParaRPr lang="de-DE" sz="2000" dirty="0"/>
           </a:p>
         </p:txBody>
       </p:sp>
@@ -6994,13 +7157,6 @@
   <p:clrMapOvr>
     <a:masterClrMapping/>
   </p:clrMapOvr>
-  <p:timing>
-    <p:tnLst>
-      <p:par>
-        <p:cTn id="1" dur="indefinite" restart="never" nodeType="tmRoot"/>
-      </p:par>
-    </p:tnLst>
-  </p:timing>
 </p:sld>
 </file>
 
@@ -7151,7 +7307,7 @@
               <a:p>
                 <a:pPr algn="r"/>
                 <a:r>
-                  <a:rPr lang="de-DE" sz="1400" dirty="0" smtClean="0"/>
+                  <a:rPr lang="de-DE" sz="1400" dirty="0"/>
                   <a:t>0.01</a:t>
                 </a:r>
               </a:p>
@@ -7180,7 +7336,7 @@
               <a:lstStyle/>
               <a:p>
                 <a:r>
-                  <a:rPr lang="de-DE" sz="1400" dirty="0" smtClean="0"/>
+                  <a:rPr lang="de-DE" sz="1400" dirty="0"/>
                   <a:t>0</a:t>
                 </a:r>
               </a:p>
@@ -7211,7 +7367,7 @@
             <a:p>
               <a:pPr algn="r"/>
               <a:r>
-                <a:rPr lang="de-DE" sz="1400" dirty="0" smtClean="0"/>
+                <a:rPr lang="de-DE" sz="1400" dirty="0"/>
                 <a:t>- 0.01</a:t>
               </a:r>
             </a:p>
@@ -7341,10 +7497,9 @@
           <a:lstStyle/>
           <a:p>
             <a:r>
-              <a:rPr lang="de-DE" sz="2000" dirty="0" smtClean="0"/>
+              <a:rPr lang="de-DE" sz="2000" dirty="0"/>
               <a:t>Spike-field coherence</a:t>
             </a:r>
-            <a:endParaRPr lang="de-DE" sz="2000" dirty="0"/>
           </a:p>
         </p:txBody>
       </p:sp>
@@ -7503,10 +7658,9 @@
           <a:lstStyle/>
           <a:p>
             <a:r>
-              <a:rPr lang="de-DE" sz="2000" dirty="0" smtClean="0"/>
+              <a:rPr lang="de-DE" sz="2000" dirty="0"/>
               <a:t>Spike-correlations across channels</a:t>
             </a:r>
-            <a:endParaRPr lang="de-DE" sz="2000" dirty="0"/>
           </a:p>
         </p:txBody>
       </p:sp>
@@ -7520,13 +7674,6 @@
   <p:clrMapOvr>
     <a:masterClrMapping/>
   </p:clrMapOvr>
-  <p:timing>
-    <p:tnLst>
-      <p:par>
-        <p:cTn id="1" dur="indefinite" restart="never" nodeType="tmRoot"/>
-      </p:par>
-    </p:tnLst>
-  </p:timing>
 </p:sld>
 </file>
 
